--- a/SQL/sql-lib.pptx
+++ b/SQL/sql-lib.pptx
@@ -14,6 +14,8 @@
     <p:sldId id="262" r:id="rId8"/>
     <p:sldId id="266" r:id="rId9"/>
     <p:sldId id="265" r:id="rId10"/>
+    <p:sldId id="267" r:id="rId11"/>
+    <p:sldId id="268" r:id="rId12"/>
   </p:sldIdLst>
   <p:sldSz cx="9144000" cy="6858000" type="screen4x3"/>
   <p:notesSz cx="6858000" cy="9144000"/>
@@ -296,7 +298,7 @@
           <a:p>
             <a:fld id="{4193FD9C-507C-514D-95ED-FC5F79274887}" type="datetimeFigureOut">
               <a:rPr lang="en-US" smtClean="0"/>
-              <a:t>04.08.15</a:t>
+              <a:t>05/08/15</a:t>
             </a:fld>
             <a:endParaRPr lang="en-US"/>
           </a:p>
@@ -466,7 +468,7 @@
           <a:p>
             <a:fld id="{4193FD9C-507C-514D-95ED-FC5F79274887}" type="datetimeFigureOut">
               <a:rPr lang="en-US" smtClean="0"/>
-              <a:t>04.08.15</a:t>
+              <a:t>05/08/15</a:t>
             </a:fld>
             <a:endParaRPr lang="en-US"/>
           </a:p>
@@ -646,7 +648,7 @@
           <a:p>
             <a:fld id="{4193FD9C-507C-514D-95ED-FC5F79274887}" type="datetimeFigureOut">
               <a:rPr lang="en-US" smtClean="0"/>
-              <a:t>04.08.15</a:t>
+              <a:t>05/08/15</a:t>
             </a:fld>
             <a:endParaRPr lang="en-US"/>
           </a:p>
@@ -816,7 +818,7 @@
           <a:p>
             <a:fld id="{4193FD9C-507C-514D-95ED-FC5F79274887}" type="datetimeFigureOut">
               <a:rPr lang="en-US" smtClean="0"/>
-              <a:t>04.08.15</a:t>
+              <a:t>05/08/15</a:t>
             </a:fld>
             <a:endParaRPr lang="en-US"/>
           </a:p>
@@ -1062,7 +1064,7 @@
           <a:p>
             <a:fld id="{4193FD9C-507C-514D-95ED-FC5F79274887}" type="datetimeFigureOut">
               <a:rPr lang="en-US" smtClean="0"/>
-              <a:t>04.08.15</a:t>
+              <a:t>05/08/15</a:t>
             </a:fld>
             <a:endParaRPr lang="en-US"/>
           </a:p>
@@ -1350,7 +1352,7 @@
           <a:p>
             <a:fld id="{4193FD9C-507C-514D-95ED-FC5F79274887}" type="datetimeFigureOut">
               <a:rPr lang="en-US" smtClean="0"/>
-              <a:t>04.08.15</a:t>
+              <a:t>05/08/15</a:t>
             </a:fld>
             <a:endParaRPr lang="en-US"/>
           </a:p>
@@ -1772,7 +1774,7 @@
           <a:p>
             <a:fld id="{4193FD9C-507C-514D-95ED-FC5F79274887}" type="datetimeFigureOut">
               <a:rPr lang="en-US" smtClean="0"/>
-              <a:t>04.08.15</a:t>
+              <a:t>05/08/15</a:t>
             </a:fld>
             <a:endParaRPr lang="en-US"/>
           </a:p>
@@ -1890,7 +1892,7 @@
           <a:p>
             <a:fld id="{4193FD9C-507C-514D-95ED-FC5F79274887}" type="datetimeFigureOut">
               <a:rPr lang="en-US" smtClean="0"/>
-              <a:t>04.08.15</a:t>
+              <a:t>05/08/15</a:t>
             </a:fld>
             <a:endParaRPr lang="en-US"/>
           </a:p>
@@ -1985,7 +1987,7 @@
           <a:p>
             <a:fld id="{4193FD9C-507C-514D-95ED-FC5F79274887}" type="datetimeFigureOut">
               <a:rPr lang="en-US" smtClean="0"/>
-              <a:t>04.08.15</a:t>
+              <a:t>05/08/15</a:t>
             </a:fld>
             <a:endParaRPr lang="en-US"/>
           </a:p>
@@ -2262,7 +2264,7 @@
           <a:p>
             <a:fld id="{4193FD9C-507C-514D-95ED-FC5F79274887}" type="datetimeFigureOut">
               <a:rPr lang="en-US" smtClean="0"/>
-              <a:t>04.08.15</a:t>
+              <a:t>05/08/15</a:t>
             </a:fld>
             <a:endParaRPr lang="en-US"/>
           </a:p>
@@ -2515,7 +2517,7 @@
           <a:p>
             <a:fld id="{4193FD9C-507C-514D-95ED-FC5F79274887}" type="datetimeFigureOut">
               <a:rPr lang="en-US" smtClean="0"/>
-              <a:t>04.08.15</a:t>
+              <a:t>05/08/15</a:t>
             </a:fld>
             <a:endParaRPr lang="en-US"/>
           </a:p>
@@ -2728,7 +2730,7 @@
           <a:p>
             <a:fld id="{4193FD9C-507C-514D-95ED-FC5F79274887}" type="datetimeFigureOut">
               <a:rPr lang="en-US" smtClean="0"/>
-              <a:t>04.08.15</a:t>
+              <a:t>05/08/15</a:t>
             </a:fld>
             <a:endParaRPr lang="en-US"/>
           </a:p>
@@ -3112,14 +3114,14 @@
           <p:nvPr>
             <p:extLst>
               <p:ext uri="{D42A27DB-BD31-4B8C-83A1-F6EECF244321}">
-                <p14:modId xmlns:p14="http://schemas.microsoft.com/office/powerpoint/2010/main" val="2296842228"/>
+                <p14:modId xmlns:p14="http://schemas.microsoft.com/office/powerpoint/2010/main" val="2986493129"/>
               </p:ext>
             </p:extLst>
           </p:nvPr>
         </p:nvGraphicFramePr>
         <p:xfrm>
-          <a:off x="277918" y="686948"/>
-          <a:ext cx="4736730" cy="1097280"/>
+          <a:off x="277918" y="737839"/>
+          <a:ext cx="4736730" cy="1920240"/>
         </p:xfrm>
         <a:graphic>
           <a:graphicData uri="http://schemas.openxmlformats.org/drawingml/2006/table">
@@ -3307,6 +3309,232 @@
                     <a:p>
                       <a:r>
                         <a:rPr lang="en-US" sz="1200" dirty="0" smtClean="0"/>
+                        <a:t>2</a:t>
+                      </a:r>
+                      <a:endParaRPr lang="en-US" sz="1200" dirty="0"/>
+                    </a:p>
+                  </a:txBody>
+                  <a:tcPr/>
+                </a:tc>
+                <a:tc>
+                  <a:txBody>
+                    <a:bodyPr/>
+                    <a:lstStyle/>
+                    <a:p>
+                      <a:r>
+                        <a:rPr lang="en-US" sz="1200" dirty="0" smtClean="0"/>
+                        <a:t>Kline</a:t>
+                      </a:r>
+                      <a:endParaRPr lang="en-US" sz="1200" dirty="0"/>
+                    </a:p>
+                  </a:txBody>
+                  <a:tcPr/>
+                </a:tc>
+                <a:tc>
+                  <a:txBody>
+                    <a:bodyPr/>
+                    <a:lstStyle/>
+                    <a:p>
+                      <a:r>
+                        <a:rPr lang="en-US" sz="1200" dirty="0" smtClean="0"/>
+                        <a:t>Daniel</a:t>
+                      </a:r>
+                      <a:endParaRPr lang="en-US" sz="1200" dirty="0"/>
+                    </a:p>
+                  </a:txBody>
+                  <a:tcPr/>
+                </a:tc>
+                <a:tc>
+                  <a:txBody>
+                    <a:bodyPr/>
+                    <a:lstStyle/>
+                    <a:p>
+                      <a:endParaRPr lang="en-US" sz="1200" dirty="0"/>
+                    </a:p>
+                  </a:txBody>
+                  <a:tcPr/>
+                </a:tc>
+                <a:tc>
+                  <a:txBody>
+                    <a:bodyPr/>
+                    <a:lstStyle/>
+                    <a:p>
+                      <a:endParaRPr lang="en-US" sz="1200" dirty="0"/>
+                    </a:p>
+                  </a:txBody>
+                  <a:tcPr/>
+                </a:tc>
+                <a:tc>
+                  <a:txBody>
+                    <a:bodyPr/>
+                    <a:lstStyle/>
+                    <a:p>
+                      <a:endParaRPr lang="en-US" sz="1200" dirty="0"/>
+                    </a:p>
+                  </a:txBody>
+                  <a:tcPr/>
+                </a:tc>
+              </a:tr>
+              <a:tr h="237201">
+                <a:tc>
+                  <a:txBody>
+                    <a:bodyPr/>
+                    <a:lstStyle/>
+                    <a:p>
+                      <a:r>
+                        <a:rPr lang="en-US" sz="1200" dirty="0" smtClean="0"/>
+                        <a:t>3</a:t>
+                      </a:r>
+                      <a:endParaRPr lang="en-US" sz="1200" dirty="0"/>
+                    </a:p>
+                  </a:txBody>
+                  <a:tcPr/>
+                </a:tc>
+                <a:tc>
+                  <a:txBody>
+                    <a:bodyPr/>
+                    <a:lstStyle/>
+                    <a:p>
+                      <a:r>
+                        <a:rPr lang="en-US" sz="1200" dirty="0" smtClean="0"/>
+                        <a:t>Hunt</a:t>
+                      </a:r>
+                      <a:endParaRPr lang="en-US" sz="1200" dirty="0"/>
+                    </a:p>
+                  </a:txBody>
+                  <a:tcPr/>
+                </a:tc>
+                <a:tc>
+                  <a:txBody>
+                    <a:bodyPr/>
+                    <a:lstStyle/>
+                    <a:p>
+                      <a:r>
+                        <a:rPr lang="en-US" sz="1200" dirty="0" smtClean="0"/>
+                        <a:t>Brand</a:t>
+                      </a:r>
+                      <a:endParaRPr lang="en-US" sz="1200" dirty="0"/>
+                    </a:p>
+                  </a:txBody>
+                  <a:tcPr/>
+                </a:tc>
+                <a:tc>
+                  <a:txBody>
+                    <a:bodyPr/>
+                    <a:lstStyle/>
+                    <a:p>
+                      <a:endParaRPr lang="en-US" sz="1200" dirty="0"/>
+                    </a:p>
+                  </a:txBody>
+                  <a:tcPr/>
+                </a:tc>
+                <a:tc>
+                  <a:txBody>
+                    <a:bodyPr/>
+                    <a:lstStyle/>
+                    <a:p>
+                      <a:endParaRPr lang="en-US" sz="1200" dirty="0"/>
+                    </a:p>
+                  </a:txBody>
+                  <a:tcPr/>
+                </a:tc>
+                <a:tc>
+                  <a:txBody>
+                    <a:bodyPr/>
+                    <a:lstStyle/>
+                    <a:p>
+                      <a:endParaRPr lang="en-US" sz="1200" dirty="0"/>
+                    </a:p>
+                  </a:txBody>
+                  <a:tcPr/>
+                </a:tc>
+              </a:tr>
+              <a:tr h="237201">
+                <a:tc>
+                  <a:txBody>
+                    <a:bodyPr/>
+                    <a:lstStyle/>
+                    <a:p>
+                      <a:r>
+                        <a:rPr lang="en-US" sz="1200" dirty="0" smtClean="0"/>
+                        <a:t>4</a:t>
+                      </a:r>
+                      <a:endParaRPr lang="en-US" sz="1200" dirty="0"/>
+                    </a:p>
+                  </a:txBody>
+                  <a:tcPr/>
+                </a:tc>
+                <a:tc>
+                  <a:txBody>
+                    <a:bodyPr/>
+                    <a:lstStyle/>
+                    <a:p>
+                      <a:r>
+                        <a:rPr lang="en-US" sz="1200" dirty="0" smtClean="0"/>
+                        <a:t>Taylor</a:t>
+                      </a:r>
+                      <a:endParaRPr lang="en-US" sz="1200" dirty="0"/>
+                    </a:p>
+                  </a:txBody>
+                  <a:tcPr/>
+                </a:tc>
+                <a:tc>
+                  <a:txBody>
+                    <a:bodyPr/>
+                    <a:lstStyle/>
+                    <a:p>
+                      <a:r>
+                        <a:rPr lang="en-US" sz="1200" dirty="0" smtClean="0"/>
+                        <a:t>Allen G.</a:t>
+                      </a:r>
+                      <a:endParaRPr lang="en-US" sz="1200" dirty="0"/>
+                    </a:p>
+                  </a:txBody>
+                  <a:tcPr/>
+                </a:tc>
+                <a:tc>
+                  <a:txBody>
+                    <a:bodyPr/>
+                    <a:lstStyle/>
+                    <a:p>
+                      <a:endParaRPr lang="en-US" sz="1200" dirty="0"/>
+                    </a:p>
+                  </a:txBody>
+                  <a:tcPr/>
+                </a:tc>
+                <a:tc>
+                  <a:txBody>
+                    <a:bodyPr/>
+                    <a:lstStyle/>
+                    <a:p>
+                      <a:r>
+                        <a:rPr lang="en-US" sz="1200" dirty="0" smtClean="0"/>
+                        <a:t>1945</a:t>
+                      </a:r>
+                      <a:endParaRPr lang="en-US" sz="1200" dirty="0"/>
+                    </a:p>
+                  </a:txBody>
+                  <a:tcPr/>
+                </a:tc>
+                <a:tc>
+                  <a:txBody>
+                    <a:bodyPr/>
+                    <a:lstStyle/>
+                    <a:p>
+                      <a:endParaRPr lang="en-US" sz="1200" dirty="0"/>
+                    </a:p>
+                  </a:txBody>
+                  <a:tcPr/>
+                </a:tc>
+              </a:tr>
+              <a:tr h="237201">
+                <a:tc>
+                  <a:txBody>
+                    <a:bodyPr/>
+                    <a:lstStyle/>
+                    <a:p>
+                      <a:r>
+                        <a:rPr lang="en-US" sz="1200" dirty="0" smtClean="0"/>
                         <a:t>7</a:t>
                       </a:r>
                       <a:endParaRPr lang="en-US" sz="1200" dirty="0"/>
@@ -3476,14 +3704,14 @@
           <p:nvPr>
             <p:extLst>
               <p:ext uri="{D42A27DB-BD31-4B8C-83A1-F6EECF244321}">
-                <p14:modId xmlns:p14="http://schemas.microsoft.com/office/powerpoint/2010/main" val="3328593093"/>
+                <p14:modId xmlns:p14="http://schemas.microsoft.com/office/powerpoint/2010/main" val="1891962643"/>
               </p:ext>
             </p:extLst>
           </p:nvPr>
         </p:nvGraphicFramePr>
         <p:xfrm>
-          <a:off x="5214101" y="5236583"/>
-          <a:ext cx="3426135" cy="1097280"/>
+          <a:off x="3652806" y="5127207"/>
+          <a:ext cx="5046137" cy="1280160"/>
         </p:xfrm>
         <a:graphic>
           <a:graphicData uri="http://schemas.openxmlformats.org/drawingml/2006/table">
@@ -3492,9 +3720,11 @@
                 <a:tableStyleId>{B301B821-A1FF-4177-AEE7-76D212191A09}</a:tableStyleId>
               </a:tblPr>
               <a:tblGrid>
-                <a:gridCol w="1142045"/>
-                <a:gridCol w="1142045"/>
-                <a:gridCol w="1142045"/>
+                <a:gridCol w="711070"/>
+                <a:gridCol w="711072"/>
+                <a:gridCol w="1390086"/>
+                <a:gridCol w="1224682"/>
+                <a:gridCol w="1009227"/>
               </a:tblGrid>
               <a:tr h="183289">
                 <a:tc>
@@ -3503,36 +3733,64 @@
                     <a:lstStyle/>
                     <a:p>
                       <a:r>
-                        <a:rPr lang="en-US" sz="1200" dirty="0" smtClean="0"/>
-                        <a:t>name</a:t>
-                      </a:r>
-                      <a:endParaRPr lang="en-US" sz="1200" dirty="0"/>
-                    </a:p>
-                  </a:txBody>
-                  <a:tcPr/>
-                </a:tc>
-                <a:tc>
-                  <a:txBody>
-                    <a:bodyPr/>
-                    <a:lstStyle/>
-                    <a:p>
-                      <a:r>
                         <a:rPr lang="en-US" sz="1200" dirty="0" err="1" smtClean="0"/>
-                        <a:t>lat</a:t>
-                      </a:r>
-                      <a:endParaRPr lang="en-US" sz="1200" dirty="0"/>
-                    </a:p>
-                  </a:txBody>
-                  <a:tcPr/>
-                </a:tc>
-                <a:tc>
-                  <a:txBody>
-                    <a:bodyPr/>
-                    <a:lstStyle/>
-                    <a:p>
-                      <a:r>
-                        <a:rPr lang="en-US" sz="1200" dirty="0" smtClean="0"/>
-                        <a:t>long</a:t>
+                        <a:t>item_ID</a:t>
+                      </a:r>
+                      <a:endParaRPr lang="en-US" sz="1200" dirty="0"/>
+                    </a:p>
+                  </a:txBody>
+                  <a:tcPr/>
+                </a:tc>
+                <a:tc>
+                  <a:txBody>
+                    <a:bodyPr/>
+                    <a:lstStyle/>
+                    <a:p>
+                      <a:r>
+                        <a:rPr lang="en-US" sz="1200" dirty="0" err="1" smtClean="0"/>
+                        <a:t>work_ID</a:t>
+                      </a:r>
+                      <a:endParaRPr lang="en-US" sz="1200" dirty="0"/>
+                    </a:p>
+                  </a:txBody>
+                  <a:tcPr/>
+                </a:tc>
+                <a:tc>
+                  <a:txBody>
+                    <a:bodyPr/>
+                    <a:lstStyle/>
+                    <a:p>
+                      <a:r>
+                        <a:rPr lang="en-US" sz="1200" dirty="0" smtClean="0"/>
+                        <a:t>barcode</a:t>
+                      </a:r>
+                      <a:endParaRPr lang="en-US" sz="1200" dirty="0"/>
+                    </a:p>
+                  </a:txBody>
+                  <a:tcPr/>
+                </a:tc>
+                <a:tc>
+                  <a:txBody>
+                    <a:bodyPr/>
+                    <a:lstStyle/>
+                    <a:p>
+                      <a:r>
+                        <a:rPr lang="en-US" sz="1200" dirty="0" smtClean="0"/>
+                        <a:t>acquired</a:t>
+                      </a:r>
+                      <a:endParaRPr lang="en-US" sz="1200" dirty="0"/>
+                    </a:p>
+                  </a:txBody>
+                  <a:tcPr/>
+                </a:tc>
+                <a:tc>
+                  <a:txBody>
+                    <a:bodyPr/>
+                    <a:lstStyle/>
+                    <a:p>
+                      <a:r>
+                        <a:rPr lang="en-US" sz="1200" dirty="0" smtClean="0"/>
+                        <a:t>status</a:t>
                       </a:r>
                       <a:endParaRPr lang="en-US" sz="1200" dirty="0"/>
                     </a:p>
@@ -3548,35 +3806,80 @@
                     <a:p>
                       <a:r>
                         <a:rPr lang="en-US" sz="1200" dirty="0" smtClean="0"/>
-                        <a:t>DR-1</a:t>
-                      </a:r>
-                      <a:endParaRPr lang="en-US" sz="1200" dirty="0"/>
-                    </a:p>
-                  </a:txBody>
-                  <a:tcPr/>
-                </a:tc>
-                <a:tc>
-                  <a:txBody>
-                    <a:bodyPr/>
-                    <a:lstStyle/>
-                    <a:p>
-                      <a:r>
-                        <a:rPr lang="en-US" sz="1200" dirty="0" smtClean="0"/>
-                        <a:t>-49.85</a:t>
-                      </a:r>
-                      <a:endParaRPr lang="en-US" sz="1200" dirty="0"/>
-                    </a:p>
-                  </a:txBody>
-                  <a:tcPr/>
-                </a:tc>
-                <a:tc>
-                  <a:txBody>
-                    <a:bodyPr/>
-                    <a:lstStyle/>
-                    <a:p>
-                      <a:r>
-                        <a:rPr lang="en-US" sz="1200" dirty="0" smtClean="0"/>
-                        <a:t>-128.57</a:t>
+                        <a:t>1</a:t>
+                      </a:r>
+                      <a:endParaRPr lang="en-US" sz="1200" dirty="0"/>
+                    </a:p>
+                  </a:txBody>
+                  <a:tcPr/>
+                </a:tc>
+                <a:tc>
+                  <a:txBody>
+                    <a:bodyPr/>
+                    <a:lstStyle/>
+                    <a:p>
+                      <a:r>
+                        <a:rPr lang="en-US" sz="1200" dirty="0" smtClean="0"/>
+                        <a:t>1</a:t>
+                      </a:r>
+                      <a:endParaRPr lang="en-US" sz="1200" dirty="0"/>
+                    </a:p>
+                  </a:txBody>
+                  <a:tcPr/>
+                </a:tc>
+                <a:tc>
+                  <a:txBody>
+                    <a:bodyPr/>
+                    <a:lstStyle/>
+                    <a:p>
+                      <a:pPr marL="0" marR="0" indent="0" algn="l" defTabSz="457200" rtl="0" eaLnBrk="1" fontAlgn="auto" latinLnBrk="0" hangingPunct="1">
+                        <a:lnSpc>
+                          <a:spcPct val="100000"/>
+                        </a:lnSpc>
+                        <a:spcBef>
+                          <a:spcPts val="0"/>
+                        </a:spcBef>
+                        <a:spcAft>
+                          <a:spcPts val="0"/>
+                        </a:spcAft>
+                        <a:buClrTx/>
+                        <a:buSzTx/>
+                        <a:buFontTx/>
+                        <a:buNone/>
+                        <a:tabLst/>
+                        <a:defRPr/>
+                      </a:pPr>
+                      <a:r>
+                        <a:rPr lang="en-US" sz="1200" dirty="0" smtClean="0"/>
+                        <a:t>081722942611</a:t>
+                      </a:r>
+                      <a:endParaRPr lang="en-US" sz="1200" dirty="0"/>
+                    </a:p>
+                  </a:txBody>
+                  <a:tcPr/>
+                </a:tc>
+                <a:tc>
+                  <a:txBody>
+                    <a:bodyPr/>
+                    <a:lstStyle/>
+                    <a:p>
+                      <a:r>
+                        <a:rPr lang="en-US" sz="1200" dirty="0" smtClean="0"/>
+                        <a:t>2009</a:t>
+                      </a:r>
+                      <a:endParaRPr lang="en-US" sz="1200" dirty="0"/>
+                    </a:p>
+                  </a:txBody>
+                  <a:tcPr/>
+                </a:tc>
+                <a:tc>
+                  <a:txBody>
+                    <a:bodyPr/>
+                    <a:lstStyle/>
+                    <a:p>
+                      <a:r>
+                        <a:rPr lang="en-US" sz="1200" dirty="0" smtClean="0"/>
+                        <a:t>Loaned</a:t>
                       </a:r>
                       <a:endParaRPr lang="en-US" sz="1200" dirty="0"/>
                     </a:p>
@@ -3592,35 +3895,80 @@
                     <a:p>
                       <a:r>
                         <a:rPr lang="en-US" sz="1200" dirty="0" smtClean="0"/>
-                        <a:t>DR-3</a:t>
-                      </a:r>
-                      <a:endParaRPr lang="en-US" sz="1200" dirty="0"/>
-                    </a:p>
-                  </a:txBody>
-                  <a:tcPr/>
-                </a:tc>
-                <a:tc>
-                  <a:txBody>
-                    <a:bodyPr/>
-                    <a:lstStyle/>
-                    <a:p>
-                      <a:r>
-                        <a:rPr lang="en-US" sz="1200" dirty="0" smtClean="0"/>
-                        <a:t>-47.15</a:t>
-                      </a:r>
-                      <a:endParaRPr lang="en-US" sz="1200" dirty="0"/>
-                    </a:p>
-                  </a:txBody>
-                  <a:tcPr/>
-                </a:tc>
-                <a:tc>
-                  <a:txBody>
-                    <a:bodyPr/>
-                    <a:lstStyle/>
-                    <a:p>
-                      <a:r>
-                        <a:rPr lang="en-US" sz="1200" dirty="0" smtClean="0"/>
-                        <a:t>-126.72</a:t>
+                        <a:t>2</a:t>
+                      </a:r>
+                      <a:endParaRPr lang="en-US" sz="1200" dirty="0"/>
+                    </a:p>
+                  </a:txBody>
+                  <a:tcPr/>
+                </a:tc>
+                <a:tc>
+                  <a:txBody>
+                    <a:bodyPr/>
+                    <a:lstStyle/>
+                    <a:p>
+                      <a:r>
+                        <a:rPr lang="en-US" sz="1200" dirty="0" smtClean="0"/>
+                        <a:t>1</a:t>
+                      </a:r>
+                      <a:endParaRPr lang="en-US" sz="1200" dirty="0"/>
+                    </a:p>
+                  </a:txBody>
+                  <a:tcPr/>
+                </a:tc>
+                <a:tc>
+                  <a:txBody>
+                    <a:bodyPr/>
+                    <a:lstStyle/>
+                    <a:p>
+                      <a:pPr marL="0" marR="0" indent="0" algn="l" defTabSz="457200" rtl="0" eaLnBrk="1" fontAlgn="auto" latinLnBrk="0" hangingPunct="1">
+                        <a:lnSpc>
+                          <a:spcPct val="100000"/>
+                        </a:lnSpc>
+                        <a:spcBef>
+                          <a:spcPts val="0"/>
+                        </a:spcBef>
+                        <a:spcAft>
+                          <a:spcPts val="0"/>
+                        </a:spcAft>
+                        <a:buClrTx/>
+                        <a:buSzTx/>
+                        <a:buFontTx/>
+                        <a:buNone/>
+                        <a:tabLst/>
+                        <a:defRPr/>
+                      </a:pPr>
+                      <a:r>
+                        <a:rPr lang="en-US" sz="1200" dirty="0" smtClean="0"/>
+                        <a:t>492437609065</a:t>
+                      </a:r>
+                      <a:endParaRPr lang="en-US" sz="1200" dirty="0"/>
+                    </a:p>
+                  </a:txBody>
+                  <a:tcPr/>
+                </a:tc>
+                <a:tc>
+                  <a:txBody>
+                    <a:bodyPr/>
+                    <a:lstStyle/>
+                    <a:p>
+                      <a:r>
+                        <a:rPr lang="en-US" sz="1200" dirty="0" smtClean="0"/>
+                        <a:t>2011</a:t>
+                      </a:r>
+                      <a:endParaRPr lang="en-US" sz="1200" dirty="0"/>
+                    </a:p>
+                  </a:txBody>
+                  <a:tcPr/>
+                </a:tc>
+                <a:tc>
+                  <a:txBody>
+                    <a:bodyPr/>
+                    <a:lstStyle/>
+                    <a:p>
+                      <a:r>
+                        <a:rPr lang="en-US" sz="1200" dirty="0" smtClean="0"/>
+                        <a:t>On Shelf</a:t>
                       </a:r>
                       <a:endParaRPr lang="en-US" sz="1200" dirty="0"/>
                     </a:p>
@@ -3636,35 +3984,80 @@
                     <a:p>
                       <a:r>
                         <a:rPr lang="en-US" sz="1200" dirty="0" smtClean="0"/>
-                        <a:t>MSK-4</a:t>
-                      </a:r>
-                      <a:endParaRPr lang="en-US" sz="1200" dirty="0"/>
-                    </a:p>
-                  </a:txBody>
-                  <a:tcPr/>
-                </a:tc>
-                <a:tc>
-                  <a:txBody>
-                    <a:bodyPr/>
-                    <a:lstStyle/>
-                    <a:p>
-                      <a:r>
-                        <a:rPr lang="en-US" sz="1200" dirty="0" smtClean="0"/>
-                        <a:t>-48.87</a:t>
-                      </a:r>
-                      <a:endParaRPr lang="en-US" sz="1200" dirty="0"/>
-                    </a:p>
-                  </a:txBody>
-                  <a:tcPr/>
-                </a:tc>
-                <a:tc>
-                  <a:txBody>
-                    <a:bodyPr/>
-                    <a:lstStyle/>
-                    <a:p>
-                      <a:r>
-                        <a:rPr lang="en-US" sz="1200" dirty="0" smtClean="0"/>
-                        <a:t>-123.4</a:t>
+                        <a:t>3</a:t>
+                      </a:r>
+                      <a:endParaRPr lang="en-US" sz="1200" dirty="0"/>
+                    </a:p>
+                  </a:txBody>
+                  <a:tcPr/>
+                </a:tc>
+                <a:tc>
+                  <a:txBody>
+                    <a:bodyPr/>
+                    <a:lstStyle/>
+                    <a:p>
+                      <a:r>
+                        <a:rPr lang="en-US" sz="1200" dirty="0" smtClean="0"/>
+                        <a:t>2</a:t>
+                      </a:r>
+                      <a:endParaRPr lang="en-US" sz="1200" dirty="0"/>
+                    </a:p>
+                  </a:txBody>
+                  <a:tcPr/>
+                </a:tc>
+                <a:tc>
+                  <a:txBody>
+                    <a:bodyPr/>
+                    <a:lstStyle/>
+                    <a:p>
+                      <a:pPr marL="0" marR="0" indent="0" algn="l" defTabSz="457200" rtl="0" eaLnBrk="1" fontAlgn="auto" latinLnBrk="0" hangingPunct="1">
+                        <a:lnSpc>
+                          <a:spcPct val="100000"/>
+                        </a:lnSpc>
+                        <a:spcBef>
+                          <a:spcPts val="0"/>
+                        </a:spcBef>
+                        <a:spcAft>
+                          <a:spcPts val="0"/>
+                        </a:spcAft>
+                        <a:buClrTx/>
+                        <a:buSzTx/>
+                        <a:buFontTx/>
+                        <a:buNone/>
+                        <a:tabLst/>
+                        <a:defRPr/>
+                      </a:pPr>
+                      <a:r>
+                        <a:rPr lang="en-US" sz="1200" dirty="0" smtClean="0"/>
+                        <a:t>172480710952</a:t>
+                      </a:r>
+                      <a:endParaRPr lang="en-US" sz="1200" dirty="0"/>
+                    </a:p>
+                  </a:txBody>
+                  <a:tcPr/>
+                </a:tc>
+                <a:tc>
+                  <a:txBody>
+                    <a:bodyPr/>
+                    <a:lstStyle/>
+                    <a:p>
+                      <a:r>
+                        <a:rPr lang="en-US" sz="1200" dirty="0" smtClean="0"/>
+                        <a:t>2013</a:t>
+                      </a:r>
+                      <a:endParaRPr lang="en-US" sz="1200" dirty="0"/>
+                    </a:p>
+                  </a:txBody>
+                  <a:tcPr/>
+                </a:tc>
+                <a:tc>
+                  <a:txBody>
+                    <a:bodyPr/>
+                    <a:lstStyle/>
+                    <a:p>
+                      <a:r>
+                        <a:rPr lang="en-US" sz="1200" dirty="0" smtClean="0"/>
+                        <a:t>On Shelf</a:t>
                       </a:r>
                       <a:endParaRPr lang="en-US" sz="1200" dirty="0"/>
                     </a:p>
@@ -3685,14 +4078,14 @@
           <p:nvPr>
             <p:extLst>
               <p:ext uri="{D42A27DB-BD31-4B8C-83A1-F6EECF244321}">
-                <p14:modId xmlns:p14="http://schemas.microsoft.com/office/powerpoint/2010/main" val="183354806"/>
+                <p14:modId xmlns:p14="http://schemas.microsoft.com/office/powerpoint/2010/main" val="2429940467"/>
               </p:ext>
             </p:extLst>
           </p:nvPr>
         </p:nvGraphicFramePr>
         <p:xfrm>
-          <a:off x="277924" y="3792823"/>
-          <a:ext cx="3952191" cy="2468880"/>
+          <a:off x="6001546" y="1101640"/>
+          <a:ext cx="2685278" cy="1645920"/>
         </p:xfrm>
         <a:graphic>
           <a:graphicData uri="http://schemas.openxmlformats.org/drawingml/2006/table">
@@ -3701,9 +4094,9 @@
                 <a:tableStyleId>{B301B821-A1FF-4177-AEE7-76D212191A09}</a:tableStyleId>
               </a:tblPr>
               <a:tblGrid>
-                <a:gridCol w="1317397"/>
-                <a:gridCol w="1317397"/>
-                <a:gridCol w="1317397"/>
+                <a:gridCol w="788503"/>
+                <a:gridCol w="838488"/>
+                <a:gridCol w="1058287"/>
               </a:tblGrid>
               <a:tr h="138132">
                 <a:tc>
@@ -3713,35 +4106,35 @@
                     <a:p>
                       <a:r>
                         <a:rPr lang="en-US" sz="1200" dirty="0" err="1" smtClean="0"/>
-                        <a:t>ident</a:t>
-                      </a:r>
-                      <a:endParaRPr lang="en-US" sz="1200" dirty="0"/>
-                    </a:p>
-                  </a:txBody>
-                  <a:tcPr/>
-                </a:tc>
-                <a:tc>
-                  <a:txBody>
-                    <a:bodyPr/>
-                    <a:lstStyle/>
-                    <a:p>
-                      <a:r>
-                        <a:rPr lang="en-US" sz="1200" dirty="0" smtClean="0"/>
-                        <a:t>site</a:t>
-                      </a:r>
-                      <a:endParaRPr lang="en-US" sz="1200" dirty="0"/>
-                    </a:p>
-                  </a:txBody>
-                  <a:tcPr/>
-                </a:tc>
-                <a:tc>
-                  <a:txBody>
-                    <a:bodyPr/>
-                    <a:lstStyle/>
-                    <a:p>
-                      <a:r>
-                        <a:rPr lang="en-US" sz="1200" dirty="0" smtClean="0"/>
-                        <a:t>dated</a:t>
+                        <a:t>work_ID</a:t>
+                      </a:r>
+                      <a:endParaRPr lang="en-US" sz="1200" dirty="0"/>
+                    </a:p>
+                  </a:txBody>
+                  <a:tcPr/>
+                </a:tc>
+                <a:tc>
+                  <a:txBody>
+                    <a:bodyPr/>
+                    <a:lstStyle/>
+                    <a:p>
+                      <a:r>
+                        <a:rPr lang="en-US" sz="1200" dirty="0" err="1" smtClean="0"/>
+                        <a:t>author_ID</a:t>
+                      </a:r>
+                      <a:endParaRPr lang="en-US" sz="1200" dirty="0"/>
+                    </a:p>
+                  </a:txBody>
+                  <a:tcPr/>
+                </a:tc>
+                <a:tc>
+                  <a:txBody>
+                    <a:bodyPr/>
+                    <a:lstStyle/>
+                    <a:p>
+                      <a:r>
+                        <a:rPr lang="en-US" sz="1200" dirty="0" smtClean="0"/>
+                        <a:t>role</a:t>
                       </a:r>
                       <a:endParaRPr lang="en-US" sz="1200" dirty="0"/>
                     </a:p>
@@ -3757,35 +4150,35 @@
                     <a:p>
                       <a:r>
                         <a:rPr lang="en-US" sz="1200" dirty="0" smtClean="0"/>
-                        <a:t>619</a:t>
-                      </a:r>
-                      <a:endParaRPr lang="en-US" sz="1200" dirty="0"/>
-                    </a:p>
-                  </a:txBody>
-                  <a:tcPr/>
-                </a:tc>
-                <a:tc>
-                  <a:txBody>
-                    <a:bodyPr/>
-                    <a:lstStyle/>
-                    <a:p>
-                      <a:r>
-                        <a:rPr lang="en-US" sz="1200" dirty="0" smtClean="0"/>
-                        <a:t>DR-1</a:t>
-                      </a:r>
-                      <a:endParaRPr lang="en-US" sz="1200" dirty="0"/>
-                    </a:p>
-                  </a:txBody>
-                  <a:tcPr/>
-                </a:tc>
-                <a:tc>
-                  <a:txBody>
-                    <a:bodyPr/>
-                    <a:lstStyle/>
-                    <a:p>
-                      <a:r>
-                        <a:rPr lang="en-US" sz="1200" dirty="0" smtClean="0"/>
-                        <a:t>1927-02-08</a:t>
+                        <a:t>1</a:t>
+                      </a:r>
+                      <a:endParaRPr lang="en-US" sz="1200" dirty="0"/>
+                    </a:p>
+                  </a:txBody>
+                  <a:tcPr/>
+                </a:tc>
+                <a:tc>
+                  <a:txBody>
+                    <a:bodyPr/>
+                    <a:lstStyle/>
+                    <a:p>
+                      <a:r>
+                        <a:rPr lang="en-US" sz="1200" dirty="0" smtClean="0"/>
+                        <a:t>1</a:t>
+                      </a:r>
+                      <a:endParaRPr lang="en-US" sz="1200" dirty="0"/>
+                    </a:p>
+                  </a:txBody>
+                  <a:tcPr/>
+                </a:tc>
+                <a:tc>
+                  <a:txBody>
+                    <a:bodyPr/>
+                    <a:lstStyle/>
+                    <a:p>
+                      <a:r>
+                        <a:rPr lang="en-US" sz="1200" dirty="0" smtClean="0"/>
+                        <a:t>Author</a:t>
                       </a:r>
                       <a:endParaRPr lang="en-US" sz="1200" dirty="0"/>
                     </a:p>
@@ -3801,35 +4194,35 @@
                     <a:p>
                       <a:r>
                         <a:rPr lang="en-US" sz="1200" dirty="0" smtClean="0"/>
-                        <a:t>622</a:t>
-                      </a:r>
-                      <a:endParaRPr lang="en-US" sz="1200" dirty="0"/>
-                    </a:p>
-                  </a:txBody>
-                  <a:tcPr/>
-                </a:tc>
-                <a:tc>
-                  <a:txBody>
-                    <a:bodyPr/>
-                    <a:lstStyle/>
-                    <a:p>
-                      <a:r>
-                        <a:rPr lang="en-US" sz="1200" dirty="0" smtClean="0"/>
-                        <a:t>DR-1</a:t>
-                      </a:r>
-                      <a:endParaRPr lang="en-US" sz="1200" dirty="0"/>
-                    </a:p>
-                  </a:txBody>
-                  <a:tcPr/>
-                </a:tc>
-                <a:tc>
-                  <a:txBody>
-                    <a:bodyPr/>
-                    <a:lstStyle/>
-                    <a:p>
-                      <a:r>
-                        <a:rPr lang="en-US" sz="1200" dirty="0" smtClean="0"/>
-                        <a:t>1927-02-10</a:t>
+                        <a:t>1</a:t>
+                      </a:r>
+                      <a:endParaRPr lang="en-US" sz="1200" dirty="0"/>
+                    </a:p>
+                  </a:txBody>
+                  <a:tcPr/>
+                </a:tc>
+                <a:tc>
+                  <a:txBody>
+                    <a:bodyPr/>
+                    <a:lstStyle/>
+                    <a:p>
+                      <a:r>
+                        <a:rPr lang="en-US" sz="1200" dirty="0" smtClean="0"/>
+                        <a:t>2</a:t>
+                      </a:r>
+                      <a:endParaRPr lang="en-US" sz="1200" dirty="0"/>
+                    </a:p>
+                  </a:txBody>
+                  <a:tcPr/>
+                </a:tc>
+                <a:tc>
+                  <a:txBody>
+                    <a:bodyPr/>
+                    <a:lstStyle/>
+                    <a:p>
+                      <a:r>
+                        <a:rPr lang="en-US" sz="1200" dirty="0" smtClean="0"/>
+                        <a:t>Contributor</a:t>
                       </a:r>
                       <a:endParaRPr lang="en-US" sz="1200" dirty="0"/>
                     </a:p>
@@ -3845,35 +4238,35 @@
                     <a:p>
                       <a:r>
                         <a:rPr lang="en-US" sz="1200" dirty="0" smtClean="0"/>
-                        <a:t>734</a:t>
-                      </a:r>
-                      <a:endParaRPr lang="en-US" sz="1200" dirty="0"/>
-                    </a:p>
-                  </a:txBody>
-                  <a:tcPr/>
-                </a:tc>
-                <a:tc>
-                  <a:txBody>
-                    <a:bodyPr/>
-                    <a:lstStyle/>
-                    <a:p>
-                      <a:r>
-                        <a:rPr lang="en-US" sz="1200" dirty="0" smtClean="0"/>
-                        <a:t>DR-3</a:t>
-                      </a:r>
-                      <a:endParaRPr lang="en-US" sz="1200" dirty="0"/>
-                    </a:p>
-                  </a:txBody>
-                  <a:tcPr/>
-                </a:tc>
-                <a:tc>
-                  <a:txBody>
-                    <a:bodyPr/>
-                    <a:lstStyle/>
-                    <a:p>
-                      <a:r>
-                        <a:rPr lang="en-US" sz="1200" dirty="0" smtClean="0"/>
-                        <a:t>1939-01-07</a:t>
+                        <a:t>1</a:t>
+                      </a:r>
+                      <a:endParaRPr lang="en-US" sz="1200" dirty="0"/>
+                    </a:p>
+                  </a:txBody>
+                  <a:tcPr/>
+                </a:tc>
+                <a:tc>
+                  <a:txBody>
+                    <a:bodyPr/>
+                    <a:lstStyle/>
+                    <a:p>
+                      <a:r>
+                        <a:rPr lang="en-US" sz="1200" dirty="0" smtClean="0"/>
+                        <a:t>3</a:t>
+                      </a:r>
+                      <a:endParaRPr lang="en-US" sz="1200" dirty="0"/>
+                    </a:p>
+                  </a:txBody>
+                  <a:tcPr/>
+                </a:tc>
+                <a:tc>
+                  <a:txBody>
+                    <a:bodyPr/>
+                    <a:lstStyle/>
+                    <a:p>
+                      <a:r>
+                        <a:rPr lang="en-US" sz="1200" dirty="0" smtClean="0"/>
+                        <a:t>Contributor</a:t>
                       </a:r>
                       <a:endParaRPr lang="en-US" sz="1200" dirty="0"/>
                     </a:p>
@@ -3889,35 +4282,35 @@
                     <a:p>
                       <a:r>
                         <a:rPr lang="en-US" sz="1200" dirty="0" smtClean="0"/>
-                        <a:t>735</a:t>
-                      </a:r>
-                      <a:endParaRPr lang="en-US" sz="1200" dirty="0"/>
-                    </a:p>
-                  </a:txBody>
-                  <a:tcPr/>
-                </a:tc>
-                <a:tc>
-                  <a:txBody>
-                    <a:bodyPr/>
-                    <a:lstStyle/>
-                    <a:p>
-                      <a:r>
-                        <a:rPr lang="en-US" sz="1200" dirty="0" smtClean="0"/>
-                        <a:t>DR-3</a:t>
-                      </a:r>
-                      <a:endParaRPr lang="en-US" sz="1200" dirty="0"/>
-                    </a:p>
-                  </a:txBody>
-                  <a:tcPr/>
-                </a:tc>
-                <a:tc>
-                  <a:txBody>
-                    <a:bodyPr/>
-                    <a:lstStyle/>
-                    <a:p>
-                      <a:r>
-                        <a:rPr lang="en-US" sz="1200" dirty="0" smtClean="0"/>
-                        <a:t>1930-01-12</a:t>
+                        <a:t>2</a:t>
+                      </a:r>
+                      <a:endParaRPr lang="en-US" sz="1200" dirty="0"/>
+                    </a:p>
+                  </a:txBody>
+                  <a:tcPr/>
+                </a:tc>
+                <a:tc>
+                  <a:txBody>
+                    <a:bodyPr/>
+                    <a:lstStyle/>
+                    <a:p>
+                      <a:r>
+                        <a:rPr lang="en-US" sz="1200" dirty="0" smtClean="0"/>
+                        <a:t>4</a:t>
+                      </a:r>
+                      <a:endParaRPr lang="en-US" sz="1200" dirty="0"/>
+                    </a:p>
+                  </a:txBody>
+                  <a:tcPr/>
+                </a:tc>
+                <a:tc>
+                  <a:txBody>
+                    <a:bodyPr/>
+                    <a:lstStyle/>
+                    <a:p>
+                      <a:r>
+                        <a:rPr lang="en-US" sz="1200" dirty="0" smtClean="0"/>
+                        <a:t>Author</a:t>
                       </a:r>
                       <a:endParaRPr lang="en-US" sz="1200" dirty="0"/>
                     </a:p>
@@ -3933,163 +4326,35 @@
                     <a:p>
                       <a:r>
                         <a:rPr lang="en-US" sz="1200" dirty="0" smtClean="0"/>
-                        <a:t>751</a:t>
-                      </a:r>
-                      <a:endParaRPr lang="en-US" sz="1200" dirty="0"/>
-                    </a:p>
-                  </a:txBody>
-                  <a:tcPr/>
-                </a:tc>
-                <a:tc>
-                  <a:txBody>
-                    <a:bodyPr/>
-                    <a:lstStyle/>
-                    <a:p>
-                      <a:r>
-                        <a:rPr lang="en-US" sz="1200" dirty="0" smtClean="0"/>
-                        <a:t>DR-3</a:t>
-                      </a:r>
-                      <a:endParaRPr lang="en-US" sz="1200" dirty="0"/>
-                    </a:p>
-                  </a:txBody>
-                  <a:tcPr/>
-                </a:tc>
-                <a:tc>
-                  <a:txBody>
-                    <a:bodyPr/>
-                    <a:lstStyle/>
-                    <a:p>
-                      <a:r>
-                        <a:rPr lang="en-US" sz="1200" dirty="0" smtClean="0"/>
-                        <a:t>1930-02-26</a:t>
-                      </a:r>
-                      <a:endParaRPr lang="en-US" sz="1200" dirty="0"/>
-                    </a:p>
-                  </a:txBody>
-                  <a:tcPr/>
-                </a:tc>
-              </a:tr>
-              <a:tr h="138132">
-                <a:tc>
-                  <a:txBody>
-                    <a:bodyPr/>
-                    <a:lstStyle/>
-                    <a:p>
-                      <a:r>
-                        <a:rPr lang="en-US" sz="1200" dirty="0" smtClean="0"/>
-                        <a:t>752</a:t>
-                      </a:r>
-                      <a:endParaRPr lang="en-US" sz="1200" dirty="0"/>
-                    </a:p>
-                  </a:txBody>
-                  <a:tcPr/>
-                </a:tc>
-                <a:tc>
-                  <a:txBody>
-                    <a:bodyPr/>
-                    <a:lstStyle/>
-                    <a:p>
-                      <a:r>
-                        <a:rPr lang="en-US" sz="1200" dirty="0" smtClean="0"/>
-                        <a:t>DR-3</a:t>
-                      </a:r>
-                      <a:endParaRPr lang="en-US" sz="1200" dirty="0"/>
-                    </a:p>
-                  </a:txBody>
-                  <a:tcPr/>
-                </a:tc>
-                <a:tc>
-                  <a:txBody>
-                    <a:bodyPr/>
-                    <a:lstStyle/>
-                    <a:p>
-                      <a:endParaRPr lang="en-US" sz="1200" dirty="0"/>
-                    </a:p>
-                  </a:txBody>
-                  <a:tcPr/>
-                </a:tc>
-              </a:tr>
-              <a:tr h="138132">
-                <a:tc>
-                  <a:txBody>
-                    <a:bodyPr/>
-                    <a:lstStyle/>
-                    <a:p>
-                      <a:r>
-                        <a:rPr lang="en-US" sz="1200" dirty="0" smtClean="0"/>
-                        <a:t>837</a:t>
-                      </a:r>
-                      <a:endParaRPr lang="en-US" sz="1200" dirty="0"/>
-                    </a:p>
-                  </a:txBody>
-                  <a:tcPr/>
-                </a:tc>
-                <a:tc>
-                  <a:txBody>
-                    <a:bodyPr/>
-                    <a:lstStyle/>
-                    <a:p>
-                      <a:r>
-                        <a:rPr lang="en-US" sz="1200" dirty="0" smtClean="0"/>
-                        <a:t>MSK-4</a:t>
-                      </a:r>
-                      <a:endParaRPr lang="en-US" sz="1200" dirty="0"/>
-                    </a:p>
-                  </a:txBody>
-                  <a:tcPr/>
-                </a:tc>
-                <a:tc>
-                  <a:txBody>
-                    <a:bodyPr/>
-                    <a:lstStyle/>
-                    <a:p>
-                      <a:r>
-                        <a:rPr lang="en-US" sz="1200" dirty="0" smtClean="0"/>
-                        <a:t>1932-01-14</a:t>
-                      </a:r>
-                      <a:endParaRPr lang="en-US" sz="1200" dirty="0"/>
-                    </a:p>
-                  </a:txBody>
-                  <a:tcPr/>
-                </a:tc>
-              </a:tr>
-              <a:tr h="138132">
-                <a:tc>
-                  <a:txBody>
-                    <a:bodyPr/>
-                    <a:lstStyle/>
-                    <a:p>
-                      <a:r>
-                        <a:rPr lang="en-US" sz="1200" dirty="0" smtClean="0"/>
-                        <a:t>844</a:t>
-                      </a:r>
-                      <a:endParaRPr lang="en-US" sz="1200" dirty="0"/>
-                    </a:p>
-                  </a:txBody>
-                  <a:tcPr/>
-                </a:tc>
-                <a:tc>
-                  <a:txBody>
-                    <a:bodyPr/>
-                    <a:lstStyle/>
-                    <a:p>
-                      <a:r>
-                        <a:rPr lang="en-US" sz="1200" dirty="0" smtClean="0"/>
-                        <a:t>DR-1</a:t>
-                      </a:r>
-                      <a:endParaRPr lang="en-US" sz="1200" dirty="0"/>
-                    </a:p>
-                  </a:txBody>
-                  <a:tcPr/>
-                </a:tc>
-                <a:tc>
-                  <a:txBody>
-                    <a:bodyPr/>
-                    <a:lstStyle/>
-                    <a:p>
-                      <a:r>
-                        <a:rPr lang="en-US" sz="1200" dirty="0" smtClean="0"/>
-                        <a:t>1932-03-22</a:t>
+                        <a:t>3</a:t>
+                      </a:r>
+                      <a:endParaRPr lang="en-US" sz="1200" dirty="0"/>
+                    </a:p>
+                  </a:txBody>
+                  <a:tcPr/>
+                </a:tc>
+                <a:tc>
+                  <a:txBody>
+                    <a:bodyPr/>
+                    <a:lstStyle/>
+                    <a:p>
+                      <a:r>
+                        <a:rPr lang="en-US" sz="1200" dirty="0" smtClean="0"/>
+                        <a:t>5</a:t>
+                      </a:r>
+                      <a:endParaRPr lang="en-US" sz="1200" dirty="0"/>
+                    </a:p>
+                  </a:txBody>
+                  <a:tcPr/>
+                </a:tc>
+                <a:tc>
+                  <a:txBody>
+                    <a:bodyPr/>
+                    <a:lstStyle/>
+                    <a:p>
+                      <a:r>
+                        <a:rPr lang="en-US" sz="1200" dirty="0" smtClean="0"/>
+                        <a:t>Author</a:t>
                       </a:r>
                       <a:endParaRPr lang="en-US" sz="1200" dirty="0"/>
                     </a:p>
@@ -4110,14 +4375,14 @@
           <p:nvPr>
             <p:extLst>
               <p:ext uri="{D42A27DB-BD31-4B8C-83A1-F6EECF244321}">
-                <p14:modId xmlns:p14="http://schemas.microsoft.com/office/powerpoint/2010/main" val="2760901971"/>
+                <p14:modId xmlns:p14="http://schemas.microsoft.com/office/powerpoint/2010/main" val="155175218"/>
               </p:ext>
             </p:extLst>
           </p:nvPr>
         </p:nvGraphicFramePr>
         <p:xfrm>
-          <a:off x="5214101" y="1346996"/>
-          <a:ext cx="3776152" cy="3749040"/>
+          <a:off x="1421007" y="3420370"/>
+          <a:ext cx="7187281" cy="1097280"/>
         </p:xfrm>
         <a:graphic>
           <a:graphicData uri="http://schemas.openxmlformats.org/drawingml/2006/table">
@@ -4126,14 +4391,14 @@
                 <a:tableStyleId>{B301B821-A1FF-4177-AEE7-76D212191A09}</a:tableStyleId>
               </a:tblPr>
               <a:tblGrid>
-                <a:gridCol w="472019"/>
-                <a:gridCol w="472019"/>
-                <a:gridCol w="472019"/>
-                <a:gridCol w="472019"/>
-                <a:gridCol w="472019"/>
-                <a:gridCol w="472019"/>
-                <a:gridCol w="472019"/>
-                <a:gridCol w="472019"/>
+                <a:gridCol w="807785"/>
+                <a:gridCol w="1237463"/>
+                <a:gridCol w="1263243"/>
+                <a:gridCol w="584357"/>
+                <a:gridCol w="1039812"/>
+                <a:gridCol w="885130"/>
+                <a:gridCol w="773414"/>
+                <a:gridCol w="596077"/>
               </a:tblGrid>
               <a:tr h="265756">
                 <a:tc>
@@ -4257,90 +4522,135 @@
                     <a:p>
                       <a:r>
                         <a:rPr lang="en-US" sz="1200" dirty="0" smtClean="0"/>
-                        <a:t>619</a:t>
-                      </a:r>
-                      <a:endParaRPr lang="en-US" sz="1200" dirty="0"/>
-                    </a:p>
-                  </a:txBody>
-                  <a:tcPr/>
-                </a:tc>
-                <a:tc>
-                  <a:txBody>
-                    <a:bodyPr/>
-                    <a:lstStyle/>
-                    <a:p>
-                      <a:r>
-                        <a:rPr lang="en-US" sz="1200" dirty="0" smtClean="0"/>
-                        <a:t>dyer</a:t>
-                      </a:r>
-                      <a:endParaRPr lang="en-US" sz="1200" dirty="0"/>
-                    </a:p>
-                  </a:txBody>
-                  <a:tcPr/>
-                </a:tc>
-                <a:tc>
-                  <a:txBody>
-                    <a:bodyPr/>
-                    <a:lstStyle/>
-                    <a:p>
-                      <a:r>
-                        <a:rPr lang="en-US" sz="1200" dirty="0" smtClean="0"/>
-                        <a:t>rad</a:t>
-                      </a:r>
-                      <a:endParaRPr lang="en-US" sz="1200" dirty="0"/>
-                    </a:p>
-                  </a:txBody>
-                  <a:tcPr/>
-                </a:tc>
-                <a:tc>
-                  <a:txBody>
-                    <a:bodyPr/>
-                    <a:lstStyle/>
-                    <a:p>
-                      <a:r>
-                        <a:rPr lang="en-US" sz="1200" dirty="0" smtClean="0"/>
-                        <a:t>9.82</a:t>
-                      </a:r>
-                      <a:endParaRPr lang="en-US" sz="1200" dirty="0"/>
-                    </a:p>
-                  </a:txBody>
-                  <a:tcPr/>
-                </a:tc>
-                <a:tc>
-                  <a:txBody>
-                    <a:bodyPr/>
-                    <a:lstStyle/>
-                    <a:p>
-                      <a:endParaRPr lang="en-US" sz="1200" dirty="0"/>
-                    </a:p>
-                  </a:txBody>
-                  <a:tcPr/>
-                </a:tc>
-                <a:tc>
-                  <a:txBody>
-                    <a:bodyPr/>
-                    <a:lstStyle/>
-                    <a:p>
-                      <a:endParaRPr lang="en-US" sz="1200" dirty="0"/>
-                    </a:p>
-                  </a:txBody>
-                  <a:tcPr/>
-                </a:tc>
-                <a:tc>
-                  <a:txBody>
-                    <a:bodyPr/>
-                    <a:lstStyle/>
-                    <a:p>
-                      <a:endParaRPr lang="en-US" sz="1200" dirty="0"/>
-                    </a:p>
-                  </a:txBody>
-                  <a:tcPr/>
-                </a:tc>
-                <a:tc>
-                  <a:txBody>
-                    <a:bodyPr/>
-                    <a:lstStyle/>
-                    <a:p>
+                        <a:t>1</a:t>
+                      </a:r>
+                      <a:endParaRPr lang="en-US" sz="1200" dirty="0"/>
+                    </a:p>
+                  </a:txBody>
+                  <a:tcPr/>
+                </a:tc>
+                <a:tc>
+                  <a:txBody>
+                    <a:bodyPr/>
+                    <a:lstStyle/>
+                    <a:p>
+                      <a:r>
+                        <a:rPr lang="en-US" sz="1200" dirty="0" smtClean="0"/>
+                        <a:t>SQL</a:t>
+                      </a:r>
+                      <a:r>
+                        <a:rPr lang="en-US" sz="1200" baseline="0" dirty="0" smtClean="0"/>
+                        <a:t> in a nutshell</a:t>
+                      </a:r>
+                      <a:endParaRPr lang="en-US" sz="1200" dirty="0"/>
+                    </a:p>
+                  </a:txBody>
+                  <a:tcPr/>
+                </a:tc>
+                <a:tc>
+                  <a:txBody>
+                    <a:bodyPr/>
+                    <a:lstStyle/>
+                    <a:p>
+                      <a:pPr marL="0" marR="0" indent="0" algn="l" defTabSz="457200" rtl="0" eaLnBrk="1" fontAlgn="auto" latinLnBrk="0" hangingPunct="1">
+                        <a:lnSpc>
+                          <a:spcPct val="100000"/>
+                        </a:lnSpc>
+                        <a:spcBef>
+                          <a:spcPts val="0"/>
+                        </a:spcBef>
+                        <a:spcAft>
+                          <a:spcPts val="0"/>
+                        </a:spcAft>
+                        <a:buClrTx/>
+                        <a:buSzTx/>
+                        <a:buFontTx/>
+                        <a:buNone/>
+                        <a:tabLst/>
+                        <a:defRPr/>
+                      </a:pPr>
+                      <a:r>
+                        <a:rPr lang="en-US" sz="1200" dirty="0" smtClean="0"/>
+                        <a:t>9780596518844</a:t>
+                      </a:r>
+                      <a:endParaRPr lang="en-US" sz="1200" dirty="0"/>
+                    </a:p>
+                  </a:txBody>
+                  <a:tcPr/>
+                </a:tc>
+                <a:tc>
+                  <a:txBody>
+                    <a:bodyPr/>
+                    <a:lstStyle/>
+                    <a:p>
+                      <a:r>
+                        <a:rPr lang="en-US" sz="1200" dirty="0" smtClean="0"/>
+                        <a:t>2009</a:t>
+                      </a:r>
+                      <a:endParaRPr lang="en-US" sz="1200" dirty="0"/>
+                    </a:p>
+                  </a:txBody>
+                  <a:tcPr/>
+                </a:tc>
+                <a:tc>
+                  <a:txBody>
+                    <a:bodyPr/>
+                    <a:lstStyle/>
+                    <a:p>
+                      <a:r>
+                        <a:rPr lang="en-US" sz="1200" dirty="0" smtClean="0"/>
+                        <a:t>Sebastopol</a:t>
+                      </a:r>
+                      <a:endParaRPr lang="en-US" sz="1200" dirty="0"/>
+                    </a:p>
+                  </a:txBody>
+                  <a:tcPr/>
+                </a:tc>
+                <a:tc>
+                  <a:txBody>
+                    <a:bodyPr/>
+                    <a:lstStyle/>
+                    <a:p>
+                      <a:r>
+                        <a:rPr lang="en-US" sz="1200" dirty="0" smtClean="0"/>
+                        <a:t>O’Reilly</a:t>
+                      </a:r>
+                      <a:endParaRPr lang="en-US" sz="1200" dirty="0"/>
+                    </a:p>
+                  </a:txBody>
+                  <a:tcPr/>
+                </a:tc>
+                <a:tc>
+                  <a:txBody>
+                    <a:bodyPr/>
+                    <a:lstStyle/>
+                    <a:p>
+                      <a:r>
+                        <a:rPr lang="en-US" sz="1200" dirty="0" smtClean="0"/>
+                        <a:t>3</a:t>
+                      </a:r>
+                      <a:r>
+                        <a:rPr lang="en-US" sz="1200" baseline="30000" dirty="0" smtClean="0"/>
+                        <a:t>rd</a:t>
+                      </a:r>
+                      <a:r>
+                        <a:rPr lang="en-US" sz="1200" dirty="0" smtClean="0"/>
+                        <a:t> ed.</a:t>
+                      </a:r>
+                      <a:endParaRPr lang="en-US" sz="1200" dirty="0"/>
+                    </a:p>
+                  </a:txBody>
+                  <a:tcPr/>
+                </a:tc>
+                <a:tc>
+                  <a:txBody>
+                    <a:bodyPr/>
+                    <a:lstStyle/>
+                    <a:p>
+                      <a:r>
+                        <a:rPr lang="en-US" sz="1200" dirty="0" smtClean="0"/>
+                        <a:t>578</a:t>
+                      </a:r>
                       <a:endParaRPr lang="en-US" sz="1200" dirty="0"/>
                     </a:p>
                   </a:txBody>
@@ -4355,80 +4665,100 @@
                     <a:p>
                       <a:r>
                         <a:rPr lang="en-US" sz="1200" dirty="0" smtClean="0"/>
-                        <a:t>619</a:t>
-                      </a:r>
-                      <a:endParaRPr lang="en-US" sz="1200" dirty="0"/>
-                    </a:p>
-                  </a:txBody>
-                  <a:tcPr/>
-                </a:tc>
-                <a:tc>
-                  <a:txBody>
-                    <a:bodyPr/>
-                    <a:lstStyle/>
-                    <a:p>
-                      <a:r>
-                        <a:rPr lang="en-US" sz="1200" dirty="0" smtClean="0"/>
-                        <a:t>dyer</a:t>
-                      </a:r>
-                      <a:endParaRPr lang="en-US" sz="1200" dirty="0"/>
-                    </a:p>
-                  </a:txBody>
-                  <a:tcPr/>
-                </a:tc>
-                <a:tc>
-                  <a:txBody>
-                    <a:bodyPr/>
-                    <a:lstStyle/>
-                    <a:p>
-                      <a:r>
-                        <a:rPr lang="en-US" sz="1200" dirty="0" err="1" smtClean="0"/>
-                        <a:t>sal</a:t>
-                      </a:r>
-                      <a:endParaRPr lang="en-US" sz="1200" dirty="0"/>
-                    </a:p>
-                  </a:txBody>
-                  <a:tcPr/>
-                </a:tc>
-                <a:tc>
-                  <a:txBody>
-                    <a:bodyPr/>
-                    <a:lstStyle/>
-                    <a:p>
-                      <a:r>
-                        <a:rPr lang="en-US" sz="1200" dirty="0" smtClean="0"/>
-                        <a:t>0.13</a:t>
-                      </a:r>
-                      <a:endParaRPr lang="en-US" sz="1200" dirty="0"/>
-                    </a:p>
-                  </a:txBody>
-                  <a:tcPr/>
-                </a:tc>
-                <a:tc>
-                  <a:txBody>
-                    <a:bodyPr/>
-                    <a:lstStyle/>
-                    <a:p>
-                      <a:endParaRPr lang="en-US" sz="1200" dirty="0"/>
-                    </a:p>
-                  </a:txBody>
-                  <a:tcPr/>
-                </a:tc>
-                <a:tc>
-                  <a:txBody>
-                    <a:bodyPr/>
-                    <a:lstStyle/>
-                    <a:p>
-                      <a:endParaRPr lang="en-US" sz="1200" dirty="0"/>
-                    </a:p>
-                  </a:txBody>
-                  <a:tcPr/>
-                </a:tc>
-                <a:tc>
-                  <a:txBody>
-                    <a:bodyPr/>
-                    <a:lstStyle/>
-                    <a:p>
+                        <a:t>2</a:t>
+                      </a:r>
+                      <a:endParaRPr lang="en-US" sz="1200" dirty="0"/>
+                    </a:p>
+                  </a:txBody>
+                  <a:tcPr/>
+                </a:tc>
+                <a:tc>
+                  <a:txBody>
+                    <a:bodyPr/>
+                    <a:lstStyle/>
+                    <a:p>
+                      <a:r>
+                        <a:rPr lang="en-US" sz="1200" dirty="0" smtClean="0"/>
+                        <a:t>SQL for dummies</a:t>
+                      </a:r>
+                      <a:endParaRPr lang="en-US" sz="1200" dirty="0"/>
+                    </a:p>
+                  </a:txBody>
+                  <a:tcPr/>
+                </a:tc>
+                <a:tc>
+                  <a:txBody>
+                    <a:bodyPr/>
+                    <a:lstStyle/>
+                    <a:p>
+                      <a:r>
+                        <a:rPr lang="en-US" sz="1200" dirty="0" smtClean="0"/>
+                        <a:t>9781118607961</a:t>
+                      </a:r>
+                      <a:endParaRPr lang="en-US" sz="1200" dirty="0"/>
+                    </a:p>
+                  </a:txBody>
+                  <a:tcPr/>
+                </a:tc>
+                <a:tc>
+                  <a:txBody>
+                    <a:bodyPr/>
+                    <a:lstStyle/>
+                    <a:p>
+                      <a:r>
+                        <a:rPr lang="en-US" sz="1200" dirty="0" smtClean="0"/>
+                        <a:t>2013</a:t>
+                      </a:r>
+                      <a:endParaRPr lang="en-US" sz="1200" dirty="0"/>
+                    </a:p>
+                  </a:txBody>
+                  <a:tcPr/>
+                </a:tc>
+                <a:tc>
+                  <a:txBody>
+                    <a:bodyPr/>
+                    <a:lstStyle/>
+                    <a:p>
+                      <a:r>
+                        <a:rPr lang="en-US" sz="1200" dirty="0" smtClean="0"/>
+                        <a:t>Hoboken</a:t>
+                      </a:r>
+                      <a:endParaRPr lang="en-US" sz="1200" dirty="0"/>
+                    </a:p>
+                  </a:txBody>
+                  <a:tcPr/>
+                </a:tc>
+                <a:tc>
+                  <a:txBody>
+                    <a:bodyPr/>
+                    <a:lstStyle/>
+                    <a:p>
+                      <a:r>
+                        <a:rPr lang="en-US" sz="1200" dirty="0" smtClean="0"/>
+                        <a:t>Wiley</a:t>
+                      </a:r>
+                      <a:endParaRPr lang="en-US" sz="1200" dirty="0"/>
+                    </a:p>
+                  </a:txBody>
+                  <a:tcPr/>
+                </a:tc>
+                <a:tc>
+                  <a:txBody>
+                    <a:bodyPr/>
+                    <a:lstStyle/>
+                    <a:p>
+                      <a:r>
+                        <a:rPr lang="en-US" sz="1200" dirty="0" smtClean="0"/>
+                        <a:t>8</a:t>
+                      </a:r>
+                      <a:r>
+                        <a:rPr lang="en-US" sz="1200" baseline="30000" dirty="0" smtClean="0"/>
+                        <a:t>th</a:t>
+                      </a:r>
+                      <a:r>
+                        <a:rPr lang="en-US" sz="1200" dirty="0" smtClean="0"/>
+                        <a:t> ed.</a:t>
+                      </a:r>
                       <a:endParaRPr lang="en-US" sz="1200" dirty="0"/>
                     </a:p>
                   </a:txBody>
@@ -4453,767 +4783,131 @@
                     <a:p>
                       <a:r>
                         <a:rPr lang="en-US" sz="1200" dirty="0" smtClean="0"/>
-                        <a:t>622</a:t>
-                      </a:r>
-                      <a:endParaRPr lang="en-US" sz="1200" dirty="0"/>
-                    </a:p>
-                  </a:txBody>
-                  <a:tcPr/>
-                </a:tc>
-                <a:tc>
-                  <a:txBody>
-                    <a:bodyPr/>
-                    <a:lstStyle/>
-                    <a:p>
-                      <a:r>
-                        <a:rPr lang="en-US" sz="1200" dirty="0" smtClean="0"/>
-                        <a:t>dyer</a:t>
-                      </a:r>
-                      <a:endParaRPr lang="en-US" sz="1200" dirty="0"/>
-                    </a:p>
-                  </a:txBody>
-                  <a:tcPr/>
-                </a:tc>
-                <a:tc>
-                  <a:txBody>
-                    <a:bodyPr/>
-                    <a:lstStyle/>
-                    <a:p>
-                      <a:r>
-                        <a:rPr lang="en-US" sz="1200" dirty="0" smtClean="0"/>
-                        <a:t>rad</a:t>
-                      </a:r>
-                      <a:endParaRPr lang="en-US" sz="1200" dirty="0"/>
-                    </a:p>
-                  </a:txBody>
-                  <a:tcPr/>
-                </a:tc>
-                <a:tc>
-                  <a:txBody>
-                    <a:bodyPr/>
-                    <a:lstStyle/>
-                    <a:p>
-                      <a:r>
-                        <a:rPr lang="en-US" sz="1200" dirty="0" smtClean="0"/>
-                        <a:t>7.8</a:t>
-                      </a:r>
-                      <a:endParaRPr lang="en-US" sz="1200" dirty="0"/>
-                    </a:p>
-                  </a:txBody>
-                  <a:tcPr/>
-                </a:tc>
-                <a:tc>
-                  <a:txBody>
-                    <a:bodyPr/>
-                    <a:lstStyle/>
-                    <a:p>
-                      <a:endParaRPr lang="en-US" sz="1200" dirty="0"/>
-                    </a:p>
-                  </a:txBody>
-                  <a:tcPr/>
-                </a:tc>
-                <a:tc>
-                  <a:txBody>
-                    <a:bodyPr/>
-                    <a:lstStyle/>
-                    <a:p>
-                      <a:endParaRPr lang="en-US" sz="1200" dirty="0"/>
-                    </a:p>
-                  </a:txBody>
-                  <a:tcPr/>
-                </a:tc>
-                <a:tc>
-                  <a:txBody>
-                    <a:bodyPr/>
-                    <a:lstStyle/>
-                    <a:p>
-                      <a:endParaRPr lang="en-US" sz="1200" dirty="0"/>
-                    </a:p>
-                  </a:txBody>
-                  <a:tcPr/>
-                </a:tc>
-                <a:tc>
-                  <a:txBody>
-                    <a:bodyPr/>
-                    <a:lstStyle/>
-                    <a:p>
-                      <a:endParaRPr lang="en-US" sz="1200" dirty="0"/>
-                    </a:p>
-                  </a:txBody>
-                  <a:tcPr/>
-                </a:tc>
-              </a:tr>
-              <a:tr h="265756">
-                <a:tc>
-                  <a:txBody>
-                    <a:bodyPr/>
-                    <a:lstStyle/>
-                    <a:p>
-                      <a:r>
-                        <a:rPr lang="en-US" sz="1200" dirty="0" smtClean="0"/>
-                        <a:t>622</a:t>
-                      </a:r>
-                      <a:endParaRPr lang="en-US" sz="1200" dirty="0"/>
-                    </a:p>
-                  </a:txBody>
-                  <a:tcPr/>
-                </a:tc>
-                <a:tc>
-                  <a:txBody>
-                    <a:bodyPr/>
-                    <a:lstStyle/>
-                    <a:p>
-                      <a:r>
-                        <a:rPr lang="en-US" sz="1200" dirty="0" smtClean="0"/>
-                        <a:t>dyer</a:t>
-                      </a:r>
-                      <a:endParaRPr lang="en-US" sz="1200" dirty="0"/>
-                    </a:p>
-                  </a:txBody>
-                  <a:tcPr/>
-                </a:tc>
-                <a:tc>
-                  <a:txBody>
-                    <a:bodyPr/>
-                    <a:lstStyle/>
-                    <a:p>
-                      <a:r>
-                        <a:rPr lang="en-US" sz="1200" dirty="0" err="1" smtClean="0"/>
-                        <a:t>sal</a:t>
-                      </a:r>
-                      <a:endParaRPr lang="en-US" sz="1200" dirty="0"/>
-                    </a:p>
-                  </a:txBody>
-                  <a:tcPr/>
-                </a:tc>
-                <a:tc>
-                  <a:txBody>
-                    <a:bodyPr/>
-                    <a:lstStyle/>
-                    <a:p>
-                      <a:r>
-                        <a:rPr lang="en-US" sz="1200" dirty="0" smtClean="0"/>
-                        <a:t>0.09</a:t>
-                      </a:r>
-                      <a:endParaRPr lang="en-US" sz="1200" dirty="0"/>
-                    </a:p>
-                  </a:txBody>
-                  <a:tcPr/>
-                </a:tc>
-                <a:tc>
-                  <a:txBody>
-                    <a:bodyPr/>
-                    <a:lstStyle/>
-                    <a:p>
-                      <a:endParaRPr lang="en-US" sz="1200" dirty="0"/>
-                    </a:p>
-                  </a:txBody>
-                  <a:tcPr/>
-                </a:tc>
-                <a:tc>
-                  <a:txBody>
-                    <a:bodyPr/>
-                    <a:lstStyle/>
-                    <a:p>
-                      <a:endParaRPr lang="en-US" sz="1200" dirty="0"/>
-                    </a:p>
-                  </a:txBody>
-                  <a:tcPr/>
-                </a:tc>
-                <a:tc>
-                  <a:txBody>
-                    <a:bodyPr/>
-                    <a:lstStyle/>
-                    <a:p>
-                      <a:endParaRPr lang="en-US" sz="1200" dirty="0"/>
-                    </a:p>
-                  </a:txBody>
-                  <a:tcPr/>
-                </a:tc>
-                <a:tc>
-                  <a:txBody>
-                    <a:bodyPr/>
-                    <a:lstStyle/>
-                    <a:p>
-                      <a:endParaRPr lang="en-US" sz="1200" dirty="0"/>
-                    </a:p>
-                  </a:txBody>
-                  <a:tcPr/>
-                </a:tc>
-              </a:tr>
-              <a:tr h="265756">
-                <a:tc>
-                  <a:txBody>
-                    <a:bodyPr/>
-                    <a:lstStyle/>
-                    <a:p>
-                      <a:r>
-                        <a:rPr lang="en-US" sz="1200" dirty="0" smtClean="0"/>
-                        <a:t>734</a:t>
-                      </a:r>
-                      <a:endParaRPr lang="en-US" sz="1200" dirty="0"/>
-                    </a:p>
-                  </a:txBody>
-                  <a:tcPr/>
-                </a:tc>
-                <a:tc>
-                  <a:txBody>
-                    <a:bodyPr/>
-                    <a:lstStyle/>
-                    <a:p>
-                      <a:r>
-                        <a:rPr lang="en-US" sz="1200" dirty="0" err="1" smtClean="0"/>
-                        <a:t>pb</a:t>
-                      </a:r>
-                      <a:endParaRPr lang="en-US" sz="1200" dirty="0"/>
-                    </a:p>
-                  </a:txBody>
-                  <a:tcPr/>
-                </a:tc>
-                <a:tc>
-                  <a:txBody>
-                    <a:bodyPr/>
-                    <a:lstStyle/>
-                    <a:p>
-                      <a:r>
-                        <a:rPr lang="en-US" sz="1200" dirty="0" smtClean="0"/>
-                        <a:t>rad</a:t>
-                      </a:r>
-                      <a:endParaRPr lang="en-US" sz="1200" dirty="0"/>
-                    </a:p>
-                  </a:txBody>
-                  <a:tcPr/>
-                </a:tc>
-                <a:tc>
-                  <a:txBody>
-                    <a:bodyPr/>
-                    <a:lstStyle/>
-                    <a:p>
-                      <a:r>
-                        <a:rPr lang="en-US" sz="1200" dirty="0" smtClean="0"/>
-                        <a:t>8.41</a:t>
-                      </a:r>
-                      <a:endParaRPr lang="en-US" sz="1200" dirty="0"/>
-                    </a:p>
-                  </a:txBody>
-                  <a:tcPr/>
-                </a:tc>
-                <a:tc>
-                  <a:txBody>
-                    <a:bodyPr/>
-                    <a:lstStyle/>
-                    <a:p>
-                      <a:endParaRPr lang="en-US" sz="1200" dirty="0"/>
-                    </a:p>
-                  </a:txBody>
-                  <a:tcPr/>
-                </a:tc>
-                <a:tc>
-                  <a:txBody>
-                    <a:bodyPr/>
-                    <a:lstStyle/>
-                    <a:p>
-                      <a:endParaRPr lang="en-US" sz="1200" dirty="0"/>
-                    </a:p>
-                  </a:txBody>
-                  <a:tcPr/>
-                </a:tc>
-                <a:tc>
-                  <a:txBody>
-                    <a:bodyPr/>
-                    <a:lstStyle/>
-                    <a:p>
-                      <a:endParaRPr lang="en-US" sz="1200" dirty="0"/>
-                    </a:p>
-                  </a:txBody>
-                  <a:tcPr/>
-                </a:tc>
-                <a:tc>
-                  <a:txBody>
-                    <a:bodyPr/>
-                    <a:lstStyle/>
-                    <a:p>
-                      <a:endParaRPr lang="en-US" sz="1200" dirty="0"/>
-                    </a:p>
-                  </a:txBody>
-                  <a:tcPr/>
-                </a:tc>
-              </a:tr>
-              <a:tr h="265756">
-                <a:tc>
-                  <a:txBody>
-                    <a:bodyPr/>
-                    <a:lstStyle/>
-                    <a:p>
-                      <a:r>
-                        <a:rPr lang="en-US" sz="1200" dirty="0" smtClean="0"/>
-                        <a:t>734</a:t>
-                      </a:r>
-                      <a:endParaRPr lang="en-US" sz="1200" dirty="0"/>
-                    </a:p>
-                  </a:txBody>
-                  <a:tcPr/>
-                </a:tc>
-                <a:tc>
-                  <a:txBody>
-                    <a:bodyPr/>
-                    <a:lstStyle/>
-                    <a:p>
-                      <a:r>
-                        <a:rPr lang="en-US" sz="1200" dirty="0" smtClean="0"/>
-                        <a:t>lake</a:t>
-                      </a:r>
-                      <a:endParaRPr lang="en-US" sz="1200" dirty="0"/>
-                    </a:p>
-                  </a:txBody>
-                  <a:tcPr/>
-                </a:tc>
-                <a:tc>
-                  <a:txBody>
-                    <a:bodyPr/>
-                    <a:lstStyle/>
-                    <a:p>
-                      <a:r>
-                        <a:rPr lang="en-US" sz="1200" dirty="0" err="1" smtClean="0"/>
-                        <a:t>sal</a:t>
-                      </a:r>
-                      <a:endParaRPr lang="en-US" sz="1200" dirty="0"/>
-                    </a:p>
-                  </a:txBody>
-                  <a:tcPr/>
-                </a:tc>
-                <a:tc>
-                  <a:txBody>
-                    <a:bodyPr/>
-                    <a:lstStyle/>
-                    <a:p>
-                      <a:r>
-                        <a:rPr lang="en-US" sz="1200" dirty="0" smtClean="0"/>
-                        <a:t>0.05</a:t>
-                      </a:r>
-                      <a:endParaRPr lang="en-US" sz="1200" dirty="0"/>
-                    </a:p>
-                  </a:txBody>
-                  <a:tcPr/>
-                </a:tc>
-                <a:tc>
-                  <a:txBody>
-                    <a:bodyPr/>
-                    <a:lstStyle/>
-                    <a:p>
-                      <a:endParaRPr lang="en-US" sz="1200" dirty="0"/>
-                    </a:p>
-                  </a:txBody>
-                  <a:tcPr/>
-                </a:tc>
-                <a:tc>
-                  <a:txBody>
-                    <a:bodyPr/>
-                    <a:lstStyle/>
-                    <a:p>
-                      <a:endParaRPr lang="en-US" sz="1200" dirty="0"/>
-                    </a:p>
-                  </a:txBody>
-                  <a:tcPr/>
-                </a:tc>
-                <a:tc>
-                  <a:txBody>
-                    <a:bodyPr/>
-                    <a:lstStyle/>
-                    <a:p>
-                      <a:endParaRPr lang="en-US" sz="1200" dirty="0"/>
-                    </a:p>
-                  </a:txBody>
-                  <a:tcPr/>
-                </a:tc>
-                <a:tc>
-                  <a:txBody>
-                    <a:bodyPr/>
-                    <a:lstStyle/>
-                    <a:p>
-                      <a:endParaRPr lang="en-US" sz="1200" dirty="0"/>
-                    </a:p>
-                  </a:txBody>
-                  <a:tcPr/>
-                </a:tc>
-              </a:tr>
-              <a:tr h="265756">
-                <a:tc>
-                  <a:txBody>
-                    <a:bodyPr/>
-                    <a:lstStyle/>
-                    <a:p>
-                      <a:r>
-                        <a:rPr lang="en-US" sz="1200" dirty="0" smtClean="0"/>
-                        <a:t>734</a:t>
-                      </a:r>
-                      <a:endParaRPr lang="en-US" sz="1200" dirty="0"/>
-                    </a:p>
-                  </a:txBody>
-                  <a:tcPr/>
-                </a:tc>
-                <a:tc>
-                  <a:txBody>
-                    <a:bodyPr/>
-                    <a:lstStyle/>
-                    <a:p>
-                      <a:r>
-                        <a:rPr lang="en-US" sz="1200" dirty="0" err="1" smtClean="0"/>
-                        <a:t>pb</a:t>
-                      </a:r>
-                      <a:endParaRPr lang="en-US" sz="1200" dirty="0"/>
-                    </a:p>
-                  </a:txBody>
-                  <a:tcPr/>
-                </a:tc>
-                <a:tc>
-                  <a:txBody>
-                    <a:bodyPr/>
-                    <a:lstStyle/>
-                    <a:p>
-                      <a:r>
-                        <a:rPr lang="en-US" sz="1200" dirty="0" smtClean="0"/>
-                        <a:t>temp</a:t>
-                      </a:r>
-                      <a:endParaRPr lang="en-US" sz="1200" dirty="0"/>
-                    </a:p>
-                  </a:txBody>
-                  <a:tcPr/>
-                </a:tc>
-                <a:tc>
-                  <a:txBody>
-                    <a:bodyPr/>
-                    <a:lstStyle/>
-                    <a:p>
-                      <a:r>
-                        <a:rPr lang="en-US" sz="1200" dirty="0" smtClean="0"/>
-                        <a:t>-21.5</a:t>
-                      </a:r>
-                      <a:endParaRPr lang="en-US" sz="1200" dirty="0"/>
-                    </a:p>
-                  </a:txBody>
-                  <a:tcPr/>
-                </a:tc>
-                <a:tc>
-                  <a:txBody>
-                    <a:bodyPr/>
-                    <a:lstStyle/>
-                    <a:p>
-                      <a:endParaRPr lang="en-US" sz="1200" dirty="0"/>
-                    </a:p>
-                  </a:txBody>
-                  <a:tcPr/>
-                </a:tc>
-                <a:tc>
-                  <a:txBody>
-                    <a:bodyPr/>
-                    <a:lstStyle/>
-                    <a:p>
-                      <a:endParaRPr lang="en-US" sz="1200" dirty="0"/>
-                    </a:p>
-                  </a:txBody>
-                  <a:tcPr/>
-                </a:tc>
-                <a:tc>
-                  <a:txBody>
-                    <a:bodyPr/>
-                    <a:lstStyle/>
-                    <a:p>
-                      <a:endParaRPr lang="en-US" sz="1200" dirty="0"/>
-                    </a:p>
-                  </a:txBody>
-                  <a:tcPr/>
-                </a:tc>
-                <a:tc>
-                  <a:txBody>
-                    <a:bodyPr/>
-                    <a:lstStyle/>
-                    <a:p>
-                      <a:endParaRPr lang="en-US" sz="1200" dirty="0"/>
-                    </a:p>
-                  </a:txBody>
-                  <a:tcPr/>
-                </a:tc>
-              </a:tr>
-              <a:tr h="265756">
-                <a:tc>
-                  <a:txBody>
-                    <a:bodyPr/>
-                    <a:lstStyle/>
-                    <a:p>
-                      <a:r>
-                        <a:rPr lang="en-US" sz="1200" dirty="0" smtClean="0"/>
-                        <a:t>735</a:t>
-                      </a:r>
-                      <a:endParaRPr lang="en-US" sz="1200" dirty="0"/>
-                    </a:p>
-                  </a:txBody>
-                  <a:tcPr/>
-                </a:tc>
-                <a:tc>
-                  <a:txBody>
-                    <a:bodyPr/>
-                    <a:lstStyle/>
-                    <a:p>
-                      <a:r>
-                        <a:rPr lang="en-US" sz="1200" dirty="0" err="1" smtClean="0"/>
-                        <a:t>pb</a:t>
-                      </a:r>
-                      <a:endParaRPr lang="en-US" sz="1200" dirty="0"/>
-                    </a:p>
-                  </a:txBody>
-                  <a:tcPr/>
-                </a:tc>
-                <a:tc>
-                  <a:txBody>
-                    <a:bodyPr/>
-                    <a:lstStyle/>
-                    <a:p>
-                      <a:r>
-                        <a:rPr lang="en-US" sz="1200" dirty="0" smtClean="0"/>
-                        <a:t>rad</a:t>
-                      </a:r>
-                      <a:endParaRPr lang="en-US" sz="1200" dirty="0"/>
-                    </a:p>
-                  </a:txBody>
-                  <a:tcPr/>
-                </a:tc>
-                <a:tc>
-                  <a:txBody>
-                    <a:bodyPr/>
-                    <a:lstStyle/>
-                    <a:p>
-                      <a:r>
-                        <a:rPr lang="en-US" sz="1200" dirty="0" smtClean="0"/>
-                        <a:t>7.22</a:t>
-                      </a:r>
-                    </a:p>
-                  </a:txBody>
-                  <a:tcPr/>
-                </a:tc>
-                <a:tc>
-                  <a:txBody>
-                    <a:bodyPr/>
-                    <a:lstStyle/>
-                    <a:p>
-                      <a:endParaRPr lang="en-US" sz="1200" dirty="0" smtClean="0"/>
-                    </a:p>
-                  </a:txBody>
-                  <a:tcPr/>
-                </a:tc>
-                <a:tc>
-                  <a:txBody>
-                    <a:bodyPr/>
-                    <a:lstStyle/>
-                    <a:p>
-                      <a:endParaRPr lang="en-US" sz="1200" dirty="0" smtClean="0"/>
-                    </a:p>
-                  </a:txBody>
-                  <a:tcPr/>
-                </a:tc>
-                <a:tc>
-                  <a:txBody>
-                    <a:bodyPr/>
-                    <a:lstStyle/>
-                    <a:p>
-                      <a:endParaRPr lang="en-US" sz="1200" dirty="0" smtClean="0"/>
-                    </a:p>
-                  </a:txBody>
-                  <a:tcPr/>
-                </a:tc>
-                <a:tc>
-                  <a:txBody>
-                    <a:bodyPr/>
-                    <a:lstStyle/>
-                    <a:p>
-                      <a:endParaRPr lang="en-US" sz="1200" dirty="0" smtClean="0"/>
-                    </a:p>
-                  </a:txBody>
-                  <a:tcPr/>
-                </a:tc>
-              </a:tr>
-              <a:tr h="265756">
-                <a:tc>
-                  <a:txBody>
-                    <a:bodyPr/>
-                    <a:lstStyle/>
-                    <a:p>
-                      <a:r>
-                        <a:rPr lang="en-US" sz="1200" dirty="0" smtClean="0"/>
-                        <a:t>735</a:t>
-                      </a:r>
-                      <a:endParaRPr lang="en-US" sz="1200" dirty="0"/>
-                    </a:p>
-                  </a:txBody>
-                  <a:tcPr/>
-                </a:tc>
-                <a:tc>
-                  <a:txBody>
-                    <a:bodyPr/>
-                    <a:lstStyle/>
-                    <a:p>
-                      <a:endParaRPr lang="en-US" sz="1200" dirty="0"/>
-                    </a:p>
-                  </a:txBody>
-                  <a:tcPr/>
-                </a:tc>
-                <a:tc>
-                  <a:txBody>
-                    <a:bodyPr/>
-                    <a:lstStyle/>
-                    <a:p>
-                      <a:r>
-                        <a:rPr lang="en-US" sz="1200" dirty="0" err="1" smtClean="0"/>
-                        <a:t>sal</a:t>
-                      </a:r>
-                      <a:endParaRPr lang="en-US" sz="1200" dirty="0"/>
-                    </a:p>
-                  </a:txBody>
-                  <a:tcPr/>
-                </a:tc>
-                <a:tc>
-                  <a:txBody>
-                    <a:bodyPr/>
-                    <a:lstStyle/>
-                    <a:p>
-                      <a:r>
-                        <a:rPr lang="en-US" sz="1200" dirty="0" smtClean="0"/>
-                        <a:t>0.06</a:t>
-                      </a:r>
-                      <a:endParaRPr lang="en-US" sz="1200" dirty="0"/>
-                    </a:p>
-                  </a:txBody>
-                  <a:tcPr/>
-                </a:tc>
-                <a:tc>
-                  <a:txBody>
-                    <a:bodyPr/>
-                    <a:lstStyle/>
-                    <a:p>
-                      <a:endParaRPr lang="en-US" sz="1200" dirty="0"/>
-                    </a:p>
-                  </a:txBody>
-                  <a:tcPr/>
-                </a:tc>
-                <a:tc>
-                  <a:txBody>
-                    <a:bodyPr/>
-                    <a:lstStyle/>
-                    <a:p>
-                      <a:endParaRPr lang="en-US" sz="1200" dirty="0"/>
-                    </a:p>
-                  </a:txBody>
-                  <a:tcPr/>
-                </a:tc>
-                <a:tc>
-                  <a:txBody>
-                    <a:bodyPr/>
-                    <a:lstStyle/>
-                    <a:p>
-                      <a:endParaRPr lang="en-US" sz="1200" dirty="0"/>
-                    </a:p>
-                  </a:txBody>
-                  <a:tcPr/>
-                </a:tc>
-                <a:tc>
-                  <a:txBody>
-                    <a:bodyPr/>
-                    <a:lstStyle/>
-                    <a:p>
-                      <a:endParaRPr lang="en-US" sz="1200" dirty="0"/>
-                    </a:p>
-                  </a:txBody>
-                  <a:tcPr/>
-                </a:tc>
-              </a:tr>
-              <a:tr h="265756">
-                <a:tc>
-                  <a:txBody>
-                    <a:bodyPr/>
-                    <a:lstStyle/>
-                    <a:p>
-                      <a:r>
-                        <a:rPr lang="en-US" sz="1200" dirty="0" smtClean="0"/>
-                        <a:t>735</a:t>
-                      </a:r>
-                      <a:endParaRPr lang="en-US" sz="1200" dirty="0"/>
-                    </a:p>
-                  </a:txBody>
-                  <a:tcPr/>
-                </a:tc>
-                <a:tc>
-                  <a:txBody>
-                    <a:bodyPr/>
-                    <a:lstStyle/>
-                    <a:p>
-                      <a:endParaRPr lang="en-US" sz="1200" dirty="0"/>
-                    </a:p>
-                  </a:txBody>
-                  <a:tcPr/>
-                </a:tc>
-                <a:tc>
-                  <a:txBody>
-                    <a:bodyPr/>
-                    <a:lstStyle/>
-                    <a:p>
-                      <a:r>
-                        <a:rPr lang="en-US" sz="1200" dirty="0" smtClean="0"/>
-                        <a:t>temp</a:t>
-                      </a:r>
-                      <a:endParaRPr lang="en-US" sz="1200" dirty="0"/>
-                    </a:p>
-                  </a:txBody>
-                  <a:tcPr/>
-                </a:tc>
-                <a:tc>
-                  <a:txBody>
-                    <a:bodyPr/>
-                    <a:lstStyle/>
-                    <a:p>
-                      <a:r>
-                        <a:rPr lang="en-US" sz="1200" dirty="0" smtClean="0"/>
-                        <a:t>-26.0</a:t>
-                      </a:r>
-                      <a:endParaRPr lang="en-US" sz="1200" dirty="0"/>
-                    </a:p>
-                  </a:txBody>
-                  <a:tcPr/>
-                </a:tc>
-                <a:tc>
-                  <a:txBody>
-                    <a:bodyPr/>
-                    <a:lstStyle/>
-                    <a:p>
-                      <a:endParaRPr lang="en-US" sz="1200" dirty="0"/>
-                    </a:p>
-                  </a:txBody>
-                  <a:tcPr/>
-                </a:tc>
-                <a:tc>
-                  <a:txBody>
-                    <a:bodyPr/>
-                    <a:lstStyle/>
-                    <a:p>
-                      <a:endParaRPr lang="en-US" sz="1200" dirty="0"/>
-                    </a:p>
-                  </a:txBody>
-                  <a:tcPr/>
-                </a:tc>
-                <a:tc>
-                  <a:txBody>
-                    <a:bodyPr/>
-                    <a:lstStyle/>
-                    <a:p>
-                      <a:endParaRPr lang="en-US" sz="1200" dirty="0"/>
-                    </a:p>
-                  </a:txBody>
-                  <a:tcPr/>
-                </a:tc>
-                <a:tc>
-                  <a:txBody>
-                    <a:bodyPr/>
-                    <a:lstStyle/>
-                    <a:p>
+                        <a:t>3</a:t>
+                      </a:r>
+                      <a:endParaRPr lang="en-US" sz="1200" dirty="0"/>
+                    </a:p>
+                  </a:txBody>
+                  <a:tcPr/>
+                </a:tc>
+                <a:tc>
+                  <a:txBody>
+                    <a:bodyPr/>
+                    <a:lstStyle/>
+                    <a:p>
+                      <a:r>
+                        <a:rPr lang="en-US" sz="1200" dirty="0" smtClean="0"/>
+                        <a:t>PHP &amp; MySQL</a:t>
+                      </a:r>
+                      <a:endParaRPr lang="en-US" sz="1200" dirty="0"/>
+                    </a:p>
+                  </a:txBody>
+                  <a:tcPr/>
+                </a:tc>
+                <a:tc>
+                  <a:txBody>
+                    <a:bodyPr/>
+                    <a:lstStyle/>
+                    <a:p>
+                      <a:pPr marL="0" marR="0" indent="0" algn="l" defTabSz="457200" rtl="0" eaLnBrk="1" fontAlgn="auto" latinLnBrk="0" hangingPunct="1">
+                        <a:lnSpc>
+                          <a:spcPct val="100000"/>
+                        </a:lnSpc>
+                        <a:spcBef>
+                          <a:spcPts val="0"/>
+                        </a:spcBef>
+                        <a:spcAft>
+                          <a:spcPts val="0"/>
+                        </a:spcAft>
+                        <a:buClrTx/>
+                        <a:buSzTx/>
+                        <a:buFontTx/>
+                        <a:buNone/>
+                        <a:tabLst/>
+                        <a:defRPr/>
+                      </a:pPr>
+                      <a:r>
+                        <a:rPr lang="en-US" sz="1200" dirty="0" smtClean="0"/>
+                        <a:t>9781449325572</a:t>
+                      </a:r>
+                      <a:endParaRPr lang="en-US" sz="1200" dirty="0"/>
+                    </a:p>
+                  </a:txBody>
+                  <a:tcPr/>
+                </a:tc>
+                <a:tc>
+                  <a:txBody>
+                    <a:bodyPr/>
+                    <a:lstStyle/>
+                    <a:p>
+                      <a:r>
+                        <a:rPr lang="en-US" sz="1200" dirty="0" smtClean="0"/>
+                        <a:t>2013</a:t>
+                      </a:r>
+                      <a:endParaRPr lang="en-US" sz="1200" dirty="0"/>
+                    </a:p>
+                  </a:txBody>
+                  <a:tcPr/>
+                </a:tc>
+                <a:tc>
+                  <a:txBody>
+                    <a:bodyPr/>
+                    <a:lstStyle/>
+                    <a:p>
+                      <a:r>
+                        <a:rPr lang="en-US" sz="1200" dirty="0" smtClean="0"/>
+                        <a:t>Sebastopol</a:t>
+                      </a:r>
+                      <a:endParaRPr lang="en-US" sz="1200" dirty="0"/>
+                    </a:p>
+                  </a:txBody>
+                  <a:tcPr/>
+                </a:tc>
+                <a:tc>
+                  <a:txBody>
+                    <a:bodyPr/>
+                    <a:lstStyle/>
+                    <a:p>
+                      <a:r>
+                        <a:rPr lang="en-US" sz="1200" dirty="0" smtClean="0"/>
+                        <a:t>O’Reilly</a:t>
+                      </a:r>
+                      <a:endParaRPr lang="en-US" sz="1200" dirty="0"/>
+                    </a:p>
+                  </a:txBody>
+                  <a:tcPr/>
+                </a:tc>
+                <a:tc>
+                  <a:txBody>
+                    <a:bodyPr/>
+                    <a:lstStyle/>
+                    <a:p>
+                      <a:r>
+                        <a:rPr lang="en-US" sz="1200" dirty="0" smtClean="0"/>
+                        <a:t>2</a:t>
+                      </a:r>
+                      <a:r>
+                        <a:rPr lang="en-US" sz="1200" baseline="30000" dirty="0" smtClean="0"/>
+                        <a:t>nd</a:t>
+                      </a:r>
+                      <a:r>
+                        <a:rPr lang="en-US" sz="1200" dirty="0" smtClean="0"/>
+                        <a:t> ed.</a:t>
+                      </a:r>
+                      <a:endParaRPr lang="en-US" sz="1200" dirty="0"/>
+                    </a:p>
+                  </a:txBody>
+                  <a:tcPr/>
+                </a:tc>
+                <a:tc>
+                  <a:txBody>
+                    <a:bodyPr/>
+                    <a:lstStyle/>
+                    <a:p>
+                      <a:r>
+                        <a:rPr lang="en-US" sz="1200" dirty="0" smtClean="0"/>
+                        <a:t>532</a:t>
+                      </a:r>
                       <a:endParaRPr lang="en-US" sz="1200" dirty="0"/>
                     </a:p>
                   </a:txBody>
@@ -5232,7 +4926,7 @@
         </p:nvSpPr>
         <p:spPr>
           <a:xfrm>
-            <a:off x="281883" y="2332868"/>
+            <a:off x="202503" y="2616368"/>
             <a:ext cx="930588" cy="369332"/>
           </a:xfrm>
           <a:prstGeom prst="rect">
@@ -5270,8 +4964,8 @@
         </p:nvSpPr>
         <p:spPr>
           <a:xfrm>
-            <a:off x="277924" y="6270443"/>
-            <a:ext cx="825316" cy="369332"/>
+            <a:off x="5913725" y="2697601"/>
+            <a:ext cx="1648333" cy="369332"/>
           </a:xfrm>
           <a:prstGeom prst="rect">
             <a:avLst/>
@@ -5285,12 +4979,12 @@
           <a:lstStyle/>
           <a:p>
             <a:r>
-              <a:rPr lang="en-US" dirty="0" smtClean="0">
+              <a:rPr lang="en-US" dirty="0" err="1" smtClean="0">
                 <a:solidFill>
                   <a:schemeClr val="tx2"/>
                 </a:solidFill>
               </a:rPr>
-              <a:t>Visited</a:t>
+              <a:t>Works_Authors</a:t>
             </a:r>
             <a:endParaRPr lang="en-US" dirty="0">
               <a:solidFill>
@@ -5308,7 +5002,7 @@
         </p:nvSpPr>
         <p:spPr>
           <a:xfrm>
-            <a:off x="5214101" y="4364516"/>
+            <a:off x="1325871" y="4475840"/>
             <a:ext cx="787445" cy="369332"/>
           </a:xfrm>
           <a:prstGeom prst="rect">
@@ -5346,8 +5040,8 @@
         </p:nvSpPr>
         <p:spPr>
           <a:xfrm>
-            <a:off x="5214101" y="6333863"/>
-            <a:ext cx="535874" cy="369332"/>
+            <a:off x="3573426" y="6362007"/>
+            <a:ext cx="710451" cy="369332"/>
           </a:xfrm>
           <a:prstGeom prst="rect">
             <a:avLst/>
@@ -5366,7 +5060,7 @@
                   <a:schemeClr val="tx2"/>
                 </a:solidFill>
               </a:rPr>
-              <a:t>Site</a:t>
+              <a:t>Items</a:t>
             </a:r>
             <a:endParaRPr lang="en-US" dirty="0">
               <a:solidFill>
@@ -5383,9 +5077,9 @@
           <p:nvPr/>
         </p:nvCxnSpPr>
         <p:spPr>
-          <a:xfrm>
-            <a:off x="6390175" y="317616"/>
-            <a:ext cx="3959" cy="930906"/>
+          <a:xfrm flipH="1">
+            <a:off x="7143972" y="317616"/>
+            <a:ext cx="1" cy="738664"/>
           </a:xfrm>
           <a:prstGeom prst="straightConnector1">
             <a:avLst/>
@@ -5418,7 +5112,7 @@
         <p:spPr>
           <a:xfrm>
             <a:off x="698148" y="315209"/>
-            <a:ext cx="5695986" cy="0"/>
+            <a:ext cx="6445823" cy="0"/>
           </a:xfrm>
           <a:prstGeom prst="line">
             <a:avLst/>
@@ -5480,8 +5174,8 @@
         </p:nvCxnSpPr>
         <p:spPr>
           <a:xfrm>
-            <a:off x="5502547" y="4830352"/>
-            <a:ext cx="3959" cy="368949"/>
+            <a:off x="4012293" y="4845172"/>
+            <a:ext cx="0" cy="182516"/>
           </a:xfrm>
           <a:prstGeom prst="straightConnector1">
             <a:avLst/>
@@ -5513,8 +5207,8 @@
         </p:nvCxnSpPr>
         <p:spPr>
           <a:xfrm>
-            <a:off x="1820575" y="3377821"/>
-            <a:ext cx="2779551" cy="0"/>
+            <a:off x="1036698" y="2995677"/>
+            <a:ext cx="588809" cy="0"/>
           </a:xfrm>
           <a:prstGeom prst="line">
             <a:avLst/>
@@ -5542,9 +5236,9 @@
           <p:nvPr/>
         </p:nvCxnSpPr>
         <p:spPr>
-          <a:xfrm flipV="1">
-            <a:off x="4600126" y="4830316"/>
-            <a:ext cx="893719" cy="36"/>
+          <a:xfrm>
+            <a:off x="1036477" y="4830316"/>
+            <a:ext cx="2975816" cy="0"/>
           </a:xfrm>
           <a:prstGeom prst="line">
             <a:avLst/>
@@ -5573,8 +5267,8 @@
         </p:nvCxnSpPr>
         <p:spPr>
           <a:xfrm>
-            <a:off x="1802971" y="3377821"/>
-            <a:ext cx="3959" cy="343270"/>
+            <a:off x="1621548" y="2985700"/>
+            <a:ext cx="3959" cy="392121"/>
           </a:xfrm>
           <a:prstGeom prst="straightConnector1">
             <a:avLst/>
@@ -5606,8 +5300,8 @@
         </p:nvCxnSpPr>
         <p:spPr>
           <a:xfrm>
-            <a:off x="4600126" y="3377821"/>
-            <a:ext cx="0" cy="1452531"/>
+            <a:off x="1036477" y="2985700"/>
+            <a:ext cx="0" cy="1859472"/>
           </a:xfrm>
           <a:prstGeom prst="line">
             <a:avLst/>
@@ -5636,7 +5330,7 @@
         </p:nvCxnSpPr>
         <p:spPr>
           <a:xfrm>
-            <a:off x="5414941" y="879573"/>
+            <a:off x="6387564" y="694523"/>
             <a:ext cx="3959" cy="368949"/>
           </a:xfrm>
           <a:prstGeom prst="straightConnector1">
@@ -5669,7 +5363,7 @@
         </p:nvCxnSpPr>
         <p:spPr>
           <a:xfrm flipV="1">
-            <a:off x="4521222" y="871962"/>
+            <a:off x="5493845" y="686912"/>
             <a:ext cx="893719" cy="36"/>
           </a:xfrm>
           <a:prstGeom prst="line">
@@ -5699,8 +5393,8 @@
         </p:nvCxnSpPr>
         <p:spPr>
           <a:xfrm>
-            <a:off x="4521222" y="871962"/>
-            <a:ext cx="0" cy="2048251"/>
+            <a:off x="5506506" y="686912"/>
+            <a:ext cx="0" cy="2298788"/>
           </a:xfrm>
           <a:prstGeom prst="line">
             <a:avLst/>
@@ -5729,8 +5423,8 @@
         </p:nvCxnSpPr>
         <p:spPr>
           <a:xfrm>
-            <a:off x="537994" y="2920213"/>
-            <a:ext cx="3983228" cy="0"/>
+            <a:off x="1802971" y="2973303"/>
+            <a:ext cx="3703535" cy="0"/>
           </a:xfrm>
           <a:prstGeom prst="line">
             <a:avLst/>
@@ -5759,8 +5453,8 @@
         </p:nvCxnSpPr>
         <p:spPr>
           <a:xfrm>
-            <a:off x="537994" y="2920213"/>
-            <a:ext cx="0" cy="800878"/>
+            <a:off x="1796662" y="2973303"/>
+            <a:ext cx="23913" cy="404518"/>
           </a:xfrm>
           <a:prstGeom prst="straightConnector1">
             <a:avLst/>
@@ -5804,6 +5498,1365 @@
 </p:sld>
 </file>
 
+<file path=ppt/slides/slide10.xml><?xml version="1.0" encoding="utf-8"?>
+<p:sld xmlns:a="http://schemas.openxmlformats.org/drawingml/2006/main" xmlns:r="http://schemas.openxmlformats.org/officeDocument/2006/relationships" xmlns:p="http://schemas.openxmlformats.org/presentationml/2006/main">
+  <p:cSld>
+    <p:spTree>
+      <p:nvGrpSpPr>
+        <p:cNvPr id="1" name=""/>
+        <p:cNvGrpSpPr/>
+        <p:nvPr/>
+      </p:nvGrpSpPr>
+      <p:grpSpPr>
+        <a:xfrm>
+          <a:off x="0" y="0"/>
+          <a:ext cx="0" cy="0"/>
+          <a:chOff x="0" y="0"/>
+          <a:chExt cx="0" cy="0"/>
+        </a:xfrm>
+      </p:grpSpPr>
+      <p:sp>
+        <p:nvSpPr>
+          <p:cNvPr id="2" name="Title 1"/>
+          <p:cNvSpPr>
+            <a:spLocks noGrp="1"/>
+          </p:cNvSpPr>
+          <p:nvPr>
+            <p:ph type="title"/>
+          </p:nvPr>
+        </p:nvSpPr>
+        <p:spPr/>
+        <p:txBody>
+          <a:bodyPr/>
+          <a:lstStyle/>
+          <a:p>
+            <a:r>
+              <a:rPr lang="en-US" dirty="0"/>
+              <a:t>C</a:t>
+            </a:r>
+            <a:r>
+              <a:rPr lang="en-US" dirty="0" smtClean="0"/>
+              <a:t>hallenge</a:t>
+            </a:r>
+            <a:endParaRPr lang="en-US" dirty="0"/>
+          </a:p>
+        </p:txBody>
+      </p:sp>
+      <p:sp>
+        <p:nvSpPr>
+          <p:cNvPr id="3" name="Content Placeholder 2"/>
+          <p:cNvSpPr>
+            <a:spLocks noGrp="1"/>
+          </p:cNvSpPr>
+          <p:nvPr>
+            <p:ph idx="1"/>
+          </p:nvPr>
+        </p:nvSpPr>
+        <p:spPr/>
+        <p:txBody>
+          <a:bodyPr/>
+          <a:lstStyle/>
+          <a:p>
+            <a:r>
+              <a:rPr lang="en-US" dirty="0"/>
+              <a:t>Create a table that contains only publisher names from the </a:t>
+            </a:r>
+            <a:r>
+              <a:rPr lang="en-US" b="1" dirty="0"/>
+              <a:t>Works</a:t>
+            </a:r>
+            <a:r>
+              <a:rPr lang="en-US" dirty="0"/>
+              <a:t> table. Warning: avoid duplicates!</a:t>
+            </a:r>
+            <a:endParaRPr lang="en-US" dirty="0"/>
+          </a:p>
+        </p:txBody>
+      </p:sp>
+      <p:graphicFrame>
+        <p:nvGraphicFramePr>
+          <p:cNvPr id="4" name="Table 3"/>
+          <p:cNvGraphicFramePr>
+            <a:graphicFrameLocks noGrp="1"/>
+          </p:cNvGraphicFramePr>
+          <p:nvPr>
+            <p:extLst>
+              <p:ext uri="{D42A27DB-BD31-4B8C-83A1-F6EECF244321}">
+                <p14:modId xmlns:p14="http://schemas.microsoft.com/office/powerpoint/2010/main" val="860966518"/>
+              </p:ext>
+            </p:extLst>
+          </p:nvPr>
+        </p:nvGraphicFramePr>
+        <p:xfrm>
+          <a:off x="1084080" y="4923496"/>
+          <a:ext cx="7187281" cy="1097280"/>
+        </p:xfrm>
+        <a:graphic>
+          <a:graphicData uri="http://schemas.openxmlformats.org/drawingml/2006/table">
+            <a:tbl>
+              <a:tblPr firstRow="1" bandRow="1">
+                <a:tableStyleId>{B301B821-A1FF-4177-AEE7-76D212191A09}</a:tableStyleId>
+              </a:tblPr>
+              <a:tblGrid>
+                <a:gridCol w="807785"/>
+                <a:gridCol w="1237463"/>
+                <a:gridCol w="1263243"/>
+                <a:gridCol w="584357"/>
+                <a:gridCol w="1039812"/>
+                <a:gridCol w="885130"/>
+                <a:gridCol w="773414"/>
+                <a:gridCol w="596077"/>
+              </a:tblGrid>
+              <a:tr h="265756">
+                <a:tc>
+                  <a:txBody>
+                    <a:bodyPr/>
+                    <a:lstStyle/>
+                    <a:p>
+                      <a:r>
+                        <a:rPr lang="en-US" sz="1200" dirty="0" err="1" smtClean="0"/>
+                        <a:t>work_ID</a:t>
+                      </a:r>
+                      <a:endParaRPr lang="en-US" sz="1200" dirty="0"/>
+                    </a:p>
+                  </a:txBody>
+                  <a:tcPr/>
+                </a:tc>
+                <a:tc>
+                  <a:txBody>
+                    <a:bodyPr/>
+                    <a:lstStyle/>
+                    <a:p>
+                      <a:r>
+                        <a:rPr lang="en-US" sz="1200" dirty="0" smtClean="0"/>
+                        <a:t>title</a:t>
+                      </a:r>
+                      <a:endParaRPr lang="en-US" sz="1200" dirty="0"/>
+                    </a:p>
+                  </a:txBody>
+                  <a:tcPr/>
+                </a:tc>
+                <a:tc>
+                  <a:txBody>
+                    <a:bodyPr/>
+                    <a:lstStyle/>
+                    <a:p>
+                      <a:r>
+                        <a:rPr lang="en-US" sz="1200" dirty="0" smtClean="0"/>
+                        <a:t>ISBN</a:t>
+                      </a:r>
+                      <a:endParaRPr lang="en-US" sz="1200" dirty="0"/>
+                    </a:p>
+                  </a:txBody>
+                  <a:tcPr/>
+                </a:tc>
+                <a:tc>
+                  <a:txBody>
+                    <a:bodyPr/>
+                    <a:lstStyle/>
+                    <a:p>
+                      <a:r>
+                        <a:rPr lang="en-US" sz="1200" dirty="0" smtClean="0"/>
+                        <a:t>date</a:t>
+                      </a:r>
+                      <a:endParaRPr lang="en-US" sz="1200" dirty="0"/>
+                    </a:p>
+                  </a:txBody>
+                  <a:tcPr/>
+                </a:tc>
+                <a:tc>
+                  <a:txBody>
+                    <a:bodyPr/>
+                    <a:lstStyle/>
+                    <a:p>
+                      <a:r>
+                        <a:rPr lang="en-US" sz="1200" dirty="0" smtClean="0"/>
+                        <a:t>place</a:t>
+                      </a:r>
+                      <a:endParaRPr lang="en-US" sz="1200" dirty="0"/>
+                    </a:p>
+                  </a:txBody>
+                  <a:tcPr/>
+                </a:tc>
+                <a:tc>
+                  <a:txBody>
+                    <a:bodyPr/>
+                    <a:lstStyle/>
+                    <a:p>
+                      <a:r>
+                        <a:rPr lang="en-US" sz="1200" dirty="0" smtClean="0"/>
+                        <a:t>publisher</a:t>
+                      </a:r>
+                      <a:endParaRPr lang="en-US" sz="1200" dirty="0"/>
+                    </a:p>
+                  </a:txBody>
+                  <a:tcPr/>
+                </a:tc>
+                <a:tc>
+                  <a:txBody>
+                    <a:bodyPr/>
+                    <a:lstStyle/>
+                    <a:p>
+                      <a:r>
+                        <a:rPr lang="en-US" sz="1200" dirty="0" smtClean="0"/>
+                        <a:t>edition</a:t>
+                      </a:r>
+                      <a:endParaRPr lang="en-US" sz="1200" dirty="0"/>
+                    </a:p>
+                  </a:txBody>
+                  <a:tcPr/>
+                </a:tc>
+                <a:tc>
+                  <a:txBody>
+                    <a:bodyPr/>
+                    <a:lstStyle/>
+                    <a:p>
+                      <a:r>
+                        <a:rPr lang="en-US" sz="1200" dirty="0" smtClean="0"/>
+                        <a:t>pages</a:t>
+                      </a:r>
+                      <a:endParaRPr lang="en-US" sz="1200" dirty="0"/>
+                    </a:p>
+                  </a:txBody>
+                  <a:tcPr/>
+                </a:tc>
+              </a:tr>
+              <a:tr h="265756">
+                <a:tc>
+                  <a:txBody>
+                    <a:bodyPr/>
+                    <a:lstStyle/>
+                    <a:p>
+                      <a:r>
+                        <a:rPr lang="en-US" sz="1200" dirty="0" smtClean="0"/>
+                        <a:t>1</a:t>
+                      </a:r>
+                      <a:endParaRPr lang="en-US" sz="1200" dirty="0"/>
+                    </a:p>
+                  </a:txBody>
+                  <a:tcPr/>
+                </a:tc>
+                <a:tc>
+                  <a:txBody>
+                    <a:bodyPr/>
+                    <a:lstStyle/>
+                    <a:p>
+                      <a:r>
+                        <a:rPr lang="en-US" sz="1200" dirty="0" smtClean="0"/>
+                        <a:t>SQL</a:t>
+                      </a:r>
+                      <a:r>
+                        <a:rPr lang="en-US" sz="1200" baseline="0" dirty="0" smtClean="0"/>
+                        <a:t> in a nutshell</a:t>
+                      </a:r>
+                      <a:endParaRPr lang="en-US" sz="1200" dirty="0"/>
+                    </a:p>
+                  </a:txBody>
+                  <a:tcPr/>
+                </a:tc>
+                <a:tc>
+                  <a:txBody>
+                    <a:bodyPr/>
+                    <a:lstStyle/>
+                    <a:p>
+                      <a:pPr marL="0" marR="0" indent="0" algn="l" defTabSz="457200" rtl="0" eaLnBrk="1" fontAlgn="auto" latinLnBrk="0" hangingPunct="1">
+                        <a:lnSpc>
+                          <a:spcPct val="100000"/>
+                        </a:lnSpc>
+                        <a:spcBef>
+                          <a:spcPts val="0"/>
+                        </a:spcBef>
+                        <a:spcAft>
+                          <a:spcPts val="0"/>
+                        </a:spcAft>
+                        <a:buClrTx/>
+                        <a:buSzTx/>
+                        <a:buFontTx/>
+                        <a:buNone/>
+                        <a:tabLst/>
+                        <a:defRPr/>
+                      </a:pPr>
+                      <a:r>
+                        <a:rPr lang="en-US" sz="1200" dirty="0" smtClean="0"/>
+                        <a:t>9780596518844</a:t>
+                      </a:r>
+                      <a:endParaRPr lang="en-US" sz="1200" dirty="0"/>
+                    </a:p>
+                  </a:txBody>
+                  <a:tcPr/>
+                </a:tc>
+                <a:tc>
+                  <a:txBody>
+                    <a:bodyPr/>
+                    <a:lstStyle/>
+                    <a:p>
+                      <a:r>
+                        <a:rPr lang="en-US" sz="1200" dirty="0" smtClean="0"/>
+                        <a:t>2009</a:t>
+                      </a:r>
+                      <a:endParaRPr lang="en-US" sz="1200" dirty="0"/>
+                    </a:p>
+                  </a:txBody>
+                  <a:tcPr/>
+                </a:tc>
+                <a:tc>
+                  <a:txBody>
+                    <a:bodyPr/>
+                    <a:lstStyle/>
+                    <a:p>
+                      <a:r>
+                        <a:rPr lang="en-US" sz="1200" dirty="0" smtClean="0"/>
+                        <a:t>Sebastopol</a:t>
+                      </a:r>
+                      <a:endParaRPr lang="en-US" sz="1200" dirty="0"/>
+                    </a:p>
+                  </a:txBody>
+                  <a:tcPr/>
+                </a:tc>
+                <a:tc>
+                  <a:txBody>
+                    <a:bodyPr/>
+                    <a:lstStyle/>
+                    <a:p>
+                      <a:r>
+                        <a:rPr lang="en-US" sz="1200" dirty="0" smtClean="0"/>
+                        <a:t>O’Reilly</a:t>
+                      </a:r>
+                      <a:endParaRPr lang="en-US" sz="1200" dirty="0"/>
+                    </a:p>
+                  </a:txBody>
+                  <a:tcPr/>
+                </a:tc>
+                <a:tc>
+                  <a:txBody>
+                    <a:bodyPr/>
+                    <a:lstStyle/>
+                    <a:p>
+                      <a:r>
+                        <a:rPr lang="en-US" sz="1200" dirty="0" smtClean="0"/>
+                        <a:t>3</a:t>
+                      </a:r>
+                      <a:r>
+                        <a:rPr lang="en-US" sz="1200" baseline="30000" dirty="0" smtClean="0"/>
+                        <a:t>rd</a:t>
+                      </a:r>
+                      <a:r>
+                        <a:rPr lang="en-US" sz="1200" dirty="0" smtClean="0"/>
+                        <a:t> ed.</a:t>
+                      </a:r>
+                      <a:endParaRPr lang="en-US" sz="1200" dirty="0"/>
+                    </a:p>
+                  </a:txBody>
+                  <a:tcPr/>
+                </a:tc>
+                <a:tc>
+                  <a:txBody>
+                    <a:bodyPr/>
+                    <a:lstStyle/>
+                    <a:p>
+                      <a:r>
+                        <a:rPr lang="en-US" sz="1200" dirty="0" smtClean="0"/>
+                        <a:t>578</a:t>
+                      </a:r>
+                      <a:endParaRPr lang="en-US" sz="1200" dirty="0"/>
+                    </a:p>
+                  </a:txBody>
+                  <a:tcPr/>
+                </a:tc>
+              </a:tr>
+              <a:tr h="265756">
+                <a:tc>
+                  <a:txBody>
+                    <a:bodyPr/>
+                    <a:lstStyle/>
+                    <a:p>
+                      <a:r>
+                        <a:rPr lang="en-US" sz="1200" dirty="0" smtClean="0"/>
+                        <a:t>2</a:t>
+                      </a:r>
+                      <a:endParaRPr lang="en-US" sz="1200" dirty="0"/>
+                    </a:p>
+                  </a:txBody>
+                  <a:tcPr/>
+                </a:tc>
+                <a:tc>
+                  <a:txBody>
+                    <a:bodyPr/>
+                    <a:lstStyle/>
+                    <a:p>
+                      <a:r>
+                        <a:rPr lang="en-US" sz="1200" dirty="0" smtClean="0"/>
+                        <a:t>SQL for dummies</a:t>
+                      </a:r>
+                      <a:endParaRPr lang="en-US" sz="1200" dirty="0"/>
+                    </a:p>
+                  </a:txBody>
+                  <a:tcPr/>
+                </a:tc>
+                <a:tc>
+                  <a:txBody>
+                    <a:bodyPr/>
+                    <a:lstStyle/>
+                    <a:p>
+                      <a:r>
+                        <a:rPr lang="en-US" sz="1200" dirty="0" smtClean="0"/>
+                        <a:t>9781118607961</a:t>
+                      </a:r>
+                      <a:endParaRPr lang="en-US" sz="1200" dirty="0"/>
+                    </a:p>
+                  </a:txBody>
+                  <a:tcPr/>
+                </a:tc>
+                <a:tc>
+                  <a:txBody>
+                    <a:bodyPr/>
+                    <a:lstStyle/>
+                    <a:p>
+                      <a:r>
+                        <a:rPr lang="en-US" sz="1200" dirty="0" smtClean="0"/>
+                        <a:t>2013</a:t>
+                      </a:r>
+                      <a:endParaRPr lang="en-US" sz="1200" dirty="0"/>
+                    </a:p>
+                  </a:txBody>
+                  <a:tcPr/>
+                </a:tc>
+                <a:tc>
+                  <a:txBody>
+                    <a:bodyPr/>
+                    <a:lstStyle/>
+                    <a:p>
+                      <a:r>
+                        <a:rPr lang="en-US" sz="1200" dirty="0" smtClean="0"/>
+                        <a:t>Hoboken</a:t>
+                      </a:r>
+                      <a:endParaRPr lang="en-US" sz="1200" dirty="0"/>
+                    </a:p>
+                  </a:txBody>
+                  <a:tcPr/>
+                </a:tc>
+                <a:tc>
+                  <a:txBody>
+                    <a:bodyPr/>
+                    <a:lstStyle/>
+                    <a:p>
+                      <a:r>
+                        <a:rPr lang="en-US" sz="1200" dirty="0" smtClean="0"/>
+                        <a:t>Wiley</a:t>
+                      </a:r>
+                      <a:endParaRPr lang="en-US" sz="1200" dirty="0"/>
+                    </a:p>
+                  </a:txBody>
+                  <a:tcPr/>
+                </a:tc>
+                <a:tc>
+                  <a:txBody>
+                    <a:bodyPr/>
+                    <a:lstStyle/>
+                    <a:p>
+                      <a:r>
+                        <a:rPr lang="en-US" sz="1200" dirty="0" smtClean="0"/>
+                        <a:t>8</a:t>
+                      </a:r>
+                      <a:r>
+                        <a:rPr lang="en-US" sz="1200" baseline="30000" dirty="0" smtClean="0"/>
+                        <a:t>th</a:t>
+                      </a:r>
+                      <a:r>
+                        <a:rPr lang="en-US" sz="1200" dirty="0" smtClean="0"/>
+                        <a:t> ed.</a:t>
+                      </a:r>
+                      <a:endParaRPr lang="en-US" sz="1200" dirty="0"/>
+                    </a:p>
+                  </a:txBody>
+                  <a:tcPr/>
+                </a:tc>
+                <a:tc>
+                  <a:txBody>
+                    <a:bodyPr/>
+                    <a:lstStyle/>
+                    <a:p>
+                      <a:endParaRPr lang="en-US" sz="1200" dirty="0"/>
+                    </a:p>
+                  </a:txBody>
+                  <a:tcPr/>
+                </a:tc>
+              </a:tr>
+              <a:tr h="265756">
+                <a:tc>
+                  <a:txBody>
+                    <a:bodyPr/>
+                    <a:lstStyle/>
+                    <a:p>
+                      <a:r>
+                        <a:rPr lang="en-US" sz="1200" dirty="0" smtClean="0"/>
+                        <a:t>3</a:t>
+                      </a:r>
+                      <a:endParaRPr lang="en-US" sz="1200" dirty="0"/>
+                    </a:p>
+                  </a:txBody>
+                  <a:tcPr/>
+                </a:tc>
+                <a:tc>
+                  <a:txBody>
+                    <a:bodyPr/>
+                    <a:lstStyle/>
+                    <a:p>
+                      <a:r>
+                        <a:rPr lang="en-US" sz="1200" dirty="0" smtClean="0"/>
+                        <a:t>PHP &amp; MySQL</a:t>
+                      </a:r>
+                      <a:endParaRPr lang="en-US" sz="1200" dirty="0"/>
+                    </a:p>
+                  </a:txBody>
+                  <a:tcPr/>
+                </a:tc>
+                <a:tc>
+                  <a:txBody>
+                    <a:bodyPr/>
+                    <a:lstStyle/>
+                    <a:p>
+                      <a:pPr marL="0" marR="0" indent="0" algn="l" defTabSz="457200" rtl="0" eaLnBrk="1" fontAlgn="auto" latinLnBrk="0" hangingPunct="1">
+                        <a:lnSpc>
+                          <a:spcPct val="100000"/>
+                        </a:lnSpc>
+                        <a:spcBef>
+                          <a:spcPts val="0"/>
+                        </a:spcBef>
+                        <a:spcAft>
+                          <a:spcPts val="0"/>
+                        </a:spcAft>
+                        <a:buClrTx/>
+                        <a:buSzTx/>
+                        <a:buFontTx/>
+                        <a:buNone/>
+                        <a:tabLst/>
+                        <a:defRPr/>
+                      </a:pPr>
+                      <a:r>
+                        <a:rPr lang="en-US" sz="1200" dirty="0" smtClean="0"/>
+                        <a:t>9781449325572</a:t>
+                      </a:r>
+                      <a:endParaRPr lang="en-US" sz="1200" dirty="0"/>
+                    </a:p>
+                  </a:txBody>
+                  <a:tcPr/>
+                </a:tc>
+                <a:tc>
+                  <a:txBody>
+                    <a:bodyPr/>
+                    <a:lstStyle/>
+                    <a:p>
+                      <a:r>
+                        <a:rPr lang="en-US" sz="1200" dirty="0" smtClean="0"/>
+                        <a:t>2013</a:t>
+                      </a:r>
+                      <a:endParaRPr lang="en-US" sz="1200" dirty="0"/>
+                    </a:p>
+                  </a:txBody>
+                  <a:tcPr/>
+                </a:tc>
+                <a:tc>
+                  <a:txBody>
+                    <a:bodyPr/>
+                    <a:lstStyle/>
+                    <a:p>
+                      <a:r>
+                        <a:rPr lang="en-US" sz="1200" dirty="0" smtClean="0"/>
+                        <a:t>Sebastopol</a:t>
+                      </a:r>
+                      <a:endParaRPr lang="en-US" sz="1200" dirty="0"/>
+                    </a:p>
+                  </a:txBody>
+                  <a:tcPr/>
+                </a:tc>
+                <a:tc>
+                  <a:txBody>
+                    <a:bodyPr/>
+                    <a:lstStyle/>
+                    <a:p>
+                      <a:r>
+                        <a:rPr lang="en-US" sz="1200" dirty="0" smtClean="0"/>
+                        <a:t>O’Reilly</a:t>
+                      </a:r>
+                      <a:endParaRPr lang="en-US" sz="1200" dirty="0"/>
+                    </a:p>
+                  </a:txBody>
+                  <a:tcPr/>
+                </a:tc>
+                <a:tc>
+                  <a:txBody>
+                    <a:bodyPr/>
+                    <a:lstStyle/>
+                    <a:p>
+                      <a:r>
+                        <a:rPr lang="en-US" sz="1200" dirty="0" smtClean="0"/>
+                        <a:t>2</a:t>
+                      </a:r>
+                      <a:r>
+                        <a:rPr lang="en-US" sz="1200" baseline="30000" dirty="0" smtClean="0"/>
+                        <a:t>nd</a:t>
+                      </a:r>
+                      <a:r>
+                        <a:rPr lang="en-US" sz="1200" dirty="0" smtClean="0"/>
+                        <a:t> ed.</a:t>
+                      </a:r>
+                      <a:endParaRPr lang="en-US" sz="1200" dirty="0"/>
+                    </a:p>
+                  </a:txBody>
+                  <a:tcPr/>
+                </a:tc>
+                <a:tc>
+                  <a:txBody>
+                    <a:bodyPr/>
+                    <a:lstStyle/>
+                    <a:p>
+                      <a:r>
+                        <a:rPr lang="en-US" sz="1200" dirty="0" smtClean="0"/>
+                        <a:t>532</a:t>
+                      </a:r>
+                      <a:endParaRPr lang="en-US" sz="1200" dirty="0"/>
+                    </a:p>
+                  </a:txBody>
+                  <a:tcPr/>
+                </a:tc>
+              </a:tr>
+            </a:tbl>
+          </a:graphicData>
+        </a:graphic>
+      </p:graphicFrame>
+      <p:sp>
+        <p:nvSpPr>
+          <p:cNvPr id="5" name="TextBox 4"/>
+          <p:cNvSpPr txBox="1"/>
+          <p:nvPr/>
+        </p:nvSpPr>
+        <p:spPr>
+          <a:xfrm>
+            <a:off x="988944" y="5978966"/>
+            <a:ext cx="787445" cy="369332"/>
+          </a:xfrm>
+          <a:prstGeom prst="rect">
+            <a:avLst/>
+          </a:prstGeom>
+          <a:noFill/>
+        </p:spPr>
+        <p:txBody>
+          <a:bodyPr wrap="none" rtlCol="0">
+            <a:spAutoFit/>
+          </a:bodyPr>
+          <a:lstStyle/>
+          <a:p>
+            <a:r>
+              <a:rPr lang="en-US" dirty="0" smtClean="0">
+                <a:solidFill>
+                  <a:schemeClr val="tx2"/>
+                </a:solidFill>
+              </a:rPr>
+              <a:t>Works</a:t>
+            </a:r>
+            <a:endParaRPr lang="en-US" dirty="0">
+              <a:solidFill>
+                <a:schemeClr val="tx2"/>
+              </a:solidFill>
+            </a:endParaRPr>
+          </a:p>
+        </p:txBody>
+      </p:sp>
+    </p:spTree>
+    <p:extLst>
+      <p:ext uri="{BB962C8B-B14F-4D97-AF65-F5344CB8AC3E}">
+        <p14:creationId xmlns:p14="http://schemas.microsoft.com/office/powerpoint/2010/main" val="2164134070"/>
+      </p:ext>
+    </p:extLst>
+  </p:cSld>
+  <p:clrMapOvr>
+    <a:masterClrMapping/>
+  </p:clrMapOvr>
+</p:sld>
+</file>
+
+<file path=ppt/slides/slide11.xml><?xml version="1.0" encoding="utf-8"?>
+<p:sld xmlns:a="http://schemas.openxmlformats.org/drawingml/2006/main" xmlns:r="http://schemas.openxmlformats.org/officeDocument/2006/relationships" xmlns:p="http://schemas.openxmlformats.org/presentationml/2006/main">
+  <p:cSld>
+    <p:spTree>
+      <p:nvGrpSpPr>
+        <p:cNvPr id="1" name=""/>
+        <p:cNvGrpSpPr/>
+        <p:nvPr/>
+      </p:nvGrpSpPr>
+      <p:grpSpPr>
+        <a:xfrm>
+          <a:off x="0" y="0"/>
+          <a:ext cx="0" cy="0"/>
+          <a:chOff x="0" y="0"/>
+          <a:chExt cx="0" cy="0"/>
+        </a:xfrm>
+      </p:grpSpPr>
+      <p:sp>
+        <p:nvSpPr>
+          <p:cNvPr id="2" name="Title 1"/>
+          <p:cNvSpPr>
+            <a:spLocks noGrp="1"/>
+          </p:cNvSpPr>
+          <p:nvPr>
+            <p:ph type="title"/>
+          </p:nvPr>
+        </p:nvSpPr>
+        <p:spPr/>
+        <p:txBody>
+          <a:bodyPr/>
+          <a:lstStyle/>
+          <a:p>
+            <a:r>
+              <a:rPr lang="en-US" dirty="0" smtClean="0"/>
+              <a:t>C</a:t>
+            </a:r>
+            <a:r>
+              <a:rPr lang="en-US" dirty="0" smtClean="0"/>
+              <a:t>hallenge</a:t>
+            </a:r>
+            <a:endParaRPr lang="en-US" dirty="0"/>
+          </a:p>
+        </p:txBody>
+      </p:sp>
+      <p:sp>
+        <p:nvSpPr>
+          <p:cNvPr id="3" name="Content Placeholder 2"/>
+          <p:cNvSpPr>
+            <a:spLocks noGrp="1"/>
+          </p:cNvSpPr>
+          <p:nvPr>
+            <p:ph idx="1"/>
+          </p:nvPr>
+        </p:nvSpPr>
+        <p:spPr/>
+        <p:txBody>
+          <a:bodyPr/>
+          <a:lstStyle/>
+          <a:p>
+            <a:r>
+              <a:rPr lang="en-US" dirty="0"/>
+              <a:t>The number of pages for 'SQL for dummies', 8th edition is 480. Update the </a:t>
+            </a:r>
+            <a:r>
+              <a:rPr lang="en-US" b="1" dirty="0"/>
+              <a:t>Works</a:t>
+            </a:r>
+            <a:r>
+              <a:rPr lang="en-US" dirty="0"/>
+              <a:t> table accordingly</a:t>
+            </a:r>
+            <a:r>
+              <a:rPr lang="en-US" dirty="0" smtClean="0"/>
+              <a:t>.</a:t>
+            </a:r>
+          </a:p>
+        </p:txBody>
+      </p:sp>
+      <p:graphicFrame>
+        <p:nvGraphicFramePr>
+          <p:cNvPr id="4" name="Table 3"/>
+          <p:cNvGraphicFramePr>
+            <a:graphicFrameLocks noGrp="1"/>
+          </p:cNvGraphicFramePr>
+          <p:nvPr>
+            <p:extLst>
+              <p:ext uri="{D42A27DB-BD31-4B8C-83A1-F6EECF244321}">
+                <p14:modId xmlns:p14="http://schemas.microsoft.com/office/powerpoint/2010/main" val="2731616951"/>
+              </p:ext>
+            </p:extLst>
+          </p:nvPr>
+        </p:nvGraphicFramePr>
+        <p:xfrm>
+          <a:off x="1084080" y="4923496"/>
+          <a:ext cx="7187281" cy="1097280"/>
+        </p:xfrm>
+        <a:graphic>
+          <a:graphicData uri="http://schemas.openxmlformats.org/drawingml/2006/table">
+            <a:tbl>
+              <a:tblPr firstRow="1" bandRow="1">
+                <a:tableStyleId>{B301B821-A1FF-4177-AEE7-76D212191A09}</a:tableStyleId>
+              </a:tblPr>
+              <a:tblGrid>
+                <a:gridCol w="807785"/>
+                <a:gridCol w="1237463"/>
+                <a:gridCol w="1263243"/>
+                <a:gridCol w="584357"/>
+                <a:gridCol w="1039812"/>
+                <a:gridCol w="885130"/>
+                <a:gridCol w="773414"/>
+                <a:gridCol w="596077"/>
+              </a:tblGrid>
+              <a:tr h="265756">
+                <a:tc>
+                  <a:txBody>
+                    <a:bodyPr/>
+                    <a:lstStyle/>
+                    <a:p>
+                      <a:r>
+                        <a:rPr lang="en-US" sz="1200" dirty="0" err="1" smtClean="0"/>
+                        <a:t>work_ID</a:t>
+                      </a:r>
+                      <a:endParaRPr lang="en-US" sz="1200" dirty="0"/>
+                    </a:p>
+                  </a:txBody>
+                  <a:tcPr/>
+                </a:tc>
+                <a:tc>
+                  <a:txBody>
+                    <a:bodyPr/>
+                    <a:lstStyle/>
+                    <a:p>
+                      <a:r>
+                        <a:rPr lang="en-US" sz="1200" dirty="0" smtClean="0"/>
+                        <a:t>title</a:t>
+                      </a:r>
+                      <a:endParaRPr lang="en-US" sz="1200" dirty="0"/>
+                    </a:p>
+                  </a:txBody>
+                  <a:tcPr/>
+                </a:tc>
+                <a:tc>
+                  <a:txBody>
+                    <a:bodyPr/>
+                    <a:lstStyle/>
+                    <a:p>
+                      <a:r>
+                        <a:rPr lang="en-US" sz="1200" dirty="0" smtClean="0"/>
+                        <a:t>ISBN</a:t>
+                      </a:r>
+                      <a:endParaRPr lang="en-US" sz="1200" dirty="0"/>
+                    </a:p>
+                  </a:txBody>
+                  <a:tcPr/>
+                </a:tc>
+                <a:tc>
+                  <a:txBody>
+                    <a:bodyPr/>
+                    <a:lstStyle/>
+                    <a:p>
+                      <a:r>
+                        <a:rPr lang="en-US" sz="1200" dirty="0" smtClean="0"/>
+                        <a:t>date</a:t>
+                      </a:r>
+                      <a:endParaRPr lang="en-US" sz="1200" dirty="0"/>
+                    </a:p>
+                  </a:txBody>
+                  <a:tcPr/>
+                </a:tc>
+                <a:tc>
+                  <a:txBody>
+                    <a:bodyPr/>
+                    <a:lstStyle/>
+                    <a:p>
+                      <a:r>
+                        <a:rPr lang="en-US" sz="1200" dirty="0" smtClean="0"/>
+                        <a:t>place</a:t>
+                      </a:r>
+                      <a:endParaRPr lang="en-US" sz="1200" dirty="0"/>
+                    </a:p>
+                  </a:txBody>
+                  <a:tcPr/>
+                </a:tc>
+                <a:tc>
+                  <a:txBody>
+                    <a:bodyPr/>
+                    <a:lstStyle/>
+                    <a:p>
+                      <a:r>
+                        <a:rPr lang="en-US" sz="1200" dirty="0" smtClean="0"/>
+                        <a:t>publisher</a:t>
+                      </a:r>
+                      <a:endParaRPr lang="en-US" sz="1200" dirty="0"/>
+                    </a:p>
+                  </a:txBody>
+                  <a:tcPr/>
+                </a:tc>
+                <a:tc>
+                  <a:txBody>
+                    <a:bodyPr/>
+                    <a:lstStyle/>
+                    <a:p>
+                      <a:r>
+                        <a:rPr lang="en-US" sz="1200" dirty="0" smtClean="0"/>
+                        <a:t>edition</a:t>
+                      </a:r>
+                      <a:endParaRPr lang="en-US" sz="1200" dirty="0"/>
+                    </a:p>
+                  </a:txBody>
+                  <a:tcPr/>
+                </a:tc>
+                <a:tc>
+                  <a:txBody>
+                    <a:bodyPr/>
+                    <a:lstStyle/>
+                    <a:p>
+                      <a:r>
+                        <a:rPr lang="en-US" sz="1200" dirty="0" smtClean="0"/>
+                        <a:t>pages</a:t>
+                      </a:r>
+                      <a:endParaRPr lang="en-US" sz="1200" dirty="0"/>
+                    </a:p>
+                  </a:txBody>
+                  <a:tcPr/>
+                </a:tc>
+              </a:tr>
+              <a:tr h="265756">
+                <a:tc>
+                  <a:txBody>
+                    <a:bodyPr/>
+                    <a:lstStyle/>
+                    <a:p>
+                      <a:r>
+                        <a:rPr lang="en-US" sz="1200" dirty="0" smtClean="0"/>
+                        <a:t>1</a:t>
+                      </a:r>
+                      <a:endParaRPr lang="en-US" sz="1200" dirty="0"/>
+                    </a:p>
+                  </a:txBody>
+                  <a:tcPr/>
+                </a:tc>
+                <a:tc>
+                  <a:txBody>
+                    <a:bodyPr/>
+                    <a:lstStyle/>
+                    <a:p>
+                      <a:r>
+                        <a:rPr lang="en-US" sz="1200" dirty="0" smtClean="0"/>
+                        <a:t>SQL</a:t>
+                      </a:r>
+                      <a:r>
+                        <a:rPr lang="en-US" sz="1200" baseline="0" dirty="0" smtClean="0"/>
+                        <a:t> in a nutshell</a:t>
+                      </a:r>
+                      <a:endParaRPr lang="en-US" sz="1200" dirty="0"/>
+                    </a:p>
+                  </a:txBody>
+                  <a:tcPr/>
+                </a:tc>
+                <a:tc>
+                  <a:txBody>
+                    <a:bodyPr/>
+                    <a:lstStyle/>
+                    <a:p>
+                      <a:pPr marL="0" marR="0" indent="0" algn="l" defTabSz="457200" rtl="0" eaLnBrk="1" fontAlgn="auto" latinLnBrk="0" hangingPunct="1">
+                        <a:lnSpc>
+                          <a:spcPct val="100000"/>
+                        </a:lnSpc>
+                        <a:spcBef>
+                          <a:spcPts val="0"/>
+                        </a:spcBef>
+                        <a:spcAft>
+                          <a:spcPts val="0"/>
+                        </a:spcAft>
+                        <a:buClrTx/>
+                        <a:buSzTx/>
+                        <a:buFontTx/>
+                        <a:buNone/>
+                        <a:tabLst/>
+                        <a:defRPr/>
+                      </a:pPr>
+                      <a:r>
+                        <a:rPr lang="en-US" sz="1200" dirty="0" smtClean="0"/>
+                        <a:t>9780596518844</a:t>
+                      </a:r>
+                      <a:endParaRPr lang="en-US" sz="1200" dirty="0"/>
+                    </a:p>
+                  </a:txBody>
+                  <a:tcPr/>
+                </a:tc>
+                <a:tc>
+                  <a:txBody>
+                    <a:bodyPr/>
+                    <a:lstStyle/>
+                    <a:p>
+                      <a:r>
+                        <a:rPr lang="en-US" sz="1200" dirty="0" smtClean="0"/>
+                        <a:t>2009</a:t>
+                      </a:r>
+                      <a:endParaRPr lang="en-US" sz="1200" dirty="0"/>
+                    </a:p>
+                  </a:txBody>
+                  <a:tcPr/>
+                </a:tc>
+                <a:tc>
+                  <a:txBody>
+                    <a:bodyPr/>
+                    <a:lstStyle/>
+                    <a:p>
+                      <a:r>
+                        <a:rPr lang="en-US" sz="1200" dirty="0" smtClean="0"/>
+                        <a:t>Sebastopol</a:t>
+                      </a:r>
+                      <a:endParaRPr lang="en-US" sz="1200" dirty="0"/>
+                    </a:p>
+                  </a:txBody>
+                  <a:tcPr/>
+                </a:tc>
+                <a:tc>
+                  <a:txBody>
+                    <a:bodyPr/>
+                    <a:lstStyle/>
+                    <a:p>
+                      <a:r>
+                        <a:rPr lang="en-US" sz="1200" dirty="0" smtClean="0"/>
+                        <a:t>O’Reilly</a:t>
+                      </a:r>
+                      <a:endParaRPr lang="en-US" sz="1200" dirty="0"/>
+                    </a:p>
+                  </a:txBody>
+                  <a:tcPr/>
+                </a:tc>
+                <a:tc>
+                  <a:txBody>
+                    <a:bodyPr/>
+                    <a:lstStyle/>
+                    <a:p>
+                      <a:r>
+                        <a:rPr lang="en-US" sz="1200" dirty="0" smtClean="0"/>
+                        <a:t>3</a:t>
+                      </a:r>
+                      <a:r>
+                        <a:rPr lang="en-US" sz="1200" baseline="30000" dirty="0" smtClean="0"/>
+                        <a:t>rd</a:t>
+                      </a:r>
+                      <a:r>
+                        <a:rPr lang="en-US" sz="1200" dirty="0" smtClean="0"/>
+                        <a:t> ed.</a:t>
+                      </a:r>
+                      <a:endParaRPr lang="en-US" sz="1200" dirty="0"/>
+                    </a:p>
+                  </a:txBody>
+                  <a:tcPr/>
+                </a:tc>
+                <a:tc>
+                  <a:txBody>
+                    <a:bodyPr/>
+                    <a:lstStyle/>
+                    <a:p>
+                      <a:r>
+                        <a:rPr lang="en-US" sz="1200" dirty="0" smtClean="0"/>
+                        <a:t>578</a:t>
+                      </a:r>
+                      <a:endParaRPr lang="en-US" sz="1200" dirty="0"/>
+                    </a:p>
+                  </a:txBody>
+                  <a:tcPr/>
+                </a:tc>
+              </a:tr>
+              <a:tr h="265756">
+                <a:tc>
+                  <a:txBody>
+                    <a:bodyPr/>
+                    <a:lstStyle/>
+                    <a:p>
+                      <a:r>
+                        <a:rPr lang="en-US" sz="1200" dirty="0" smtClean="0"/>
+                        <a:t>2</a:t>
+                      </a:r>
+                      <a:endParaRPr lang="en-US" sz="1200" dirty="0"/>
+                    </a:p>
+                  </a:txBody>
+                  <a:tcPr/>
+                </a:tc>
+                <a:tc>
+                  <a:txBody>
+                    <a:bodyPr/>
+                    <a:lstStyle/>
+                    <a:p>
+                      <a:r>
+                        <a:rPr lang="en-US" sz="1200" dirty="0" smtClean="0"/>
+                        <a:t>SQL for dummies</a:t>
+                      </a:r>
+                      <a:endParaRPr lang="en-US" sz="1200" dirty="0"/>
+                    </a:p>
+                  </a:txBody>
+                  <a:tcPr/>
+                </a:tc>
+                <a:tc>
+                  <a:txBody>
+                    <a:bodyPr/>
+                    <a:lstStyle/>
+                    <a:p>
+                      <a:r>
+                        <a:rPr lang="en-US" sz="1200" dirty="0" smtClean="0"/>
+                        <a:t>9781118607961</a:t>
+                      </a:r>
+                      <a:endParaRPr lang="en-US" sz="1200" dirty="0"/>
+                    </a:p>
+                  </a:txBody>
+                  <a:tcPr/>
+                </a:tc>
+                <a:tc>
+                  <a:txBody>
+                    <a:bodyPr/>
+                    <a:lstStyle/>
+                    <a:p>
+                      <a:r>
+                        <a:rPr lang="en-US" sz="1200" dirty="0" smtClean="0"/>
+                        <a:t>2013</a:t>
+                      </a:r>
+                      <a:endParaRPr lang="en-US" sz="1200" dirty="0"/>
+                    </a:p>
+                  </a:txBody>
+                  <a:tcPr/>
+                </a:tc>
+                <a:tc>
+                  <a:txBody>
+                    <a:bodyPr/>
+                    <a:lstStyle/>
+                    <a:p>
+                      <a:r>
+                        <a:rPr lang="en-US" sz="1200" dirty="0" smtClean="0"/>
+                        <a:t>Hoboken</a:t>
+                      </a:r>
+                      <a:endParaRPr lang="en-US" sz="1200" dirty="0"/>
+                    </a:p>
+                  </a:txBody>
+                  <a:tcPr/>
+                </a:tc>
+                <a:tc>
+                  <a:txBody>
+                    <a:bodyPr/>
+                    <a:lstStyle/>
+                    <a:p>
+                      <a:r>
+                        <a:rPr lang="en-US" sz="1200" dirty="0" smtClean="0"/>
+                        <a:t>Wiley</a:t>
+                      </a:r>
+                      <a:endParaRPr lang="en-US" sz="1200" dirty="0"/>
+                    </a:p>
+                  </a:txBody>
+                  <a:tcPr/>
+                </a:tc>
+                <a:tc>
+                  <a:txBody>
+                    <a:bodyPr/>
+                    <a:lstStyle/>
+                    <a:p>
+                      <a:r>
+                        <a:rPr lang="en-US" sz="1200" dirty="0" smtClean="0"/>
+                        <a:t>8</a:t>
+                      </a:r>
+                      <a:r>
+                        <a:rPr lang="en-US" sz="1200" baseline="30000" dirty="0" smtClean="0"/>
+                        <a:t>th</a:t>
+                      </a:r>
+                      <a:r>
+                        <a:rPr lang="en-US" sz="1200" dirty="0" smtClean="0"/>
+                        <a:t> ed.</a:t>
+                      </a:r>
+                      <a:endParaRPr lang="en-US" sz="1200" dirty="0"/>
+                    </a:p>
+                  </a:txBody>
+                  <a:tcPr/>
+                </a:tc>
+                <a:tc>
+                  <a:txBody>
+                    <a:bodyPr/>
+                    <a:lstStyle/>
+                    <a:p>
+                      <a:endParaRPr lang="en-US" sz="1200" dirty="0"/>
+                    </a:p>
+                  </a:txBody>
+                  <a:tcPr/>
+                </a:tc>
+              </a:tr>
+              <a:tr h="265756">
+                <a:tc>
+                  <a:txBody>
+                    <a:bodyPr/>
+                    <a:lstStyle/>
+                    <a:p>
+                      <a:r>
+                        <a:rPr lang="en-US" sz="1200" dirty="0" smtClean="0"/>
+                        <a:t>3</a:t>
+                      </a:r>
+                      <a:endParaRPr lang="en-US" sz="1200" dirty="0"/>
+                    </a:p>
+                  </a:txBody>
+                  <a:tcPr/>
+                </a:tc>
+                <a:tc>
+                  <a:txBody>
+                    <a:bodyPr/>
+                    <a:lstStyle/>
+                    <a:p>
+                      <a:r>
+                        <a:rPr lang="en-US" sz="1200" dirty="0" smtClean="0"/>
+                        <a:t>PHP &amp; MySQL</a:t>
+                      </a:r>
+                      <a:endParaRPr lang="en-US" sz="1200" dirty="0"/>
+                    </a:p>
+                  </a:txBody>
+                  <a:tcPr/>
+                </a:tc>
+                <a:tc>
+                  <a:txBody>
+                    <a:bodyPr/>
+                    <a:lstStyle/>
+                    <a:p>
+                      <a:pPr marL="0" marR="0" indent="0" algn="l" defTabSz="457200" rtl="0" eaLnBrk="1" fontAlgn="auto" latinLnBrk="0" hangingPunct="1">
+                        <a:lnSpc>
+                          <a:spcPct val="100000"/>
+                        </a:lnSpc>
+                        <a:spcBef>
+                          <a:spcPts val="0"/>
+                        </a:spcBef>
+                        <a:spcAft>
+                          <a:spcPts val="0"/>
+                        </a:spcAft>
+                        <a:buClrTx/>
+                        <a:buSzTx/>
+                        <a:buFontTx/>
+                        <a:buNone/>
+                        <a:tabLst/>
+                        <a:defRPr/>
+                      </a:pPr>
+                      <a:r>
+                        <a:rPr lang="en-US" sz="1200" dirty="0" smtClean="0"/>
+                        <a:t>9781449325572</a:t>
+                      </a:r>
+                      <a:endParaRPr lang="en-US" sz="1200" dirty="0"/>
+                    </a:p>
+                  </a:txBody>
+                  <a:tcPr/>
+                </a:tc>
+                <a:tc>
+                  <a:txBody>
+                    <a:bodyPr/>
+                    <a:lstStyle/>
+                    <a:p>
+                      <a:r>
+                        <a:rPr lang="en-US" sz="1200" dirty="0" smtClean="0"/>
+                        <a:t>2013</a:t>
+                      </a:r>
+                      <a:endParaRPr lang="en-US" sz="1200" dirty="0"/>
+                    </a:p>
+                  </a:txBody>
+                  <a:tcPr/>
+                </a:tc>
+                <a:tc>
+                  <a:txBody>
+                    <a:bodyPr/>
+                    <a:lstStyle/>
+                    <a:p>
+                      <a:r>
+                        <a:rPr lang="en-US" sz="1200" dirty="0" smtClean="0"/>
+                        <a:t>Sebastopol</a:t>
+                      </a:r>
+                      <a:endParaRPr lang="en-US" sz="1200" dirty="0"/>
+                    </a:p>
+                  </a:txBody>
+                  <a:tcPr/>
+                </a:tc>
+                <a:tc>
+                  <a:txBody>
+                    <a:bodyPr/>
+                    <a:lstStyle/>
+                    <a:p>
+                      <a:r>
+                        <a:rPr lang="en-US" sz="1200" dirty="0" smtClean="0"/>
+                        <a:t>O’Reilly</a:t>
+                      </a:r>
+                      <a:endParaRPr lang="en-US" sz="1200" dirty="0"/>
+                    </a:p>
+                  </a:txBody>
+                  <a:tcPr/>
+                </a:tc>
+                <a:tc>
+                  <a:txBody>
+                    <a:bodyPr/>
+                    <a:lstStyle/>
+                    <a:p>
+                      <a:r>
+                        <a:rPr lang="en-US" sz="1200" dirty="0" smtClean="0"/>
+                        <a:t>2</a:t>
+                      </a:r>
+                      <a:r>
+                        <a:rPr lang="en-US" sz="1200" baseline="30000" dirty="0" smtClean="0"/>
+                        <a:t>nd</a:t>
+                      </a:r>
+                      <a:r>
+                        <a:rPr lang="en-US" sz="1200" dirty="0" smtClean="0"/>
+                        <a:t> ed.</a:t>
+                      </a:r>
+                      <a:endParaRPr lang="en-US" sz="1200" dirty="0"/>
+                    </a:p>
+                  </a:txBody>
+                  <a:tcPr/>
+                </a:tc>
+                <a:tc>
+                  <a:txBody>
+                    <a:bodyPr/>
+                    <a:lstStyle/>
+                    <a:p>
+                      <a:r>
+                        <a:rPr lang="en-US" sz="1200" dirty="0" smtClean="0"/>
+                        <a:t>532</a:t>
+                      </a:r>
+                      <a:endParaRPr lang="en-US" sz="1200" dirty="0"/>
+                    </a:p>
+                  </a:txBody>
+                  <a:tcPr/>
+                </a:tc>
+              </a:tr>
+            </a:tbl>
+          </a:graphicData>
+        </a:graphic>
+      </p:graphicFrame>
+      <p:sp>
+        <p:nvSpPr>
+          <p:cNvPr id="5" name="TextBox 4"/>
+          <p:cNvSpPr txBox="1"/>
+          <p:nvPr/>
+        </p:nvSpPr>
+        <p:spPr>
+          <a:xfrm>
+            <a:off x="988944" y="5978966"/>
+            <a:ext cx="787445" cy="369332"/>
+          </a:xfrm>
+          <a:prstGeom prst="rect">
+            <a:avLst/>
+          </a:prstGeom>
+          <a:noFill/>
+        </p:spPr>
+        <p:txBody>
+          <a:bodyPr wrap="none" rtlCol="0">
+            <a:spAutoFit/>
+          </a:bodyPr>
+          <a:lstStyle/>
+          <a:p>
+            <a:r>
+              <a:rPr lang="en-US" dirty="0" smtClean="0">
+                <a:solidFill>
+                  <a:schemeClr val="tx2"/>
+                </a:solidFill>
+              </a:rPr>
+              <a:t>Works</a:t>
+            </a:r>
+            <a:endParaRPr lang="en-US" dirty="0">
+              <a:solidFill>
+                <a:schemeClr val="tx2"/>
+              </a:solidFill>
+            </a:endParaRPr>
+          </a:p>
+        </p:txBody>
+      </p:sp>
+    </p:spTree>
+    <p:extLst>
+      <p:ext uri="{BB962C8B-B14F-4D97-AF65-F5344CB8AC3E}">
+        <p14:creationId xmlns:p14="http://schemas.microsoft.com/office/powerpoint/2010/main" val="644840848"/>
+      </p:ext>
+    </p:extLst>
+  </p:cSld>
+  <p:clrMapOvr>
+    <a:masterClrMapping/>
+  </p:clrMapOvr>
+</p:sld>
+</file>
+
 <file path=ppt/slides/slide2.xml><?xml version="1.0" encoding="utf-8"?>
 <p:sld xmlns:a="http://schemas.openxmlformats.org/drawingml/2006/main" xmlns:r="http://schemas.openxmlformats.org/officeDocument/2006/relationships" xmlns:p="http://schemas.openxmlformats.org/presentationml/2006/main">
   <p:cSld>
@@ -5861,15 +6914,23 @@
           <a:p>
             <a:r>
               <a:rPr lang="en-US" dirty="0" smtClean="0"/>
-              <a:t>Write a query that selects only site names from the </a:t>
+              <a:t>Write a query that selects only </a:t>
+            </a:r>
+            <a:r>
+              <a:rPr lang="en-US" dirty="0" smtClean="0"/>
+              <a:t>titles from </a:t>
+            </a:r>
+            <a:r>
+              <a:rPr lang="en-US" dirty="0" smtClean="0"/>
+              <a:t>the </a:t>
             </a:r>
             <a:r>
               <a:rPr lang="en-US" b="1" dirty="0" smtClean="0"/>
-              <a:t>Site</a:t>
+              <a:t>Works </a:t>
             </a:r>
             <a:r>
               <a:rPr lang="en-US" dirty="0" smtClean="0"/>
-              <a:t> table</a:t>
+              <a:t>table</a:t>
             </a:r>
             <a:endParaRPr lang="en-US" dirty="0"/>
           </a:p>
@@ -5877,21 +6938,21 @@
       </p:sp>
       <p:graphicFrame>
         <p:nvGraphicFramePr>
-          <p:cNvPr id="4" name="Table 3"/>
+          <p:cNvPr id="6" name="Table 5"/>
           <p:cNvGraphicFramePr>
             <a:graphicFrameLocks noGrp="1"/>
           </p:cNvGraphicFramePr>
           <p:nvPr>
             <p:extLst>
               <p:ext uri="{D42A27DB-BD31-4B8C-83A1-F6EECF244321}">
-                <p14:modId xmlns:p14="http://schemas.microsoft.com/office/powerpoint/2010/main" val="1575379837"/>
+                <p14:modId xmlns:p14="http://schemas.microsoft.com/office/powerpoint/2010/main" val="4035239750"/>
               </p:ext>
             </p:extLst>
           </p:nvPr>
         </p:nvGraphicFramePr>
         <p:xfrm>
-          <a:off x="2754034" y="3866483"/>
-          <a:ext cx="3426135" cy="1341120"/>
+          <a:off x="1084080" y="4120100"/>
+          <a:ext cx="7187281" cy="1097280"/>
         </p:xfrm>
         <a:graphic>
           <a:graphicData uri="http://schemas.openxmlformats.org/drawingml/2006/table">
@@ -5900,181 +6961,524 @@
                 <a:tableStyleId>{B301B821-A1FF-4177-AEE7-76D212191A09}</a:tableStyleId>
               </a:tblPr>
               <a:tblGrid>
-                <a:gridCol w="1142045"/>
-                <a:gridCol w="1142045"/>
-                <a:gridCol w="1142045"/>
+                <a:gridCol w="807785"/>
+                <a:gridCol w="1237463"/>
+                <a:gridCol w="1263243"/>
+                <a:gridCol w="584357"/>
+                <a:gridCol w="1039812"/>
+                <a:gridCol w="885130"/>
+                <a:gridCol w="773414"/>
+                <a:gridCol w="596077"/>
               </a:tblGrid>
-              <a:tr h="183289">
-                <a:tc>
-                  <a:txBody>
-                    <a:bodyPr/>
-                    <a:lstStyle/>
-                    <a:p>
-                      <a:r>
-                        <a:rPr lang="en-US" sz="1600" dirty="0" smtClean="0"/>
-                        <a:t>name</a:t>
-                      </a:r>
-                      <a:endParaRPr lang="en-US" sz="1600" dirty="0"/>
-                    </a:p>
-                  </a:txBody>
-                  <a:tcPr/>
-                </a:tc>
-                <a:tc>
-                  <a:txBody>
-                    <a:bodyPr/>
-                    <a:lstStyle/>
-                    <a:p>
-                      <a:r>
-                        <a:rPr lang="en-US" sz="1600" dirty="0" err="1" smtClean="0"/>
-                        <a:t>lat</a:t>
-                      </a:r>
-                      <a:endParaRPr lang="en-US" sz="1600" dirty="0"/>
-                    </a:p>
-                  </a:txBody>
-                  <a:tcPr/>
-                </a:tc>
-                <a:tc>
-                  <a:txBody>
-                    <a:bodyPr/>
-                    <a:lstStyle/>
-                    <a:p>
-                      <a:r>
-                        <a:rPr lang="en-US" sz="1600" dirty="0" smtClean="0"/>
-                        <a:t>long</a:t>
-                      </a:r>
-                      <a:endParaRPr lang="en-US" sz="1600" dirty="0"/>
+              <a:tr h="265756">
+                <a:tc>
+                  <a:txBody>
+                    <a:bodyPr/>
+                    <a:lstStyle/>
+                    <a:p>
+                      <a:r>
+                        <a:rPr lang="en-US" sz="1200" dirty="0" err="1" smtClean="0"/>
+                        <a:t>work_ID</a:t>
+                      </a:r>
+                      <a:endParaRPr lang="en-US" sz="1200" dirty="0"/>
+                    </a:p>
+                  </a:txBody>
+                  <a:tcPr/>
+                </a:tc>
+                <a:tc>
+                  <a:txBody>
+                    <a:bodyPr/>
+                    <a:lstStyle/>
+                    <a:p>
+                      <a:r>
+                        <a:rPr lang="en-US" sz="1200" dirty="0" smtClean="0"/>
+                        <a:t>title</a:t>
+                      </a:r>
+                      <a:endParaRPr lang="en-US" sz="1200" dirty="0"/>
+                    </a:p>
+                  </a:txBody>
+                  <a:tcPr/>
+                </a:tc>
+                <a:tc>
+                  <a:txBody>
+                    <a:bodyPr/>
+                    <a:lstStyle/>
+                    <a:p>
+                      <a:r>
+                        <a:rPr lang="en-US" sz="1200" dirty="0" smtClean="0"/>
+                        <a:t>ISBN</a:t>
+                      </a:r>
+                      <a:endParaRPr lang="en-US" sz="1200" dirty="0"/>
+                    </a:p>
+                  </a:txBody>
+                  <a:tcPr/>
+                </a:tc>
+                <a:tc>
+                  <a:txBody>
+                    <a:bodyPr/>
+                    <a:lstStyle/>
+                    <a:p>
+                      <a:r>
+                        <a:rPr lang="en-US" sz="1200" dirty="0" smtClean="0"/>
+                        <a:t>date</a:t>
+                      </a:r>
+                      <a:endParaRPr lang="en-US" sz="1200" dirty="0"/>
+                    </a:p>
+                  </a:txBody>
+                  <a:tcPr/>
+                </a:tc>
+                <a:tc>
+                  <a:txBody>
+                    <a:bodyPr/>
+                    <a:lstStyle/>
+                    <a:p>
+                      <a:r>
+                        <a:rPr lang="en-US" sz="1200" dirty="0" smtClean="0"/>
+                        <a:t>place</a:t>
+                      </a:r>
+                      <a:endParaRPr lang="en-US" sz="1200" dirty="0"/>
+                    </a:p>
+                  </a:txBody>
+                  <a:tcPr/>
+                </a:tc>
+                <a:tc>
+                  <a:txBody>
+                    <a:bodyPr/>
+                    <a:lstStyle/>
+                    <a:p>
+                      <a:r>
+                        <a:rPr lang="en-US" sz="1200" dirty="0" smtClean="0"/>
+                        <a:t>publisher</a:t>
+                      </a:r>
+                      <a:endParaRPr lang="en-US" sz="1200" dirty="0"/>
+                    </a:p>
+                  </a:txBody>
+                  <a:tcPr/>
+                </a:tc>
+                <a:tc>
+                  <a:txBody>
+                    <a:bodyPr/>
+                    <a:lstStyle/>
+                    <a:p>
+                      <a:r>
+                        <a:rPr lang="en-US" sz="1200" dirty="0" smtClean="0"/>
+                        <a:t>edition</a:t>
+                      </a:r>
+                      <a:endParaRPr lang="en-US" sz="1200" dirty="0"/>
+                    </a:p>
+                  </a:txBody>
+                  <a:tcPr/>
+                </a:tc>
+                <a:tc>
+                  <a:txBody>
+                    <a:bodyPr/>
+                    <a:lstStyle/>
+                    <a:p>
+                      <a:r>
+                        <a:rPr lang="en-US" sz="1200" dirty="0" smtClean="0"/>
+                        <a:t>pages</a:t>
+                      </a:r>
+                      <a:endParaRPr lang="en-US" sz="1200" dirty="0"/>
                     </a:p>
                   </a:txBody>
                   <a:tcPr/>
                 </a:tc>
               </a:tr>
-              <a:tr h="183289">
-                <a:tc>
-                  <a:txBody>
-                    <a:bodyPr/>
-                    <a:lstStyle/>
-                    <a:p>
-                      <a:r>
-                        <a:rPr lang="en-US" sz="1600" dirty="0" smtClean="0"/>
-                        <a:t>DR-1</a:t>
-                      </a:r>
-                      <a:endParaRPr lang="en-US" sz="1600" dirty="0"/>
-                    </a:p>
-                  </a:txBody>
-                  <a:tcPr/>
-                </a:tc>
-                <a:tc>
-                  <a:txBody>
-                    <a:bodyPr/>
-                    <a:lstStyle/>
-                    <a:p>
-                      <a:r>
-                        <a:rPr lang="en-US" sz="1600" dirty="0" smtClean="0"/>
-                        <a:t>-49.85</a:t>
-                      </a:r>
-                      <a:endParaRPr lang="en-US" sz="1600" dirty="0"/>
-                    </a:p>
-                  </a:txBody>
-                  <a:tcPr/>
-                </a:tc>
-                <a:tc>
-                  <a:txBody>
-                    <a:bodyPr/>
-                    <a:lstStyle/>
-                    <a:p>
-                      <a:r>
-                        <a:rPr lang="en-US" sz="1600" dirty="0" smtClean="0"/>
-                        <a:t>-128.57</a:t>
-                      </a:r>
-                      <a:endParaRPr lang="en-US" sz="1600" dirty="0"/>
+              <a:tr h="265756">
+                <a:tc>
+                  <a:txBody>
+                    <a:bodyPr/>
+                    <a:lstStyle/>
+                    <a:p>
+                      <a:r>
+                        <a:rPr lang="en-US" sz="1200" dirty="0" smtClean="0"/>
+                        <a:t>1</a:t>
+                      </a:r>
+                      <a:endParaRPr lang="en-US" sz="1200" dirty="0"/>
+                    </a:p>
+                  </a:txBody>
+                  <a:tcPr/>
+                </a:tc>
+                <a:tc>
+                  <a:txBody>
+                    <a:bodyPr/>
+                    <a:lstStyle/>
+                    <a:p>
+                      <a:r>
+                        <a:rPr lang="en-US" sz="1200" dirty="0" smtClean="0"/>
+                        <a:t>SQL</a:t>
+                      </a:r>
+                      <a:r>
+                        <a:rPr lang="en-US" sz="1200" baseline="0" dirty="0" smtClean="0"/>
+                        <a:t> in a nutshell</a:t>
+                      </a:r>
+                      <a:endParaRPr lang="en-US" sz="1200" dirty="0"/>
+                    </a:p>
+                  </a:txBody>
+                  <a:tcPr/>
+                </a:tc>
+                <a:tc>
+                  <a:txBody>
+                    <a:bodyPr/>
+                    <a:lstStyle/>
+                    <a:p>
+                      <a:pPr marL="0" marR="0" indent="0" algn="l" defTabSz="457200" rtl="0" eaLnBrk="1" fontAlgn="auto" latinLnBrk="0" hangingPunct="1">
+                        <a:lnSpc>
+                          <a:spcPct val="100000"/>
+                        </a:lnSpc>
+                        <a:spcBef>
+                          <a:spcPts val="0"/>
+                        </a:spcBef>
+                        <a:spcAft>
+                          <a:spcPts val="0"/>
+                        </a:spcAft>
+                        <a:buClrTx/>
+                        <a:buSzTx/>
+                        <a:buFontTx/>
+                        <a:buNone/>
+                        <a:tabLst/>
+                        <a:defRPr/>
+                      </a:pPr>
+                      <a:r>
+                        <a:rPr lang="en-US" sz="1200" dirty="0" smtClean="0"/>
+                        <a:t>9780596518844</a:t>
+                      </a:r>
+                      <a:endParaRPr lang="en-US" sz="1200" dirty="0"/>
+                    </a:p>
+                  </a:txBody>
+                  <a:tcPr/>
+                </a:tc>
+                <a:tc>
+                  <a:txBody>
+                    <a:bodyPr/>
+                    <a:lstStyle/>
+                    <a:p>
+                      <a:r>
+                        <a:rPr lang="en-US" sz="1200" dirty="0" smtClean="0"/>
+                        <a:t>2009</a:t>
+                      </a:r>
+                      <a:endParaRPr lang="en-US" sz="1200" dirty="0"/>
+                    </a:p>
+                  </a:txBody>
+                  <a:tcPr/>
+                </a:tc>
+                <a:tc>
+                  <a:txBody>
+                    <a:bodyPr/>
+                    <a:lstStyle/>
+                    <a:p>
+                      <a:r>
+                        <a:rPr lang="en-US" sz="1200" dirty="0" smtClean="0"/>
+                        <a:t>Sebastopol</a:t>
+                      </a:r>
+                      <a:endParaRPr lang="en-US" sz="1200" dirty="0"/>
+                    </a:p>
+                  </a:txBody>
+                  <a:tcPr/>
+                </a:tc>
+                <a:tc>
+                  <a:txBody>
+                    <a:bodyPr/>
+                    <a:lstStyle/>
+                    <a:p>
+                      <a:r>
+                        <a:rPr lang="en-US" sz="1200" dirty="0" smtClean="0"/>
+                        <a:t>O’Reilly</a:t>
+                      </a:r>
+                      <a:endParaRPr lang="en-US" sz="1200" dirty="0"/>
+                    </a:p>
+                  </a:txBody>
+                  <a:tcPr/>
+                </a:tc>
+                <a:tc>
+                  <a:txBody>
+                    <a:bodyPr/>
+                    <a:lstStyle/>
+                    <a:p>
+                      <a:r>
+                        <a:rPr lang="en-US" sz="1200" dirty="0" smtClean="0"/>
+                        <a:t>3</a:t>
+                      </a:r>
+                      <a:r>
+                        <a:rPr lang="en-US" sz="1200" baseline="30000" dirty="0" smtClean="0"/>
+                        <a:t>rd</a:t>
+                      </a:r>
+                      <a:r>
+                        <a:rPr lang="en-US" sz="1200" dirty="0" smtClean="0"/>
+                        <a:t> ed.</a:t>
+                      </a:r>
+                      <a:endParaRPr lang="en-US" sz="1200" dirty="0"/>
+                    </a:p>
+                  </a:txBody>
+                  <a:tcPr/>
+                </a:tc>
+                <a:tc>
+                  <a:txBody>
+                    <a:bodyPr/>
+                    <a:lstStyle/>
+                    <a:p>
+                      <a:r>
+                        <a:rPr lang="en-US" sz="1200" dirty="0" smtClean="0"/>
+                        <a:t>578</a:t>
+                      </a:r>
+                      <a:endParaRPr lang="en-US" sz="1200" dirty="0"/>
                     </a:p>
                   </a:txBody>
                   <a:tcPr/>
                 </a:tc>
               </a:tr>
-              <a:tr h="183289">
-                <a:tc>
-                  <a:txBody>
-                    <a:bodyPr/>
-                    <a:lstStyle/>
-                    <a:p>
-                      <a:r>
-                        <a:rPr lang="en-US" sz="1600" dirty="0" smtClean="0"/>
-                        <a:t>DR-3</a:t>
-                      </a:r>
-                      <a:endParaRPr lang="en-US" sz="1600" dirty="0"/>
-                    </a:p>
-                  </a:txBody>
-                  <a:tcPr/>
-                </a:tc>
-                <a:tc>
-                  <a:txBody>
-                    <a:bodyPr/>
-                    <a:lstStyle/>
-                    <a:p>
-                      <a:r>
-                        <a:rPr lang="en-US" sz="1600" dirty="0" smtClean="0"/>
-                        <a:t>-47.15</a:t>
-                      </a:r>
-                      <a:endParaRPr lang="en-US" sz="1600" dirty="0"/>
-                    </a:p>
-                  </a:txBody>
-                  <a:tcPr/>
-                </a:tc>
-                <a:tc>
-                  <a:txBody>
-                    <a:bodyPr/>
-                    <a:lstStyle/>
-                    <a:p>
-                      <a:r>
-                        <a:rPr lang="en-US" sz="1600" dirty="0" smtClean="0"/>
-                        <a:t>-126.72</a:t>
-                      </a:r>
-                      <a:endParaRPr lang="en-US" sz="1600" dirty="0"/>
+              <a:tr h="265756">
+                <a:tc>
+                  <a:txBody>
+                    <a:bodyPr/>
+                    <a:lstStyle/>
+                    <a:p>
+                      <a:r>
+                        <a:rPr lang="en-US" sz="1200" dirty="0" smtClean="0"/>
+                        <a:t>2</a:t>
+                      </a:r>
+                      <a:endParaRPr lang="en-US" sz="1200" dirty="0"/>
+                    </a:p>
+                  </a:txBody>
+                  <a:tcPr/>
+                </a:tc>
+                <a:tc>
+                  <a:txBody>
+                    <a:bodyPr/>
+                    <a:lstStyle/>
+                    <a:p>
+                      <a:r>
+                        <a:rPr lang="en-US" sz="1200" dirty="0" smtClean="0"/>
+                        <a:t>SQL for dummies</a:t>
+                      </a:r>
+                      <a:endParaRPr lang="en-US" sz="1200" dirty="0"/>
+                    </a:p>
+                  </a:txBody>
+                  <a:tcPr/>
+                </a:tc>
+                <a:tc>
+                  <a:txBody>
+                    <a:bodyPr/>
+                    <a:lstStyle/>
+                    <a:p>
+                      <a:r>
+                        <a:rPr lang="en-US" sz="1200" dirty="0" smtClean="0"/>
+                        <a:t>9781118607961</a:t>
+                      </a:r>
+                      <a:endParaRPr lang="en-US" sz="1200" dirty="0"/>
+                    </a:p>
+                  </a:txBody>
+                  <a:tcPr/>
+                </a:tc>
+                <a:tc>
+                  <a:txBody>
+                    <a:bodyPr/>
+                    <a:lstStyle/>
+                    <a:p>
+                      <a:r>
+                        <a:rPr lang="en-US" sz="1200" dirty="0" smtClean="0"/>
+                        <a:t>2013</a:t>
+                      </a:r>
+                      <a:endParaRPr lang="en-US" sz="1200" dirty="0"/>
+                    </a:p>
+                  </a:txBody>
+                  <a:tcPr/>
+                </a:tc>
+                <a:tc>
+                  <a:txBody>
+                    <a:bodyPr/>
+                    <a:lstStyle/>
+                    <a:p>
+                      <a:r>
+                        <a:rPr lang="en-US" sz="1200" dirty="0" smtClean="0"/>
+                        <a:t>Hoboken</a:t>
+                      </a:r>
+                      <a:endParaRPr lang="en-US" sz="1200" dirty="0"/>
+                    </a:p>
+                  </a:txBody>
+                  <a:tcPr/>
+                </a:tc>
+                <a:tc>
+                  <a:txBody>
+                    <a:bodyPr/>
+                    <a:lstStyle/>
+                    <a:p>
+                      <a:r>
+                        <a:rPr lang="en-US" sz="1200" dirty="0" smtClean="0"/>
+                        <a:t>Wiley</a:t>
+                      </a:r>
+                      <a:endParaRPr lang="en-US" sz="1200" dirty="0"/>
+                    </a:p>
+                  </a:txBody>
+                  <a:tcPr/>
+                </a:tc>
+                <a:tc>
+                  <a:txBody>
+                    <a:bodyPr/>
+                    <a:lstStyle/>
+                    <a:p>
+                      <a:r>
+                        <a:rPr lang="en-US" sz="1200" dirty="0" smtClean="0"/>
+                        <a:t>8</a:t>
+                      </a:r>
+                      <a:r>
+                        <a:rPr lang="en-US" sz="1200" baseline="30000" dirty="0" smtClean="0"/>
+                        <a:t>th</a:t>
+                      </a:r>
+                      <a:r>
+                        <a:rPr lang="en-US" sz="1200" dirty="0" smtClean="0"/>
+                        <a:t> ed.</a:t>
+                      </a:r>
+                      <a:endParaRPr lang="en-US" sz="1200" dirty="0"/>
+                    </a:p>
+                  </a:txBody>
+                  <a:tcPr/>
+                </a:tc>
+                <a:tc>
+                  <a:txBody>
+                    <a:bodyPr/>
+                    <a:lstStyle/>
+                    <a:p>
+                      <a:endParaRPr lang="en-US" sz="1200" dirty="0"/>
                     </a:p>
                   </a:txBody>
                   <a:tcPr/>
                 </a:tc>
               </a:tr>
-              <a:tr h="183289">
-                <a:tc>
-                  <a:txBody>
-                    <a:bodyPr/>
-                    <a:lstStyle/>
-                    <a:p>
-                      <a:r>
-                        <a:rPr lang="en-US" sz="1600" dirty="0" smtClean="0"/>
-                        <a:t>MSK-4</a:t>
-                      </a:r>
-                      <a:endParaRPr lang="en-US" sz="1600" dirty="0"/>
-                    </a:p>
-                  </a:txBody>
-                  <a:tcPr/>
-                </a:tc>
-                <a:tc>
-                  <a:txBody>
-                    <a:bodyPr/>
-                    <a:lstStyle/>
-                    <a:p>
-                      <a:r>
-                        <a:rPr lang="en-US" sz="1600" dirty="0" smtClean="0"/>
-                        <a:t>-48.87</a:t>
-                      </a:r>
-                      <a:endParaRPr lang="en-US" sz="1600" dirty="0"/>
-                    </a:p>
-                  </a:txBody>
-                  <a:tcPr/>
-                </a:tc>
-                <a:tc>
-                  <a:txBody>
-                    <a:bodyPr/>
-                    <a:lstStyle/>
-                    <a:p>
-                      <a:r>
-                        <a:rPr lang="en-US" sz="1600" dirty="0" smtClean="0"/>
-                        <a:t>-123.4</a:t>
-                      </a:r>
-                      <a:endParaRPr lang="en-US" sz="1600" dirty="0"/>
+              <a:tr h="265756">
+                <a:tc>
+                  <a:txBody>
+                    <a:bodyPr/>
+                    <a:lstStyle/>
+                    <a:p>
+                      <a:r>
+                        <a:rPr lang="en-US" sz="1200" dirty="0" smtClean="0"/>
+                        <a:t>3</a:t>
+                      </a:r>
+                      <a:endParaRPr lang="en-US" sz="1200" dirty="0"/>
+                    </a:p>
+                  </a:txBody>
+                  <a:tcPr/>
+                </a:tc>
+                <a:tc>
+                  <a:txBody>
+                    <a:bodyPr/>
+                    <a:lstStyle/>
+                    <a:p>
+                      <a:r>
+                        <a:rPr lang="en-US" sz="1200" dirty="0" smtClean="0"/>
+                        <a:t>PHP &amp; MySQL</a:t>
+                      </a:r>
+                      <a:endParaRPr lang="en-US" sz="1200" dirty="0"/>
+                    </a:p>
+                  </a:txBody>
+                  <a:tcPr/>
+                </a:tc>
+                <a:tc>
+                  <a:txBody>
+                    <a:bodyPr/>
+                    <a:lstStyle/>
+                    <a:p>
+                      <a:pPr marL="0" marR="0" indent="0" algn="l" defTabSz="457200" rtl="0" eaLnBrk="1" fontAlgn="auto" latinLnBrk="0" hangingPunct="1">
+                        <a:lnSpc>
+                          <a:spcPct val="100000"/>
+                        </a:lnSpc>
+                        <a:spcBef>
+                          <a:spcPts val="0"/>
+                        </a:spcBef>
+                        <a:spcAft>
+                          <a:spcPts val="0"/>
+                        </a:spcAft>
+                        <a:buClrTx/>
+                        <a:buSzTx/>
+                        <a:buFontTx/>
+                        <a:buNone/>
+                        <a:tabLst/>
+                        <a:defRPr/>
+                      </a:pPr>
+                      <a:r>
+                        <a:rPr lang="en-US" sz="1200" dirty="0" smtClean="0"/>
+                        <a:t>9781449325572</a:t>
+                      </a:r>
+                      <a:endParaRPr lang="en-US" sz="1200" dirty="0"/>
+                    </a:p>
+                  </a:txBody>
+                  <a:tcPr/>
+                </a:tc>
+                <a:tc>
+                  <a:txBody>
+                    <a:bodyPr/>
+                    <a:lstStyle/>
+                    <a:p>
+                      <a:r>
+                        <a:rPr lang="en-US" sz="1200" dirty="0" smtClean="0"/>
+                        <a:t>2013</a:t>
+                      </a:r>
+                      <a:endParaRPr lang="en-US" sz="1200" dirty="0"/>
+                    </a:p>
+                  </a:txBody>
+                  <a:tcPr/>
+                </a:tc>
+                <a:tc>
+                  <a:txBody>
+                    <a:bodyPr/>
+                    <a:lstStyle/>
+                    <a:p>
+                      <a:r>
+                        <a:rPr lang="en-US" sz="1200" dirty="0" smtClean="0"/>
+                        <a:t>Sebastopol</a:t>
+                      </a:r>
+                      <a:endParaRPr lang="en-US" sz="1200" dirty="0"/>
+                    </a:p>
+                  </a:txBody>
+                  <a:tcPr/>
+                </a:tc>
+                <a:tc>
+                  <a:txBody>
+                    <a:bodyPr/>
+                    <a:lstStyle/>
+                    <a:p>
+                      <a:r>
+                        <a:rPr lang="en-US" sz="1200" dirty="0" smtClean="0"/>
+                        <a:t>O’Reilly</a:t>
+                      </a:r>
+                      <a:endParaRPr lang="en-US" sz="1200" dirty="0"/>
+                    </a:p>
+                  </a:txBody>
+                  <a:tcPr/>
+                </a:tc>
+                <a:tc>
+                  <a:txBody>
+                    <a:bodyPr/>
+                    <a:lstStyle/>
+                    <a:p>
+                      <a:r>
+                        <a:rPr lang="en-US" sz="1200" dirty="0" smtClean="0"/>
+                        <a:t>2</a:t>
+                      </a:r>
+                      <a:r>
+                        <a:rPr lang="en-US" sz="1200" baseline="30000" dirty="0" smtClean="0"/>
+                        <a:t>nd</a:t>
+                      </a:r>
+                      <a:r>
+                        <a:rPr lang="en-US" sz="1200" dirty="0" smtClean="0"/>
+                        <a:t> ed.</a:t>
+                      </a:r>
+                      <a:endParaRPr lang="en-US" sz="1200" dirty="0"/>
+                    </a:p>
+                  </a:txBody>
+                  <a:tcPr/>
+                </a:tc>
+                <a:tc>
+                  <a:txBody>
+                    <a:bodyPr/>
+                    <a:lstStyle/>
+                    <a:p>
+                      <a:r>
+                        <a:rPr lang="en-US" sz="1200" dirty="0" smtClean="0"/>
+                        <a:t>532</a:t>
+                      </a:r>
+                      <a:endParaRPr lang="en-US" sz="1200" dirty="0"/>
                     </a:p>
                   </a:txBody>
                   <a:tcPr/>
@@ -6086,14 +7490,14 @@
       </p:graphicFrame>
       <p:sp>
         <p:nvSpPr>
-          <p:cNvPr id="5" name="TextBox 4"/>
+          <p:cNvPr id="7" name="TextBox 6"/>
           <p:cNvSpPr txBox="1"/>
           <p:nvPr/>
         </p:nvSpPr>
         <p:spPr>
           <a:xfrm>
-            <a:off x="2754034" y="5207603"/>
-            <a:ext cx="535874" cy="369332"/>
+            <a:off x="988944" y="5175570"/>
+            <a:ext cx="787445" cy="369332"/>
           </a:xfrm>
           <a:prstGeom prst="rect">
             <a:avLst/>
@@ -6112,7 +7516,7 @@
                   <a:schemeClr val="tx2"/>
                 </a:solidFill>
               </a:rPr>
-              <a:t>Site</a:t>
+              <a:t>Works</a:t>
             </a:r>
             <a:endParaRPr lang="en-US" dirty="0">
               <a:solidFill>
@@ -6198,38 +7602,29 @@
           <a:lstStyle/>
           <a:p>
             <a:r>
-              <a:rPr lang="en-US" dirty="0" smtClean="0"/>
-              <a:t>Write a query that displays the full names of the scientists in the </a:t>
-            </a:r>
-            <a:r>
-              <a:rPr lang="en-US" b="1" dirty="0" smtClean="0"/>
-              <a:t>Person</a:t>
-            </a:r>
-            <a:r>
-              <a:rPr lang="en-US" dirty="0" smtClean="0"/>
-              <a:t> table, ordered by family name.</a:t>
-            </a:r>
-            <a:endParaRPr lang="en-US" dirty="0"/>
+              <a:rPr lang="en-US" dirty="0"/>
+              <a:t>Write a query that displays the full names of authors, ordered by family name.</a:t>
+            </a:r>
           </a:p>
         </p:txBody>
       </p:sp>
       <p:graphicFrame>
         <p:nvGraphicFramePr>
-          <p:cNvPr id="4" name="Table 3"/>
+          <p:cNvPr id="6" name="Table 5"/>
           <p:cNvGraphicFramePr>
             <a:graphicFrameLocks noGrp="1"/>
           </p:cNvGraphicFramePr>
           <p:nvPr>
             <p:extLst>
               <p:ext uri="{D42A27DB-BD31-4B8C-83A1-F6EECF244321}">
-                <p14:modId xmlns:p14="http://schemas.microsoft.com/office/powerpoint/2010/main" val="1641805759"/>
+                <p14:modId xmlns:p14="http://schemas.microsoft.com/office/powerpoint/2010/main" val="4148230388"/>
               </p:ext>
             </p:extLst>
           </p:nvPr>
         </p:nvGraphicFramePr>
         <p:xfrm>
-          <a:off x="2447984" y="3641430"/>
-          <a:ext cx="3826146" cy="2011680"/>
+          <a:off x="2118057" y="3549716"/>
+          <a:ext cx="4736730" cy="1920240"/>
         </p:xfrm>
         <a:graphic>
           <a:graphicData uri="http://schemas.openxmlformats.org/drawingml/2006/table">
@@ -6238,9 +7633,12 @@
                 <a:tableStyleId>{B301B821-A1FF-4177-AEE7-76D212191A09}</a:tableStyleId>
               </a:tblPr>
               <a:tblGrid>
-                <a:gridCol w="1275382"/>
-                <a:gridCol w="1275382"/>
-                <a:gridCol w="1275382"/>
+                <a:gridCol w="837353"/>
+                <a:gridCol w="741557"/>
+                <a:gridCol w="789455"/>
+                <a:gridCol w="943749"/>
+                <a:gridCol w="635161"/>
+                <a:gridCol w="789455"/>
               </a:tblGrid>
               <a:tr h="237201">
                 <a:tc>
@@ -6249,38 +7647,80 @@
                     <a:lstStyle/>
                     <a:p>
                       <a:r>
-                        <a:rPr lang="en-US" sz="1600" dirty="0" err="1" smtClean="0"/>
-                        <a:t>ident</a:t>
-                      </a:r>
-                      <a:endParaRPr lang="en-US" sz="1600" dirty="0"/>
-                    </a:p>
-                  </a:txBody>
-                  <a:tcPr/>
-                </a:tc>
-                <a:tc>
-                  <a:txBody>
-                    <a:bodyPr/>
-                    <a:lstStyle/>
-                    <a:p>
-                      <a:r>
-                        <a:rPr lang="en-US" sz="1600" dirty="0" smtClean="0"/>
+                        <a:rPr lang="en-US" sz="1200" dirty="0" err="1" smtClean="0"/>
+                        <a:t>author_ID</a:t>
+                      </a:r>
+                      <a:endParaRPr lang="en-US" sz="1200" dirty="0"/>
+                    </a:p>
+                  </a:txBody>
+                  <a:tcPr/>
+                </a:tc>
+                <a:tc>
+                  <a:txBody>
+                    <a:bodyPr/>
+                    <a:lstStyle/>
+                    <a:p>
+                      <a:r>
+                        <a:rPr lang="en-US" sz="1200" dirty="0" smtClean="0"/>
+                        <a:t>family</a:t>
+                      </a:r>
+                      <a:endParaRPr lang="en-US" sz="1200" dirty="0"/>
+                    </a:p>
+                  </a:txBody>
+                  <a:tcPr/>
+                </a:tc>
+                <a:tc>
+                  <a:txBody>
+                    <a:bodyPr/>
+                    <a:lstStyle/>
+                    <a:p>
+                      <a:r>
+                        <a:rPr lang="en-US" sz="1200" dirty="0" smtClean="0"/>
                         <a:t>personal</a:t>
                       </a:r>
-                      <a:endParaRPr lang="en-US" sz="1600" dirty="0"/>
-                    </a:p>
-                  </a:txBody>
-                  <a:tcPr/>
-                </a:tc>
-                <a:tc>
-                  <a:txBody>
-                    <a:bodyPr/>
-                    <a:lstStyle/>
-                    <a:p>
-                      <a:r>
-                        <a:rPr lang="en-US" sz="1600" dirty="0" smtClean="0"/>
-                        <a:t>family</a:t>
-                      </a:r>
-                      <a:endParaRPr lang="en-US" sz="1600" dirty="0"/>
+                      <a:endParaRPr lang="en-US" sz="1200" dirty="0"/>
+                    </a:p>
+                  </a:txBody>
+                  <a:tcPr/>
+                </a:tc>
+                <a:tc>
+                  <a:txBody>
+                    <a:bodyPr/>
+                    <a:lstStyle/>
+                    <a:p>
+                      <a:r>
+                        <a:rPr lang="en-US" sz="1200" dirty="0" smtClean="0"/>
+                        <a:t>occupation</a:t>
+                      </a:r>
+                      <a:endParaRPr lang="en-US" sz="1200" dirty="0"/>
+                    </a:p>
+                  </a:txBody>
+                  <a:tcPr/>
+                </a:tc>
+                <a:tc>
+                  <a:txBody>
+                    <a:bodyPr/>
+                    <a:lstStyle/>
+                    <a:p>
+                      <a:r>
+                        <a:rPr lang="en-US" sz="1200" dirty="0" smtClean="0"/>
+                        <a:t>birth</a:t>
+                      </a:r>
+                      <a:endParaRPr lang="en-US" sz="1200" dirty="0"/>
+                    </a:p>
+                  </a:txBody>
+                  <a:tcPr/>
+                </a:tc>
+                <a:tc>
+                  <a:txBody>
+                    <a:bodyPr/>
+                    <a:lstStyle/>
+                    <a:p>
+                      <a:r>
+                        <a:rPr lang="en-US" sz="1200" dirty="0" smtClean="0"/>
+                        <a:t>death</a:t>
+                      </a:r>
+                      <a:endParaRPr lang="en-US" sz="1200" dirty="0"/>
                     </a:p>
                   </a:txBody>
                   <a:tcPr/>
@@ -6293,38 +7733,72 @@
                     <a:lstStyle/>
                     <a:p>
                       <a:r>
-                        <a:rPr lang="en-US" sz="1600" dirty="0" smtClean="0"/>
-                        <a:t>dyer</a:t>
-                      </a:r>
-                      <a:endParaRPr lang="en-US" sz="1600" dirty="0"/>
-                    </a:p>
-                  </a:txBody>
-                  <a:tcPr/>
-                </a:tc>
-                <a:tc>
-                  <a:txBody>
-                    <a:bodyPr/>
-                    <a:lstStyle/>
-                    <a:p>
-                      <a:r>
-                        <a:rPr lang="en-US" sz="1600" dirty="0" smtClean="0"/>
-                        <a:t>William</a:t>
-                      </a:r>
-                      <a:endParaRPr lang="en-US" sz="1600" dirty="0"/>
-                    </a:p>
-                  </a:txBody>
-                  <a:tcPr/>
-                </a:tc>
-                <a:tc>
-                  <a:txBody>
-                    <a:bodyPr/>
-                    <a:lstStyle/>
-                    <a:p>
-                      <a:r>
-                        <a:rPr lang="en-US" sz="1600" dirty="0" smtClean="0"/>
-                        <a:t>Dyer</a:t>
-                      </a:r>
-                      <a:endParaRPr lang="en-US" sz="1600" dirty="0"/>
+                        <a:rPr lang="en-US" sz="1200" dirty="0" smtClean="0"/>
+                        <a:t>1</a:t>
+                      </a:r>
+                      <a:endParaRPr lang="en-US" sz="1200" dirty="0"/>
+                    </a:p>
+                  </a:txBody>
+                  <a:tcPr/>
+                </a:tc>
+                <a:tc>
+                  <a:txBody>
+                    <a:bodyPr/>
+                    <a:lstStyle/>
+                    <a:p>
+                      <a:r>
+                        <a:rPr lang="en-US" sz="1200" smtClean="0"/>
+                        <a:t>Kline</a:t>
+                      </a:r>
+                      <a:endParaRPr lang="en-US" sz="1200" dirty="0"/>
+                    </a:p>
+                  </a:txBody>
+                  <a:tcPr/>
+                </a:tc>
+                <a:tc>
+                  <a:txBody>
+                    <a:bodyPr/>
+                    <a:lstStyle/>
+                    <a:p>
+                      <a:r>
+                        <a:rPr lang="en-US" sz="1200" dirty="0" smtClean="0"/>
+                        <a:t>Kevin E.</a:t>
+                      </a:r>
+                      <a:endParaRPr lang="en-US" sz="1200" dirty="0"/>
+                    </a:p>
+                  </a:txBody>
+                  <a:tcPr/>
+                </a:tc>
+                <a:tc>
+                  <a:txBody>
+                    <a:bodyPr/>
+                    <a:lstStyle/>
+                    <a:p>
+                      <a:endParaRPr lang="en-US" sz="1200" dirty="0"/>
+                    </a:p>
+                  </a:txBody>
+                  <a:tcPr/>
+                </a:tc>
+                <a:tc>
+                  <a:txBody>
+                    <a:bodyPr/>
+                    <a:lstStyle/>
+                    <a:p>
+                      <a:r>
+                        <a:rPr lang="en-US" sz="1200" dirty="0" smtClean="0"/>
+                        <a:t>1966</a:t>
+                      </a:r>
+                      <a:endParaRPr lang="en-US" sz="1200" dirty="0"/>
+                    </a:p>
+                  </a:txBody>
+                  <a:tcPr/>
+                </a:tc>
+                <a:tc>
+                  <a:txBody>
+                    <a:bodyPr/>
+                    <a:lstStyle/>
+                    <a:p>
+                      <a:endParaRPr lang="en-US" sz="1200" dirty="0"/>
                     </a:p>
                   </a:txBody>
                   <a:tcPr/>
@@ -6337,38 +7811,68 @@
                     <a:lstStyle/>
                     <a:p>
                       <a:r>
-                        <a:rPr lang="en-US" sz="1600" dirty="0" err="1" smtClean="0"/>
-                        <a:t>pb</a:t>
-                      </a:r>
-                      <a:endParaRPr lang="en-US" sz="1600" dirty="0"/>
-                    </a:p>
-                  </a:txBody>
-                  <a:tcPr/>
-                </a:tc>
-                <a:tc>
-                  <a:txBody>
-                    <a:bodyPr/>
-                    <a:lstStyle/>
-                    <a:p>
-                      <a:r>
-                        <a:rPr lang="en-US" sz="1600" dirty="0" smtClean="0"/>
-                        <a:t>Frank</a:t>
-                      </a:r>
-                      <a:endParaRPr lang="en-US" sz="1600" dirty="0"/>
-                    </a:p>
-                  </a:txBody>
-                  <a:tcPr/>
-                </a:tc>
-                <a:tc>
-                  <a:txBody>
-                    <a:bodyPr/>
-                    <a:lstStyle/>
-                    <a:p>
-                      <a:r>
-                        <a:rPr lang="en-US" sz="1600" dirty="0" err="1" smtClean="0"/>
-                        <a:t>Pabodie</a:t>
-                      </a:r>
-                      <a:endParaRPr lang="en-US" sz="1600" dirty="0"/>
+                        <a:rPr lang="en-US" sz="1200" dirty="0" smtClean="0"/>
+                        <a:t>2</a:t>
+                      </a:r>
+                      <a:endParaRPr lang="en-US" sz="1200" dirty="0"/>
+                    </a:p>
+                  </a:txBody>
+                  <a:tcPr/>
+                </a:tc>
+                <a:tc>
+                  <a:txBody>
+                    <a:bodyPr/>
+                    <a:lstStyle/>
+                    <a:p>
+                      <a:r>
+                        <a:rPr lang="en-US" sz="1200" dirty="0" smtClean="0"/>
+                        <a:t>Kline</a:t>
+                      </a:r>
+                      <a:endParaRPr lang="en-US" sz="1200" dirty="0"/>
+                    </a:p>
+                  </a:txBody>
+                  <a:tcPr/>
+                </a:tc>
+                <a:tc>
+                  <a:txBody>
+                    <a:bodyPr/>
+                    <a:lstStyle/>
+                    <a:p>
+                      <a:r>
+                        <a:rPr lang="en-US" sz="1200" dirty="0" smtClean="0"/>
+                        <a:t>Daniel</a:t>
+                      </a:r>
+                      <a:endParaRPr lang="en-US" sz="1200" dirty="0"/>
+                    </a:p>
+                  </a:txBody>
+                  <a:tcPr/>
+                </a:tc>
+                <a:tc>
+                  <a:txBody>
+                    <a:bodyPr/>
+                    <a:lstStyle/>
+                    <a:p>
+                      <a:endParaRPr lang="en-US" sz="1200" dirty="0"/>
+                    </a:p>
+                  </a:txBody>
+                  <a:tcPr/>
+                </a:tc>
+                <a:tc>
+                  <a:txBody>
+                    <a:bodyPr/>
+                    <a:lstStyle/>
+                    <a:p>
+                      <a:endParaRPr lang="en-US" sz="1200" dirty="0"/>
+                    </a:p>
+                  </a:txBody>
+                  <a:tcPr/>
+                </a:tc>
+                <a:tc>
+                  <a:txBody>
+                    <a:bodyPr/>
+                    <a:lstStyle/>
+                    <a:p>
+                      <a:endParaRPr lang="en-US" sz="1200" dirty="0"/>
                     </a:p>
                   </a:txBody>
                   <a:tcPr/>
@@ -6381,38 +7885,68 @@
                     <a:lstStyle/>
                     <a:p>
                       <a:r>
-                        <a:rPr lang="en-US" sz="1600" dirty="0" smtClean="0"/>
-                        <a:t>lake</a:t>
-                      </a:r>
-                      <a:endParaRPr lang="en-US" sz="1600" dirty="0"/>
-                    </a:p>
-                  </a:txBody>
-                  <a:tcPr/>
-                </a:tc>
-                <a:tc>
-                  <a:txBody>
-                    <a:bodyPr/>
-                    <a:lstStyle/>
-                    <a:p>
-                      <a:r>
-                        <a:rPr lang="en-US" sz="1600" dirty="0" smtClean="0"/>
-                        <a:t>Anderson</a:t>
-                      </a:r>
-                      <a:endParaRPr lang="en-US" sz="1600" dirty="0"/>
-                    </a:p>
-                  </a:txBody>
-                  <a:tcPr/>
-                </a:tc>
-                <a:tc>
-                  <a:txBody>
-                    <a:bodyPr/>
-                    <a:lstStyle/>
-                    <a:p>
-                      <a:r>
-                        <a:rPr lang="en-US" sz="1600" dirty="0" smtClean="0"/>
-                        <a:t>Lake</a:t>
-                      </a:r>
-                      <a:endParaRPr lang="en-US" sz="1600" dirty="0"/>
+                        <a:rPr lang="en-US" sz="1200" dirty="0" smtClean="0"/>
+                        <a:t>3</a:t>
+                      </a:r>
+                      <a:endParaRPr lang="en-US" sz="1200" dirty="0"/>
+                    </a:p>
+                  </a:txBody>
+                  <a:tcPr/>
+                </a:tc>
+                <a:tc>
+                  <a:txBody>
+                    <a:bodyPr/>
+                    <a:lstStyle/>
+                    <a:p>
+                      <a:r>
+                        <a:rPr lang="en-US" sz="1200" dirty="0" smtClean="0"/>
+                        <a:t>Hunt</a:t>
+                      </a:r>
+                      <a:endParaRPr lang="en-US" sz="1200" dirty="0"/>
+                    </a:p>
+                  </a:txBody>
+                  <a:tcPr/>
+                </a:tc>
+                <a:tc>
+                  <a:txBody>
+                    <a:bodyPr/>
+                    <a:lstStyle/>
+                    <a:p>
+                      <a:r>
+                        <a:rPr lang="en-US" sz="1200" dirty="0" smtClean="0"/>
+                        <a:t>Brand</a:t>
+                      </a:r>
+                      <a:endParaRPr lang="en-US" sz="1200" dirty="0"/>
+                    </a:p>
+                  </a:txBody>
+                  <a:tcPr/>
+                </a:tc>
+                <a:tc>
+                  <a:txBody>
+                    <a:bodyPr/>
+                    <a:lstStyle/>
+                    <a:p>
+                      <a:endParaRPr lang="en-US" sz="1200" dirty="0"/>
+                    </a:p>
+                  </a:txBody>
+                  <a:tcPr/>
+                </a:tc>
+                <a:tc>
+                  <a:txBody>
+                    <a:bodyPr/>
+                    <a:lstStyle/>
+                    <a:p>
+                      <a:endParaRPr lang="en-US" sz="1200" dirty="0"/>
+                    </a:p>
+                  </a:txBody>
+                  <a:tcPr/>
+                </a:tc>
+                <a:tc>
+                  <a:txBody>
+                    <a:bodyPr/>
+                    <a:lstStyle/>
+                    <a:p>
+                      <a:endParaRPr lang="en-US" sz="1200" dirty="0"/>
                     </a:p>
                   </a:txBody>
                   <a:tcPr/>
@@ -6425,38 +7959,72 @@
                     <a:lstStyle/>
                     <a:p>
                       <a:r>
-                        <a:rPr lang="en-US" sz="1600" dirty="0" smtClean="0"/>
-                        <a:t>roe</a:t>
-                      </a:r>
-                      <a:endParaRPr lang="en-US" sz="1600" dirty="0"/>
-                    </a:p>
-                  </a:txBody>
-                  <a:tcPr/>
-                </a:tc>
-                <a:tc>
-                  <a:txBody>
-                    <a:bodyPr/>
-                    <a:lstStyle/>
-                    <a:p>
-                      <a:r>
-                        <a:rPr lang="en-US" sz="1600" dirty="0" err="1" smtClean="0"/>
-                        <a:t>Valentina</a:t>
-                      </a:r>
-                      <a:endParaRPr lang="en-US" sz="1600" dirty="0"/>
-                    </a:p>
-                  </a:txBody>
-                  <a:tcPr/>
-                </a:tc>
-                <a:tc>
-                  <a:txBody>
-                    <a:bodyPr/>
-                    <a:lstStyle/>
-                    <a:p>
-                      <a:r>
-                        <a:rPr lang="en-US" sz="1600" dirty="0" smtClean="0"/>
-                        <a:t>Roerich</a:t>
-                      </a:r>
-                      <a:endParaRPr lang="en-US" sz="1600" dirty="0"/>
+                        <a:rPr lang="en-US" sz="1200" dirty="0" smtClean="0"/>
+                        <a:t>4</a:t>
+                      </a:r>
+                      <a:endParaRPr lang="en-US" sz="1200" dirty="0"/>
+                    </a:p>
+                  </a:txBody>
+                  <a:tcPr/>
+                </a:tc>
+                <a:tc>
+                  <a:txBody>
+                    <a:bodyPr/>
+                    <a:lstStyle/>
+                    <a:p>
+                      <a:r>
+                        <a:rPr lang="en-US" sz="1200" dirty="0" smtClean="0"/>
+                        <a:t>Taylor</a:t>
+                      </a:r>
+                      <a:endParaRPr lang="en-US" sz="1200" dirty="0"/>
+                    </a:p>
+                  </a:txBody>
+                  <a:tcPr/>
+                </a:tc>
+                <a:tc>
+                  <a:txBody>
+                    <a:bodyPr/>
+                    <a:lstStyle/>
+                    <a:p>
+                      <a:r>
+                        <a:rPr lang="en-US" sz="1200" dirty="0" smtClean="0"/>
+                        <a:t>Allen G.</a:t>
+                      </a:r>
+                      <a:endParaRPr lang="en-US" sz="1200" dirty="0"/>
+                    </a:p>
+                  </a:txBody>
+                  <a:tcPr/>
+                </a:tc>
+                <a:tc>
+                  <a:txBody>
+                    <a:bodyPr/>
+                    <a:lstStyle/>
+                    <a:p>
+                      <a:endParaRPr lang="en-US" sz="1200" dirty="0"/>
+                    </a:p>
+                  </a:txBody>
+                  <a:tcPr/>
+                </a:tc>
+                <a:tc>
+                  <a:txBody>
+                    <a:bodyPr/>
+                    <a:lstStyle/>
+                    <a:p>
+                      <a:r>
+                        <a:rPr lang="en-US" sz="1200" dirty="0" smtClean="0"/>
+                        <a:t>1945</a:t>
+                      </a:r>
+                      <a:endParaRPr lang="en-US" sz="1200" dirty="0"/>
+                    </a:p>
+                  </a:txBody>
+                  <a:tcPr/>
+                </a:tc>
+                <a:tc>
+                  <a:txBody>
+                    <a:bodyPr/>
+                    <a:lstStyle/>
+                    <a:p>
+                      <a:endParaRPr lang="en-US" sz="1200" dirty="0"/>
                     </a:p>
                   </a:txBody>
                   <a:tcPr/>
@@ -6469,38 +8037,158 @@
                     <a:lstStyle/>
                     <a:p>
                       <a:r>
-                        <a:rPr lang="en-US" sz="1600" dirty="0" err="1" smtClean="0"/>
-                        <a:t>danforth</a:t>
-                      </a:r>
-                      <a:endParaRPr lang="en-US" sz="1600" dirty="0"/>
-                    </a:p>
-                  </a:txBody>
-                  <a:tcPr/>
-                </a:tc>
-                <a:tc>
-                  <a:txBody>
-                    <a:bodyPr/>
-                    <a:lstStyle/>
-                    <a:p>
-                      <a:r>
-                        <a:rPr lang="en-US" sz="1600" dirty="0" smtClean="0"/>
-                        <a:t>Frank</a:t>
-                      </a:r>
-                      <a:endParaRPr lang="en-US" sz="1600" dirty="0"/>
-                    </a:p>
-                  </a:txBody>
-                  <a:tcPr/>
-                </a:tc>
-                <a:tc>
-                  <a:txBody>
-                    <a:bodyPr/>
-                    <a:lstStyle/>
-                    <a:p>
-                      <a:r>
-                        <a:rPr lang="en-US" sz="1600" dirty="0" smtClean="0"/>
-                        <a:t>Danforth</a:t>
-                      </a:r>
-                      <a:endParaRPr lang="en-US" sz="1600" dirty="0"/>
+                        <a:rPr lang="en-US" sz="1200" dirty="0" smtClean="0"/>
+                        <a:t>7</a:t>
+                      </a:r>
+                      <a:endParaRPr lang="en-US" sz="1200" dirty="0"/>
+                    </a:p>
+                  </a:txBody>
+                  <a:tcPr/>
+                </a:tc>
+                <a:tc>
+                  <a:txBody>
+                    <a:bodyPr/>
+                    <a:lstStyle/>
+                    <a:p>
+                      <a:r>
+                        <a:rPr lang="en-US" sz="1200" dirty="0" smtClean="0"/>
+                        <a:t>Chandra</a:t>
+                      </a:r>
+                      <a:endParaRPr lang="en-US" sz="1200" dirty="0"/>
+                    </a:p>
+                  </a:txBody>
+                  <a:tcPr/>
+                </a:tc>
+                <a:tc>
+                  <a:txBody>
+                    <a:bodyPr/>
+                    <a:lstStyle/>
+                    <a:p>
+                      <a:r>
+                        <a:rPr lang="en-US" sz="1200" dirty="0" err="1" smtClean="0"/>
+                        <a:t>Vikram</a:t>
+                      </a:r>
+                      <a:endParaRPr lang="en-US" sz="1200" dirty="0"/>
+                    </a:p>
+                  </a:txBody>
+                  <a:tcPr/>
+                </a:tc>
+                <a:tc>
+                  <a:txBody>
+                    <a:bodyPr/>
+                    <a:lstStyle/>
+                    <a:p>
+                      <a:r>
+                        <a:rPr lang="en-US" sz="1200" dirty="0" smtClean="0"/>
+                        <a:t>Writer</a:t>
+                      </a:r>
+                      <a:endParaRPr lang="en-US" sz="1200" dirty="0"/>
+                    </a:p>
+                  </a:txBody>
+                  <a:tcPr/>
+                </a:tc>
+                <a:tc>
+                  <a:txBody>
+                    <a:bodyPr/>
+                    <a:lstStyle/>
+                    <a:p>
+                      <a:r>
+                        <a:rPr lang="en-US" sz="1200" dirty="0" smtClean="0"/>
+                        <a:t>1961</a:t>
+                      </a:r>
+                      <a:endParaRPr lang="en-US" sz="1200" dirty="0"/>
+                    </a:p>
+                  </a:txBody>
+                  <a:tcPr/>
+                </a:tc>
+                <a:tc>
+                  <a:txBody>
+                    <a:bodyPr/>
+                    <a:lstStyle/>
+                    <a:p>
+                      <a:endParaRPr lang="en-US" sz="1200" dirty="0"/>
+                    </a:p>
+                  </a:txBody>
+                  <a:tcPr/>
+                </a:tc>
+              </a:tr>
+              <a:tr h="237201">
+                <a:tc>
+                  <a:txBody>
+                    <a:bodyPr/>
+                    <a:lstStyle/>
+                    <a:p>
+                      <a:r>
+                        <a:rPr lang="en-US" sz="1200" dirty="0" smtClean="0"/>
+                        <a:t>8</a:t>
+                      </a:r>
+                      <a:endParaRPr lang="en-US" sz="1200" dirty="0"/>
+                    </a:p>
+                  </a:txBody>
+                  <a:tcPr/>
+                </a:tc>
+                <a:tc>
+                  <a:txBody>
+                    <a:bodyPr/>
+                    <a:lstStyle/>
+                    <a:p>
+                      <a:r>
+                        <a:rPr lang="en-US" sz="1200" dirty="0" err="1" smtClean="0"/>
+                        <a:t>Piketty</a:t>
+                      </a:r>
+                      <a:endParaRPr lang="en-US" sz="1200" dirty="0"/>
+                    </a:p>
+                  </a:txBody>
+                  <a:tcPr/>
+                </a:tc>
+                <a:tc>
+                  <a:txBody>
+                    <a:bodyPr/>
+                    <a:lstStyle/>
+                    <a:p>
+                      <a:r>
+                        <a:rPr lang="en-US" sz="1200" dirty="0" smtClean="0"/>
+                        <a:t>Thomas</a:t>
+                      </a:r>
+                      <a:endParaRPr lang="en-US" sz="1200" dirty="0"/>
+                    </a:p>
+                  </a:txBody>
+                  <a:tcPr/>
+                </a:tc>
+                <a:tc>
+                  <a:txBody>
+                    <a:bodyPr/>
+                    <a:lstStyle/>
+                    <a:p>
+                      <a:r>
+                        <a:rPr lang="en-US" sz="1200" dirty="0" smtClean="0"/>
+                        <a:t>Economist</a:t>
+                      </a:r>
+                      <a:endParaRPr lang="en-US" sz="1200" dirty="0"/>
+                    </a:p>
+                  </a:txBody>
+                  <a:tcPr/>
+                </a:tc>
+                <a:tc>
+                  <a:txBody>
+                    <a:bodyPr/>
+                    <a:lstStyle/>
+                    <a:p>
+                      <a:r>
+                        <a:rPr lang="en-US" sz="1200" dirty="0" smtClean="0"/>
+                        <a:t>1971</a:t>
+                      </a:r>
+                      <a:endParaRPr lang="en-US" sz="1200" dirty="0"/>
+                    </a:p>
+                  </a:txBody>
+                  <a:tcPr/>
+                </a:tc>
+                <a:tc>
+                  <a:txBody>
+                    <a:bodyPr/>
+                    <a:lstStyle/>
+                    <a:p>
+                      <a:endParaRPr lang="en-US" sz="1200" dirty="0"/>
                     </a:p>
                   </a:txBody>
                   <a:tcPr/>
@@ -6512,14 +8200,14 @@
       </p:graphicFrame>
       <p:sp>
         <p:nvSpPr>
-          <p:cNvPr id="5" name="TextBox 4"/>
+          <p:cNvPr id="7" name="TextBox 6"/>
           <p:cNvSpPr txBox="1"/>
           <p:nvPr/>
         </p:nvSpPr>
         <p:spPr>
           <a:xfrm>
-            <a:off x="2451943" y="5653110"/>
-            <a:ext cx="832530" cy="369332"/>
+            <a:off x="2042642" y="5428245"/>
+            <a:ext cx="930588" cy="369332"/>
           </a:xfrm>
           <a:prstGeom prst="rect">
             <a:avLst/>
@@ -6538,7 +8226,7 @@
                   <a:schemeClr val="tx2"/>
                 </a:solidFill>
               </a:rPr>
-              <a:t>Person</a:t>
+              <a:t>Authors</a:t>
             </a:r>
             <a:endParaRPr lang="en-US" dirty="0">
               <a:solidFill>
@@ -6617,16 +8305,18 @@
           <a:lstStyle/>
           <a:p>
             <a:r>
+              <a:rPr lang="en-US" dirty="0"/>
+              <a:t>Write a query that lists all books in the database that have the word "SQL" in their title and that have been published after 2010</a:t>
+            </a:r>
+            <a:r>
               <a:rPr lang="en-US" dirty="0" smtClean="0"/>
-              <a:t>Write a query that selects all records from </a:t>
-            </a:r>
-            <a:r>
-              <a:rPr lang="en-US" b="1" dirty="0" smtClean="0"/>
-              <a:t>Survey</a:t>
-            </a:r>
+              <a:t>.</a:t>
+            </a:r>
+          </a:p>
+          <a:p>
             <a:r>
               <a:rPr lang="en-US" dirty="0" smtClean="0"/>
-              <a:t> with salinity values outside of the 0.0-1.0 range.</a:t>
+              <a:t>Now order that list by date, in descending order.</a:t>
             </a:r>
             <a:endParaRPr lang="en-US" dirty="0"/>
           </a:p>
@@ -6634,21 +8324,21 @@
       </p:sp>
       <p:graphicFrame>
         <p:nvGraphicFramePr>
-          <p:cNvPr id="4" name="Table 3"/>
+          <p:cNvPr id="6" name="Table 5"/>
           <p:cNvGraphicFramePr>
             <a:graphicFrameLocks noGrp="1"/>
           </p:cNvGraphicFramePr>
           <p:nvPr>
             <p:extLst>
               <p:ext uri="{D42A27DB-BD31-4B8C-83A1-F6EECF244321}">
-                <p14:modId xmlns:p14="http://schemas.microsoft.com/office/powerpoint/2010/main" val="1534232113"/>
+                <p14:modId xmlns:p14="http://schemas.microsoft.com/office/powerpoint/2010/main" val="1903537415"/>
               </p:ext>
             </p:extLst>
           </p:nvPr>
         </p:nvGraphicFramePr>
         <p:xfrm>
-          <a:off x="3326029" y="3674937"/>
-          <a:ext cx="3776144" cy="2346960"/>
+          <a:off x="1084080" y="4923496"/>
+          <a:ext cx="7187281" cy="1097280"/>
         </p:xfrm>
         <a:graphic>
           <a:graphicData uri="http://schemas.openxmlformats.org/drawingml/2006/table">
@@ -6657,10 +8347,14 @@
                 <a:tableStyleId>{B301B821-A1FF-4177-AEE7-76D212191A09}</a:tableStyleId>
               </a:tblPr>
               <a:tblGrid>
-                <a:gridCol w="944036"/>
-                <a:gridCol w="944036"/>
-                <a:gridCol w="944036"/>
-                <a:gridCol w="944036"/>
+                <a:gridCol w="807785"/>
+                <a:gridCol w="1237463"/>
+                <a:gridCol w="1263243"/>
+                <a:gridCol w="584357"/>
+                <a:gridCol w="1039812"/>
+                <a:gridCol w="885130"/>
+                <a:gridCol w="773414"/>
+                <a:gridCol w="596077"/>
               </a:tblGrid>
               <a:tr h="265756">
                 <a:tc>
@@ -6669,52 +8363,108 @@
                     <a:lstStyle/>
                     <a:p>
                       <a:r>
-                        <a:rPr lang="en-US" sz="1600" dirty="0" smtClean="0"/>
-                        <a:t>taken</a:t>
-                      </a:r>
-                      <a:endParaRPr lang="en-US" sz="1600" dirty="0"/>
-                    </a:p>
-                  </a:txBody>
-                  <a:tcPr/>
-                </a:tc>
-                <a:tc>
-                  <a:txBody>
-                    <a:bodyPr/>
-                    <a:lstStyle/>
-                    <a:p>
-                      <a:r>
-                        <a:rPr lang="en-US" sz="1600" dirty="0" smtClean="0"/>
-                        <a:t>person</a:t>
-                      </a:r>
-                      <a:endParaRPr lang="en-US" sz="1600" dirty="0"/>
-                    </a:p>
-                  </a:txBody>
-                  <a:tcPr/>
-                </a:tc>
-                <a:tc>
-                  <a:txBody>
-                    <a:bodyPr/>
-                    <a:lstStyle/>
-                    <a:p>
-                      <a:r>
-                        <a:rPr lang="en-US" sz="1600" dirty="0" smtClean="0"/>
-                        <a:t>quant</a:t>
-                      </a:r>
-                      <a:endParaRPr lang="en-US" sz="1600" dirty="0"/>
-                    </a:p>
-                  </a:txBody>
-                  <a:tcPr/>
-                </a:tc>
-                <a:tc>
-                  <a:txBody>
-                    <a:bodyPr/>
-                    <a:lstStyle/>
-                    <a:p>
-                      <a:r>
-                        <a:rPr lang="en-US" sz="1600" dirty="0" smtClean="0"/>
-                        <a:t>reading</a:t>
-                      </a:r>
-                      <a:endParaRPr lang="en-US" sz="1600" dirty="0"/>
+                        <a:rPr lang="en-US" sz="1200" dirty="0" err="1" smtClean="0"/>
+                        <a:t>work_ID</a:t>
+                      </a:r>
+                      <a:endParaRPr lang="en-US" sz="1200" dirty="0"/>
+                    </a:p>
+                  </a:txBody>
+                  <a:tcPr/>
+                </a:tc>
+                <a:tc>
+                  <a:txBody>
+                    <a:bodyPr/>
+                    <a:lstStyle/>
+                    <a:p>
+                      <a:r>
+                        <a:rPr lang="en-US" sz="1200" dirty="0" smtClean="0"/>
+                        <a:t>title</a:t>
+                      </a:r>
+                      <a:endParaRPr lang="en-US" sz="1200" dirty="0"/>
+                    </a:p>
+                  </a:txBody>
+                  <a:tcPr/>
+                </a:tc>
+                <a:tc>
+                  <a:txBody>
+                    <a:bodyPr/>
+                    <a:lstStyle/>
+                    <a:p>
+                      <a:r>
+                        <a:rPr lang="en-US" sz="1200" dirty="0" smtClean="0"/>
+                        <a:t>ISBN</a:t>
+                      </a:r>
+                      <a:endParaRPr lang="en-US" sz="1200" dirty="0"/>
+                    </a:p>
+                  </a:txBody>
+                  <a:tcPr/>
+                </a:tc>
+                <a:tc>
+                  <a:txBody>
+                    <a:bodyPr/>
+                    <a:lstStyle/>
+                    <a:p>
+                      <a:r>
+                        <a:rPr lang="en-US" sz="1200" dirty="0" smtClean="0"/>
+                        <a:t>date</a:t>
+                      </a:r>
+                      <a:endParaRPr lang="en-US" sz="1200" dirty="0"/>
+                    </a:p>
+                  </a:txBody>
+                  <a:tcPr/>
+                </a:tc>
+                <a:tc>
+                  <a:txBody>
+                    <a:bodyPr/>
+                    <a:lstStyle/>
+                    <a:p>
+                      <a:r>
+                        <a:rPr lang="en-US" sz="1200" dirty="0" smtClean="0"/>
+                        <a:t>place</a:t>
+                      </a:r>
+                      <a:endParaRPr lang="en-US" sz="1200" dirty="0"/>
+                    </a:p>
+                  </a:txBody>
+                  <a:tcPr/>
+                </a:tc>
+                <a:tc>
+                  <a:txBody>
+                    <a:bodyPr/>
+                    <a:lstStyle/>
+                    <a:p>
+                      <a:r>
+                        <a:rPr lang="en-US" sz="1200" dirty="0" smtClean="0"/>
+                        <a:t>publisher</a:t>
+                      </a:r>
+                      <a:endParaRPr lang="en-US" sz="1200" dirty="0"/>
+                    </a:p>
+                  </a:txBody>
+                  <a:tcPr/>
+                </a:tc>
+                <a:tc>
+                  <a:txBody>
+                    <a:bodyPr/>
+                    <a:lstStyle/>
+                    <a:p>
+                      <a:r>
+                        <a:rPr lang="en-US" sz="1200" dirty="0" smtClean="0"/>
+                        <a:t>edition</a:t>
+                      </a:r>
+                      <a:endParaRPr lang="en-US" sz="1200" dirty="0"/>
+                    </a:p>
+                  </a:txBody>
+                  <a:tcPr/>
+                </a:tc>
+                <a:tc>
+                  <a:txBody>
+                    <a:bodyPr/>
+                    <a:lstStyle/>
+                    <a:p>
+                      <a:r>
+                        <a:rPr lang="en-US" sz="1200" dirty="0" smtClean="0"/>
+                        <a:t>pages</a:t>
+                      </a:r>
+                      <a:endParaRPr lang="en-US" sz="1200" dirty="0"/>
                     </a:p>
                   </a:txBody>
                   <a:tcPr/>
@@ -6727,52 +8477,137 @@
                     <a:lstStyle/>
                     <a:p>
                       <a:r>
-                        <a:rPr lang="en-US" sz="1600" dirty="0" smtClean="0"/>
-                        <a:t>619</a:t>
-                      </a:r>
-                      <a:endParaRPr lang="en-US" sz="1600" dirty="0"/>
-                    </a:p>
-                  </a:txBody>
-                  <a:tcPr/>
-                </a:tc>
-                <a:tc>
-                  <a:txBody>
-                    <a:bodyPr/>
-                    <a:lstStyle/>
-                    <a:p>
-                      <a:r>
-                        <a:rPr lang="en-US" sz="1600" dirty="0" smtClean="0"/>
-                        <a:t>dyer</a:t>
-                      </a:r>
-                      <a:endParaRPr lang="en-US" sz="1600" dirty="0"/>
-                    </a:p>
-                  </a:txBody>
-                  <a:tcPr/>
-                </a:tc>
-                <a:tc>
-                  <a:txBody>
-                    <a:bodyPr/>
-                    <a:lstStyle/>
-                    <a:p>
-                      <a:r>
-                        <a:rPr lang="en-US" sz="1600" dirty="0" smtClean="0"/>
-                        <a:t>rad</a:t>
-                      </a:r>
-                      <a:endParaRPr lang="en-US" sz="1600" dirty="0"/>
-                    </a:p>
-                  </a:txBody>
-                  <a:tcPr/>
-                </a:tc>
-                <a:tc>
-                  <a:txBody>
-                    <a:bodyPr/>
-                    <a:lstStyle/>
-                    <a:p>
-                      <a:r>
-                        <a:rPr lang="en-US" sz="1600" dirty="0" smtClean="0"/>
-                        <a:t>9.82</a:t>
-                      </a:r>
-                      <a:endParaRPr lang="en-US" sz="1600" dirty="0"/>
+                        <a:rPr lang="en-US" sz="1200" dirty="0" smtClean="0"/>
+                        <a:t>1</a:t>
+                      </a:r>
+                      <a:endParaRPr lang="en-US" sz="1200" dirty="0"/>
+                    </a:p>
+                  </a:txBody>
+                  <a:tcPr/>
+                </a:tc>
+                <a:tc>
+                  <a:txBody>
+                    <a:bodyPr/>
+                    <a:lstStyle/>
+                    <a:p>
+                      <a:r>
+                        <a:rPr lang="en-US" sz="1200" dirty="0" smtClean="0"/>
+                        <a:t>SQL</a:t>
+                      </a:r>
+                      <a:r>
+                        <a:rPr lang="en-US" sz="1200" baseline="0" dirty="0" smtClean="0"/>
+                        <a:t> in a nutshell</a:t>
+                      </a:r>
+                      <a:endParaRPr lang="en-US" sz="1200" dirty="0"/>
+                    </a:p>
+                  </a:txBody>
+                  <a:tcPr/>
+                </a:tc>
+                <a:tc>
+                  <a:txBody>
+                    <a:bodyPr/>
+                    <a:lstStyle/>
+                    <a:p>
+                      <a:pPr marL="0" marR="0" indent="0" algn="l" defTabSz="457200" rtl="0" eaLnBrk="1" fontAlgn="auto" latinLnBrk="0" hangingPunct="1">
+                        <a:lnSpc>
+                          <a:spcPct val="100000"/>
+                        </a:lnSpc>
+                        <a:spcBef>
+                          <a:spcPts val="0"/>
+                        </a:spcBef>
+                        <a:spcAft>
+                          <a:spcPts val="0"/>
+                        </a:spcAft>
+                        <a:buClrTx/>
+                        <a:buSzTx/>
+                        <a:buFontTx/>
+                        <a:buNone/>
+                        <a:tabLst/>
+                        <a:defRPr/>
+                      </a:pPr>
+                      <a:r>
+                        <a:rPr lang="en-US" sz="1200" dirty="0" smtClean="0"/>
+                        <a:t>9780596518844</a:t>
+                      </a:r>
+                      <a:endParaRPr lang="en-US" sz="1200" dirty="0"/>
+                    </a:p>
+                  </a:txBody>
+                  <a:tcPr/>
+                </a:tc>
+                <a:tc>
+                  <a:txBody>
+                    <a:bodyPr/>
+                    <a:lstStyle/>
+                    <a:p>
+                      <a:r>
+                        <a:rPr lang="en-US" sz="1200" dirty="0" smtClean="0"/>
+                        <a:t>2009</a:t>
+                      </a:r>
+                      <a:endParaRPr lang="en-US" sz="1200" dirty="0"/>
+                    </a:p>
+                  </a:txBody>
+                  <a:tcPr/>
+                </a:tc>
+                <a:tc>
+                  <a:txBody>
+                    <a:bodyPr/>
+                    <a:lstStyle/>
+                    <a:p>
+                      <a:r>
+                        <a:rPr lang="en-US" sz="1200" dirty="0" smtClean="0"/>
+                        <a:t>Sebastopol</a:t>
+                      </a:r>
+                      <a:endParaRPr lang="en-US" sz="1200" dirty="0"/>
+                    </a:p>
+                  </a:txBody>
+                  <a:tcPr/>
+                </a:tc>
+                <a:tc>
+                  <a:txBody>
+                    <a:bodyPr/>
+                    <a:lstStyle/>
+                    <a:p>
+                      <a:r>
+                        <a:rPr lang="en-US" sz="1200" dirty="0" smtClean="0"/>
+                        <a:t>O’Reilly</a:t>
+                      </a:r>
+                      <a:endParaRPr lang="en-US" sz="1200" dirty="0"/>
+                    </a:p>
+                  </a:txBody>
+                  <a:tcPr/>
+                </a:tc>
+                <a:tc>
+                  <a:txBody>
+                    <a:bodyPr/>
+                    <a:lstStyle/>
+                    <a:p>
+                      <a:r>
+                        <a:rPr lang="en-US" sz="1200" dirty="0" smtClean="0"/>
+                        <a:t>3</a:t>
+                      </a:r>
+                      <a:r>
+                        <a:rPr lang="en-US" sz="1200" baseline="30000" dirty="0" smtClean="0"/>
+                        <a:t>rd</a:t>
+                      </a:r>
+                      <a:r>
+                        <a:rPr lang="en-US" sz="1200" dirty="0" smtClean="0"/>
+                        <a:t> ed.</a:t>
+                      </a:r>
+                      <a:endParaRPr lang="en-US" sz="1200" dirty="0"/>
+                    </a:p>
+                  </a:txBody>
+                  <a:tcPr/>
+                </a:tc>
+                <a:tc>
+                  <a:txBody>
+                    <a:bodyPr/>
+                    <a:lstStyle/>
+                    <a:p>
+                      <a:r>
+                        <a:rPr lang="en-US" sz="1200" dirty="0" smtClean="0"/>
+                        <a:t>578</a:t>
+                      </a:r>
+                      <a:endParaRPr lang="en-US" sz="1200" dirty="0"/>
                     </a:p>
                   </a:txBody>
                   <a:tcPr/>
@@ -6785,52 +8620,112 @@
                     <a:lstStyle/>
                     <a:p>
                       <a:r>
-                        <a:rPr lang="en-US" sz="1600" dirty="0" smtClean="0"/>
-                        <a:t>619</a:t>
-                      </a:r>
-                      <a:endParaRPr lang="en-US" sz="1600" dirty="0"/>
-                    </a:p>
-                  </a:txBody>
-                  <a:tcPr/>
-                </a:tc>
-                <a:tc>
-                  <a:txBody>
-                    <a:bodyPr/>
-                    <a:lstStyle/>
-                    <a:p>
-                      <a:r>
-                        <a:rPr lang="en-US" sz="1600" dirty="0" smtClean="0"/>
-                        <a:t>dyer</a:t>
-                      </a:r>
-                      <a:endParaRPr lang="en-US" sz="1600" dirty="0"/>
-                    </a:p>
-                  </a:txBody>
-                  <a:tcPr/>
-                </a:tc>
-                <a:tc>
-                  <a:txBody>
-                    <a:bodyPr/>
-                    <a:lstStyle/>
-                    <a:p>
-                      <a:r>
-                        <a:rPr lang="en-US" sz="1600" dirty="0" err="1" smtClean="0"/>
-                        <a:t>sal</a:t>
-                      </a:r>
-                      <a:endParaRPr lang="en-US" sz="1600" dirty="0"/>
-                    </a:p>
-                  </a:txBody>
-                  <a:tcPr/>
-                </a:tc>
-                <a:tc>
-                  <a:txBody>
-                    <a:bodyPr/>
-                    <a:lstStyle/>
-                    <a:p>
-                      <a:r>
-                        <a:rPr lang="en-US" sz="1600" dirty="0" smtClean="0"/>
-                        <a:t>0.13</a:t>
-                      </a:r>
-                      <a:endParaRPr lang="en-US" sz="1600" dirty="0"/>
+                        <a:rPr lang="en-US" sz="1200" dirty="0" smtClean="0"/>
+                        <a:t>2</a:t>
+                      </a:r>
+                      <a:endParaRPr lang="en-US" sz="1200" dirty="0"/>
+                    </a:p>
+                  </a:txBody>
+                  <a:tcPr/>
+                </a:tc>
+                <a:tc>
+                  <a:txBody>
+                    <a:bodyPr/>
+                    <a:lstStyle/>
+                    <a:p>
+                      <a:r>
+                        <a:rPr lang="en-US" sz="1200" dirty="0" smtClean="0"/>
+                        <a:t>SQL for dummies</a:t>
+                      </a:r>
+                      <a:endParaRPr lang="en-US" sz="1200" dirty="0"/>
+                    </a:p>
+                  </a:txBody>
+                  <a:tcPr/>
+                </a:tc>
+                <a:tc>
+                  <a:txBody>
+                    <a:bodyPr/>
+                    <a:lstStyle/>
+                    <a:p>
+                      <a:r>
+                        <a:rPr lang="en-US" sz="1200" dirty="0" smtClean="0"/>
+                        <a:t>9781118607961</a:t>
+                      </a:r>
+                      <a:endParaRPr lang="en-US" sz="1200" dirty="0"/>
+                    </a:p>
+                  </a:txBody>
+                  <a:tcPr/>
+                </a:tc>
+                <a:tc>
+                  <a:txBody>
+                    <a:bodyPr/>
+                    <a:lstStyle/>
+                    <a:p>
+                      <a:r>
+                        <a:rPr lang="en-US" sz="1200" dirty="0" smtClean="0"/>
+                        <a:t>2013</a:t>
+                      </a:r>
+                      <a:endParaRPr lang="en-US" sz="1200" dirty="0"/>
+                    </a:p>
+                  </a:txBody>
+                  <a:tcPr/>
+                </a:tc>
+                <a:tc>
+                  <a:txBody>
+                    <a:bodyPr/>
+                    <a:lstStyle/>
+                    <a:p>
+                      <a:r>
+                        <a:rPr lang="en-US" sz="1200" dirty="0" smtClean="0"/>
+                        <a:t>Hoboken</a:t>
+                      </a:r>
+                      <a:endParaRPr lang="en-US" sz="1200" dirty="0"/>
+                    </a:p>
+                  </a:txBody>
+                  <a:tcPr/>
+                </a:tc>
+                <a:tc>
+                  <a:txBody>
+                    <a:bodyPr/>
+                    <a:lstStyle/>
+                    <a:p>
+                      <a:r>
+                        <a:rPr lang="en-US" sz="1200" dirty="0" smtClean="0"/>
+                        <a:t>Wiley</a:t>
+                      </a:r>
+                      <a:endParaRPr lang="en-US" sz="1200" dirty="0"/>
+                    </a:p>
+                  </a:txBody>
+                  <a:tcPr/>
+                </a:tc>
+                <a:tc>
+                  <a:txBody>
+                    <a:bodyPr/>
+                    <a:lstStyle/>
+                    <a:p>
+                      <a:r>
+                        <a:rPr lang="en-US" sz="1200" dirty="0" smtClean="0"/>
+                        <a:t>8</a:t>
+                      </a:r>
+                      <a:r>
+                        <a:rPr lang="en-US" sz="1200" baseline="30000" dirty="0" smtClean="0"/>
+                        <a:t>th</a:t>
+                      </a:r>
+                      <a:r>
+                        <a:rPr lang="en-US" sz="1200" dirty="0" smtClean="0"/>
+                        <a:t> ed.</a:t>
+                      </a:r>
+                      <a:endParaRPr lang="en-US" sz="1200" dirty="0"/>
+                    </a:p>
+                  </a:txBody>
+                  <a:tcPr/>
+                </a:tc>
+                <a:tc>
+                  <a:txBody>
+                    <a:bodyPr/>
+                    <a:lstStyle/>
+                    <a:p>
+                      <a:endParaRPr lang="en-US" sz="1200" dirty="0"/>
                     </a:p>
                   </a:txBody>
                   <a:tcPr/>
@@ -6843,226 +8738,133 @@
                     <a:lstStyle/>
                     <a:p>
                       <a:r>
-                        <a:rPr lang="en-US" sz="1600" dirty="0" smtClean="0"/>
-                        <a:t>622</a:t>
-                      </a:r>
-                      <a:endParaRPr lang="en-US" sz="1600" dirty="0"/>
-                    </a:p>
-                  </a:txBody>
-                  <a:tcPr/>
-                </a:tc>
-                <a:tc>
-                  <a:txBody>
-                    <a:bodyPr/>
-                    <a:lstStyle/>
-                    <a:p>
-                      <a:r>
-                        <a:rPr lang="en-US" sz="1600" dirty="0" smtClean="0"/>
-                        <a:t>dyer</a:t>
-                      </a:r>
-                      <a:endParaRPr lang="en-US" sz="1600" dirty="0"/>
-                    </a:p>
-                  </a:txBody>
-                  <a:tcPr/>
-                </a:tc>
-                <a:tc>
-                  <a:txBody>
-                    <a:bodyPr/>
-                    <a:lstStyle/>
-                    <a:p>
-                      <a:r>
-                        <a:rPr lang="en-US" sz="1600" dirty="0" smtClean="0"/>
-                        <a:t>rad</a:t>
-                      </a:r>
-                      <a:endParaRPr lang="en-US" sz="1600" dirty="0"/>
-                    </a:p>
-                  </a:txBody>
-                  <a:tcPr/>
-                </a:tc>
-                <a:tc>
-                  <a:txBody>
-                    <a:bodyPr/>
-                    <a:lstStyle/>
-                    <a:p>
-                      <a:r>
-                        <a:rPr lang="en-US" sz="1600" dirty="0" smtClean="0"/>
-                        <a:t>7.8</a:t>
-                      </a:r>
-                      <a:endParaRPr lang="en-US" sz="1600" dirty="0"/>
-                    </a:p>
-                  </a:txBody>
-                  <a:tcPr/>
-                </a:tc>
-              </a:tr>
-              <a:tr h="265756">
-                <a:tc>
-                  <a:txBody>
-                    <a:bodyPr/>
-                    <a:lstStyle/>
-                    <a:p>
-                      <a:r>
-                        <a:rPr lang="en-US" sz="1600" dirty="0" smtClean="0"/>
-                        <a:t>622</a:t>
-                      </a:r>
-                      <a:endParaRPr lang="en-US" sz="1600" dirty="0"/>
-                    </a:p>
-                  </a:txBody>
-                  <a:tcPr/>
-                </a:tc>
-                <a:tc>
-                  <a:txBody>
-                    <a:bodyPr/>
-                    <a:lstStyle/>
-                    <a:p>
-                      <a:r>
-                        <a:rPr lang="en-US" sz="1600" dirty="0" smtClean="0"/>
-                        <a:t>dyer</a:t>
-                      </a:r>
-                      <a:endParaRPr lang="en-US" sz="1600" dirty="0"/>
-                    </a:p>
-                  </a:txBody>
-                  <a:tcPr/>
-                </a:tc>
-                <a:tc>
-                  <a:txBody>
-                    <a:bodyPr/>
-                    <a:lstStyle/>
-                    <a:p>
-                      <a:r>
-                        <a:rPr lang="en-US" sz="1600" dirty="0" err="1" smtClean="0"/>
-                        <a:t>sal</a:t>
-                      </a:r>
-                      <a:endParaRPr lang="en-US" sz="1600" dirty="0"/>
-                    </a:p>
-                  </a:txBody>
-                  <a:tcPr/>
-                </a:tc>
-                <a:tc>
-                  <a:txBody>
-                    <a:bodyPr/>
-                    <a:lstStyle/>
-                    <a:p>
-                      <a:r>
-                        <a:rPr lang="en-US" sz="1600" dirty="0" smtClean="0"/>
-                        <a:t>0.09</a:t>
-                      </a:r>
-                      <a:endParaRPr lang="en-US" sz="1600" dirty="0"/>
-                    </a:p>
-                  </a:txBody>
-                  <a:tcPr/>
-                </a:tc>
-              </a:tr>
-              <a:tr h="265756">
-                <a:tc>
-                  <a:txBody>
-                    <a:bodyPr/>
-                    <a:lstStyle/>
-                    <a:p>
-                      <a:r>
-                        <a:rPr lang="en-US" sz="1600" dirty="0" smtClean="0"/>
-                        <a:t>734</a:t>
-                      </a:r>
-                      <a:endParaRPr lang="en-US" sz="1600" dirty="0"/>
-                    </a:p>
-                  </a:txBody>
-                  <a:tcPr/>
-                </a:tc>
-                <a:tc>
-                  <a:txBody>
-                    <a:bodyPr/>
-                    <a:lstStyle/>
-                    <a:p>
-                      <a:r>
-                        <a:rPr lang="en-US" sz="1600" dirty="0" err="1" smtClean="0"/>
-                        <a:t>pb</a:t>
-                      </a:r>
-                      <a:endParaRPr lang="en-US" sz="1600" dirty="0"/>
-                    </a:p>
-                  </a:txBody>
-                  <a:tcPr/>
-                </a:tc>
-                <a:tc>
-                  <a:txBody>
-                    <a:bodyPr/>
-                    <a:lstStyle/>
-                    <a:p>
-                      <a:r>
-                        <a:rPr lang="en-US" sz="1600" dirty="0" smtClean="0"/>
-                        <a:t>rad</a:t>
-                      </a:r>
-                      <a:endParaRPr lang="en-US" sz="1600" dirty="0"/>
-                    </a:p>
-                  </a:txBody>
-                  <a:tcPr/>
-                </a:tc>
-                <a:tc>
-                  <a:txBody>
-                    <a:bodyPr/>
-                    <a:lstStyle/>
-                    <a:p>
-                      <a:r>
-                        <a:rPr lang="en-US" sz="1600" dirty="0" smtClean="0"/>
-                        <a:t>8.41</a:t>
-                      </a:r>
-                      <a:endParaRPr lang="en-US" sz="1600" dirty="0"/>
-                    </a:p>
-                  </a:txBody>
-                  <a:tcPr/>
-                </a:tc>
-              </a:tr>
-              <a:tr h="265756">
-                <a:tc>
-                  <a:txBody>
-                    <a:bodyPr/>
-                    <a:lstStyle/>
-                    <a:p>
-                      <a:r>
-                        <a:rPr lang="en-US" sz="1600" dirty="0" smtClean="0"/>
-                        <a:t>734</a:t>
-                      </a:r>
-                      <a:endParaRPr lang="en-US" sz="1600" dirty="0"/>
-                    </a:p>
-                  </a:txBody>
-                  <a:tcPr/>
-                </a:tc>
-                <a:tc>
-                  <a:txBody>
-                    <a:bodyPr/>
-                    <a:lstStyle/>
-                    <a:p>
-                      <a:r>
-                        <a:rPr lang="en-US" sz="1600" dirty="0" smtClean="0"/>
-                        <a:t>lake</a:t>
-                      </a:r>
-                      <a:endParaRPr lang="en-US" sz="1600" dirty="0"/>
-                    </a:p>
-                  </a:txBody>
-                  <a:tcPr/>
-                </a:tc>
-                <a:tc>
-                  <a:txBody>
-                    <a:bodyPr/>
-                    <a:lstStyle/>
-                    <a:p>
-                      <a:r>
-                        <a:rPr lang="en-US" sz="1600" dirty="0" err="1" smtClean="0"/>
-                        <a:t>sal</a:t>
-                      </a:r>
-                      <a:endParaRPr lang="en-US" sz="1600" dirty="0"/>
-                    </a:p>
-                  </a:txBody>
-                  <a:tcPr/>
-                </a:tc>
-                <a:tc>
-                  <a:txBody>
-                    <a:bodyPr/>
-                    <a:lstStyle/>
-                    <a:p>
-                      <a:r>
-                        <a:rPr lang="en-US" sz="1600" dirty="0" smtClean="0"/>
-                        <a:t>0.05</a:t>
-                      </a:r>
-                      <a:endParaRPr lang="en-US" sz="1600" dirty="0"/>
+                        <a:rPr lang="en-US" sz="1200" dirty="0" smtClean="0"/>
+                        <a:t>3</a:t>
+                      </a:r>
+                      <a:endParaRPr lang="en-US" sz="1200" dirty="0"/>
+                    </a:p>
+                  </a:txBody>
+                  <a:tcPr/>
+                </a:tc>
+                <a:tc>
+                  <a:txBody>
+                    <a:bodyPr/>
+                    <a:lstStyle/>
+                    <a:p>
+                      <a:r>
+                        <a:rPr lang="en-US" sz="1200" dirty="0" smtClean="0"/>
+                        <a:t>PHP &amp; MySQL</a:t>
+                      </a:r>
+                      <a:endParaRPr lang="en-US" sz="1200" dirty="0"/>
+                    </a:p>
+                  </a:txBody>
+                  <a:tcPr/>
+                </a:tc>
+                <a:tc>
+                  <a:txBody>
+                    <a:bodyPr/>
+                    <a:lstStyle/>
+                    <a:p>
+                      <a:pPr marL="0" marR="0" indent="0" algn="l" defTabSz="457200" rtl="0" eaLnBrk="1" fontAlgn="auto" latinLnBrk="0" hangingPunct="1">
+                        <a:lnSpc>
+                          <a:spcPct val="100000"/>
+                        </a:lnSpc>
+                        <a:spcBef>
+                          <a:spcPts val="0"/>
+                        </a:spcBef>
+                        <a:spcAft>
+                          <a:spcPts val="0"/>
+                        </a:spcAft>
+                        <a:buClrTx/>
+                        <a:buSzTx/>
+                        <a:buFontTx/>
+                        <a:buNone/>
+                        <a:tabLst/>
+                        <a:defRPr/>
+                      </a:pPr>
+                      <a:r>
+                        <a:rPr lang="en-US" sz="1200" dirty="0" smtClean="0"/>
+                        <a:t>9781449325572</a:t>
+                      </a:r>
+                      <a:endParaRPr lang="en-US" sz="1200" dirty="0"/>
+                    </a:p>
+                  </a:txBody>
+                  <a:tcPr/>
+                </a:tc>
+                <a:tc>
+                  <a:txBody>
+                    <a:bodyPr/>
+                    <a:lstStyle/>
+                    <a:p>
+                      <a:r>
+                        <a:rPr lang="en-US" sz="1200" dirty="0" smtClean="0"/>
+                        <a:t>2013</a:t>
+                      </a:r>
+                      <a:endParaRPr lang="en-US" sz="1200" dirty="0"/>
+                    </a:p>
+                  </a:txBody>
+                  <a:tcPr/>
+                </a:tc>
+                <a:tc>
+                  <a:txBody>
+                    <a:bodyPr/>
+                    <a:lstStyle/>
+                    <a:p>
+                      <a:r>
+                        <a:rPr lang="en-US" sz="1200" dirty="0" smtClean="0"/>
+                        <a:t>Sebastopol</a:t>
+                      </a:r>
+                      <a:endParaRPr lang="en-US" sz="1200" dirty="0"/>
+                    </a:p>
+                  </a:txBody>
+                  <a:tcPr/>
+                </a:tc>
+                <a:tc>
+                  <a:txBody>
+                    <a:bodyPr/>
+                    <a:lstStyle/>
+                    <a:p>
+                      <a:r>
+                        <a:rPr lang="en-US" sz="1200" dirty="0" smtClean="0"/>
+                        <a:t>O’Reilly</a:t>
+                      </a:r>
+                      <a:endParaRPr lang="en-US" sz="1200" dirty="0"/>
+                    </a:p>
+                  </a:txBody>
+                  <a:tcPr/>
+                </a:tc>
+                <a:tc>
+                  <a:txBody>
+                    <a:bodyPr/>
+                    <a:lstStyle/>
+                    <a:p>
+                      <a:r>
+                        <a:rPr lang="en-US" sz="1200" dirty="0" smtClean="0"/>
+                        <a:t>2</a:t>
+                      </a:r>
+                      <a:r>
+                        <a:rPr lang="en-US" sz="1200" baseline="30000" dirty="0" smtClean="0"/>
+                        <a:t>nd</a:t>
+                      </a:r>
+                      <a:r>
+                        <a:rPr lang="en-US" sz="1200" dirty="0" smtClean="0"/>
+                        <a:t> ed.</a:t>
+                      </a:r>
+                      <a:endParaRPr lang="en-US" sz="1200" dirty="0"/>
+                    </a:p>
+                  </a:txBody>
+                  <a:tcPr/>
+                </a:tc>
+                <a:tc>
+                  <a:txBody>
+                    <a:bodyPr/>
+                    <a:lstStyle/>
+                    <a:p>
+                      <a:r>
+                        <a:rPr lang="en-US" sz="1200" dirty="0" smtClean="0"/>
+                        <a:t>532</a:t>
+                      </a:r>
+                      <a:endParaRPr lang="en-US" sz="1200" dirty="0"/>
                     </a:p>
                   </a:txBody>
                   <a:tcPr/>
@@ -7074,14 +8876,14 @@
       </p:graphicFrame>
       <p:sp>
         <p:nvSpPr>
-          <p:cNvPr id="5" name="TextBox 4"/>
+          <p:cNvPr id="7" name="TextBox 6"/>
           <p:cNvSpPr txBox="1"/>
           <p:nvPr/>
         </p:nvSpPr>
         <p:spPr>
           <a:xfrm>
-            <a:off x="3326029" y="6102414"/>
-            <a:ext cx="816074" cy="369332"/>
+            <a:off x="988944" y="5978966"/>
+            <a:ext cx="787445" cy="369332"/>
           </a:xfrm>
           <a:prstGeom prst="rect">
             <a:avLst/>
@@ -7100,7 +8902,7 @@
                   <a:schemeClr val="tx2"/>
                 </a:solidFill>
               </a:rPr>
-              <a:t>Survey</a:t>
+              <a:t>Works</a:t>
             </a:r>
             <a:endParaRPr lang="en-US" dirty="0">
               <a:solidFill>
@@ -7179,24 +8981,36 @@
           <a:lstStyle/>
           <a:p>
             <a:r>
+              <a:rPr lang="en-US" dirty="0"/>
+              <a:t>Write a query that sorts the </a:t>
+            </a:r>
+            <a:r>
+              <a:rPr lang="en-US" b="1" dirty="0" smtClean="0"/>
+              <a:t>Authors</a:t>
+            </a:r>
+            <a:r>
               <a:rPr lang="en-US" dirty="0" smtClean="0"/>
-              <a:t>Write a query that sorts the records in </a:t>
-            </a:r>
-            <a:r>
-              <a:rPr lang="en-US" b="1" dirty="0" smtClean="0"/>
-              <a:t>Visited</a:t>
+              <a:t> </a:t>
+            </a:r>
+            <a:r>
+              <a:rPr lang="en-US" dirty="0"/>
+              <a:t>table by </a:t>
             </a:r>
             <a:r>
               <a:rPr lang="en-US" dirty="0" smtClean="0"/>
-              <a:t> by date in </a:t>
-            </a:r>
-            <a:r>
-              <a:rPr lang="en-US" smtClean="0"/>
-              <a:t>ascending order, </a:t>
+              <a:t>birth date, </a:t>
+            </a:r>
+            <a:r>
+              <a:rPr lang="en-US" dirty="0"/>
+              <a:t>omitting entries for which </a:t>
             </a:r>
             <a:r>
               <a:rPr lang="en-US" dirty="0" smtClean="0"/>
-              <a:t>omitting entries for which the date is not known (i.e., is null)</a:t>
+              <a:t>that date </a:t>
+            </a:r>
+            <a:r>
+              <a:rPr lang="en-US" dirty="0"/>
+              <a:t>is not known (i.e., is null).</a:t>
             </a:r>
             <a:endParaRPr lang="en-US" dirty="0"/>
           </a:p>
@@ -7204,21 +9018,21 @@
       </p:sp>
       <p:graphicFrame>
         <p:nvGraphicFramePr>
-          <p:cNvPr id="4" name="Table 3"/>
+          <p:cNvPr id="6" name="Table 5"/>
           <p:cNvGraphicFramePr>
             <a:graphicFrameLocks noGrp="1"/>
           </p:cNvGraphicFramePr>
           <p:nvPr>
             <p:extLst>
               <p:ext uri="{D42A27DB-BD31-4B8C-83A1-F6EECF244321}">
-                <p14:modId xmlns:p14="http://schemas.microsoft.com/office/powerpoint/2010/main" val="1333478439"/>
+                <p14:modId xmlns:p14="http://schemas.microsoft.com/office/powerpoint/2010/main" val="57439462"/>
               </p:ext>
             </p:extLst>
           </p:nvPr>
         </p:nvGraphicFramePr>
         <p:xfrm>
-          <a:off x="2677990" y="3352791"/>
-          <a:ext cx="3952191" cy="3017520"/>
+          <a:off x="2118057" y="3549716"/>
+          <a:ext cx="4736730" cy="1920240"/>
         </p:xfrm>
         <a:graphic>
           <a:graphicData uri="http://schemas.openxmlformats.org/drawingml/2006/table">
@@ -7227,397 +9041,562 @@
                 <a:tableStyleId>{B301B821-A1FF-4177-AEE7-76D212191A09}</a:tableStyleId>
               </a:tblPr>
               <a:tblGrid>
-                <a:gridCol w="1317397"/>
-                <a:gridCol w="1317397"/>
-                <a:gridCol w="1317397"/>
+                <a:gridCol w="837353"/>
+                <a:gridCol w="741557"/>
+                <a:gridCol w="789455"/>
+                <a:gridCol w="943749"/>
+                <a:gridCol w="635161"/>
+                <a:gridCol w="789455"/>
               </a:tblGrid>
-              <a:tr h="138132">
-                <a:tc>
-                  <a:txBody>
-                    <a:bodyPr/>
-                    <a:lstStyle/>
-                    <a:p>
-                      <a:r>
-                        <a:rPr lang="en-US" sz="1600" dirty="0" err="1" smtClean="0"/>
-                        <a:t>ident</a:t>
-                      </a:r>
-                      <a:endParaRPr lang="en-US" sz="1600" dirty="0"/>
-                    </a:p>
-                  </a:txBody>
-                  <a:tcPr/>
-                </a:tc>
-                <a:tc>
-                  <a:txBody>
-                    <a:bodyPr/>
-                    <a:lstStyle/>
-                    <a:p>
-                      <a:r>
-                        <a:rPr lang="en-US" sz="1600" dirty="0" smtClean="0"/>
-                        <a:t>site</a:t>
-                      </a:r>
-                      <a:endParaRPr lang="en-US" sz="1600" dirty="0"/>
-                    </a:p>
-                  </a:txBody>
-                  <a:tcPr/>
-                </a:tc>
-                <a:tc>
-                  <a:txBody>
-                    <a:bodyPr/>
-                    <a:lstStyle/>
-                    <a:p>
-                      <a:r>
-                        <a:rPr lang="en-US" sz="1600" dirty="0" smtClean="0"/>
-                        <a:t>dated</a:t>
-                      </a:r>
-                      <a:endParaRPr lang="en-US" sz="1600" dirty="0"/>
+              <a:tr h="237201">
+                <a:tc>
+                  <a:txBody>
+                    <a:bodyPr/>
+                    <a:lstStyle/>
+                    <a:p>
+                      <a:r>
+                        <a:rPr lang="en-US" sz="1200" dirty="0" err="1" smtClean="0"/>
+                        <a:t>author_ID</a:t>
+                      </a:r>
+                      <a:endParaRPr lang="en-US" sz="1200" dirty="0"/>
+                    </a:p>
+                  </a:txBody>
+                  <a:tcPr/>
+                </a:tc>
+                <a:tc>
+                  <a:txBody>
+                    <a:bodyPr/>
+                    <a:lstStyle/>
+                    <a:p>
+                      <a:r>
+                        <a:rPr lang="en-US" sz="1200" dirty="0" smtClean="0"/>
+                        <a:t>family</a:t>
+                      </a:r>
+                      <a:endParaRPr lang="en-US" sz="1200" dirty="0"/>
+                    </a:p>
+                  </a:txBody>
+                  <a:tcPr/>
+                </a:tc>
+                <a:tc>
+                  <a:txBody>
+                    <a:bodyPr/>
+                    <a:lstStyle/>
+                    <a:p>
+                      <a:r>
+                        <a:rPr lang="en-US" sz="1200" dirty="0" smtClean="0"/>
+                        <a:t>personal</a:t>
+                      </a:r>
+                      <a:endParaRPr lang="en-US" sz="1200" dirty="0"/>
+                    </a:p>
+                  </a:txBody>
+                  <a:tcPr/>
+                </a:tc>
+                <a:tc>
+                  <a:txBody>
+                    <a:bodyPr/>
+                    <a:lstStyle/>
+                    <a:p>
+                      <a:r>
+                        <a:rPr lang="en-US" sz="1200" dirty="0" smtClean="0"/>
+                        <a:t>occupation</a:t>
+                      </a:r>
+                      <a:endParaRPr lang="en-US" sz="1200" dirty="0"/>
+                    </a:p>
+                  </a:txBody>
+                  <a:tcPr/>
+                </a:tc>
+                <a:tc>
+                  <a:txBody>
+                    <a:bodyPr/>
+                    <a:lstStyle/>
+                    <a:p>
+                      <a:r>
+                        <a:rPr lang="en-US" sz="1200" dirty="0" smtClean="0"/>
+                        <a:t>birth</a:t>
+                      </a:r>
+                      <a:endParaRPr lang="en-US" sz="1200" dirty="0"/>
+                    </a:p>
+                  </a:txBody>
+                  <a:tcPr/>
+                </a:tc>
+                <a:tc>
+                  <a:txBody>
+                    <a:bodyPr/>
+                    <a:lstStyle/>
+                    <a:p>
+                      <a:r>
+                        <a:rPr lang="en-US" sz="1200" dirty="0" smtClean="0"/>
+                        <a:t>death</a:t>
+                      </a:r>
+                      <a:endParaRPr lang="en-US" sz="1200" dirty="0"/>
                     </a:p>
                   </a:txBody>
                   <a:tcPr/>
                 </a:tc>
               </a:tr>
-              <a:tr h="138132">
-                <a:tc>
-                  <a:txBody>
-                    <a:bodyPr/>
-                    <a:lstStyle/>
-                    <a:p>
-                      <a:r>
-                        <a:rPr lang="en-US" sz="1600" dirty="0" smtClean="0"/>
-                        <a:t>619</a:t>
-                      </a:r>
-                      <a:endParaRPr lang="en-US" sz="1600" dirty="0"/>
-                    </a:p>
-                  </a:txBody>
-                  <a:tcPr/>
-                </a:tc>
-                <a:tc>
-                  <a:txBody>
-                    <a:bodyPr/>
-                    <a:lstStyle/>
-                    <a:p>
-                      <a:r>
-                        <a:rPr lang="en-US" sz="1600" dirty="0" smtClean="0"/>
-                        <a:t>DR-1</a:t>
-                      </a:r>
-                      <a:endParaRPr lang="en-US" sz="1600" dirty="0"/>
-                    </a:p>
-                  </a:txBody>
-                  <a:tcPr/>
-                </a:tc>
-                <a:tc>
-                  <a:txBody>
-                    <a:bodyPr/>
-                    <a:lstStyle/>
-                    <a:p>
-                      <a:r>
-                        <a:rPr lang="en-US" sz="1600" dirty="0" smtClean="0"/>
-                        <a:t>1927-02-08</a:t>
-                      </a:r>
-                      <a:endParaRPr lang="en-US" sz="1600" dirty="0"/>
+              <a:tr h="237201">
+                <a:tc>
+                  <a:txBody>
+                    <a:bodyPr/>
+                    <a:lstStyle/>
+                    <a:p>
+                      <a:r>
+                        <a:rPr lang="en-US" sz="1200" dirty="0" smtClean="0"/>
+                        <a:t>1</a:t>
+                      </a:r>
+                      <a:endParaRPr lang="en-US" sz="1200" dirty="0"/>
+                    </a:p>
+                  </a:txBody>
+                  <a:tcPr/>
+                </a:tc>
+                <a:tc>
+                  <a:txBody>
+                    <a:bodyPr/>
+                    <a:lstStyle/>
+                    <a:p>
+                      <a:r>
+                        <a:rPr lang="en-US" sz="1200" smtClean="0"/>
+                        <a:t>Kline</a:t>
+                      </a:r>
+                      <a:endParaRPr lang="en-US" sz="1200" dirty="0"/>
+                    </a:p>
+                  </a:txBody>
+                  <a:tcPr/>
+                </a:tc>
+                <a:tc>
+                  <a:txBody>
+                    <a:bodyPr/>
+                    <a:lstStyle/>
+                    <a:p>
+                      <a:r>
+                        <a:rPr lang="en-US" sz="1200" dirty="0" smtClean="0"/>
+                        <a:t>Kevin E.</a:t>
+                      </a:r>
+                      <a:endParaRPr lang="en-US" sz="1200" dirty="0"/>
+                    </a:p>
+                  </a:txBody>
+                  <a:tcPr/>
+                </a:tc>
+                <a:tc>
+                  <a:txBody>
+                    <a:bodyPr/>
+                    <a:lstStyle/>
+                    <a:p>
+                      <a:endParaRPr lang="en-US" sz="1200" dirty="0"/>
+                    </a:p>
+                  </a:txBody>
+                  <a:tcPr/>
+                </a:tc>
+                <a:tc>
+                  <a:txBody>
+                    <a:bodyPr/>
+                    <a:lstStyle/>
+                    <a:p>
+                      <a:r>
+                        <a:rPr lang="en-US" sz="1200" dirty="0" smtClean="0"/>
+                        <a:t>1966</a:t>
+                      </a:r>
+                      <a:endParaRPr lang="en-US" sz="1200" dirty="0"/>
+                    </a:p>
+                  </a:txBody>
+                  <a:tcPr/>
+                </a:tc>
+                <a:tc>
+                  <a:txBody>
+                    <a:bodyPr/>
+                    <a:lstStyle/>
+                    <a:p>
+                      <a:endParaRPr lang="en-US" sz="1200" dirty="0"/>
                     </a:p>
                   </a:txBody>
                   <a:tcPr/>
                 </a:tc>
               </a:tr>
-              <a:tr h="138132">
-                <a:tc>
-                  <a:txBody>
-                    <a:bodyPr/>
-                    <a:lstStyle/>
-                    <a:p>
-                      <a:r>
-                        <a:rPr lang="en-US" sz="1600" dirty="0" smtClean="0"/>
-                        <a:t>622</a:t>
-                      </a:r>
-                      <a:endParaRPr lang="en-US" sz="1600" dirty="0"/>
-                    </a:p>
-                  </a:txBody>
-                  <a:tcPr/>
-                </a:tc>
-                <a:tc>
-                  <a:txBody>
-                    <a:bodyPr/>
-                    <a:lstStyle/>
-                    <a:p>
-                      <a:r>
-                        <a:rPr lang="en-US" sz="1600" dirty="0" smtClean="0"/>
-                        <a:t>DR-1</a:t>
-                      </a:r>
-                      <a:endParaRPr lang="en-US" sz="1600" dirty="0"/>
-                    </a:p>
-                  </a:txBody>
-                  <a:tcPr/>
-                </a:tc>
-                <a:tc>
-                  <a:txBody>
-                    <a:bodyPr/>
-                    <a:lstStyle/>
-                    <a:p>
-                      <a:r>
-                        <a:rPr lang="en-US" sz="1600" dirty="0" smtClean="0"/>
-                        <a:t>1927-02-10</a:t>
-                      </a:r>
-                      <a:endParaRPr lang="en-US" sz="1600" dirty="0"/>
+              <a:tr h="237201">
+                <a:tc>
+                  <a:txBody>
+                    <a:bodyPr/>
+                    <a:lstStyle/>
+                    <a:p>
+                      <a:r>
+                        <a:rPr lang="en-US" sz="1200" dirty="0" smtClean="0"/>
+                        <a:t>2</a:t>
+                      </a:r>
+                      <a:endParaRPr lang="en-US" sz="1200" dirty="0"/>
+                    </a:p>
+                  </a:txBody>
+                  <a:tcPr/>
+                </a:tc>
+                <a:tc>
+                  <a:txBody>
+                    <a:bodyPr/>
+                    <a:lstStyle/>
+                    <a:p>
+                      <a:r>
+                        <a:rPr lang="en-US" sz="1200" dirty="0" smtClean="0"/>
+                        <a:t>Kline</a:t>
+                      </a:r>
+                      <a:endParaRPr lang="en-US" sz="1200" dirty="0"/>
+                    </a:p>
+                  </a:txBody>
+                  <a:tcPr/>
+                </a:tc>
+                <a:tc>
+                  <a:txBody>
+                    <a:bodyPr/>
+                    <a:lstStyle/>
+                    <a:p>
+                      <a:r>
+                        <a:rPr lang="en-US" sz="1200" dirty="0" smtClean="0"/>
+                        <a:t>Daniel</a:t>
+                      </a:r>
+                      <a:endParaRPr lang="en-US" sz="1200" dirty="0"/>
+                    </a:p>
+                  </a:txBody>
+                  <a:tcPr/>
+                </a:tc>
+                <a:tc>
+                  <a:txBody>
+                    <a:bodyPr/>
+                    <a:lstStyle/>
+                    <a:p>
+                      <a:endParaRPr lang="en-US" sz="1200" dirty="0"/>
+                    </a:p>
+                  </a:txBody>
+                  <a:tcPr/>
+                </a:tc>
+                <a:tc>
+                  <a:txBody>
+                    <a:bodyPr/>
+                    <a:lstStyle/>
+                    <a:p>
+                      <a:endParaRPr lang="en-US" sz="1200" dirty="0"/>
+                    </a:p>
+                  </a:txBody>
+                  <a:tcPr/>
+                </a:tc>
+                <a:tc>
+                  <a:txBody>
+                    <a:bodyPr/>
+                    <a:lstStyle/>
+                    <a:p>
+                      <a:endParaRPr lang="en-US" sz="1200" dirty="0"/>
                     </a:p>
                   </a:txBody>
                   <a:tcPr/>
                 </a:tc>
               </a:tr>
-              <a:tr h="138132">
-                <a:tc>
-                  <a:txBody>
-                    <a:bodyPr/>
-                    <a:lstStyle/>
-                    <a:p>
-                      <a:r>
-                        <a:rPr lang="en-US" sz="1600" dirty="0" smtClean="0"/>
-                        <a:t>734</a:t>
-                      </a:r>
-                      <a:endParaRPr lang="en-US" sz="1600" dirty="0"/>
-                    </a:p>
-                  </a:txBody>
-                  <a:tcPr/>
-                </a:tc>
-                <a:tc>
-                  <a:txBody>
-                    <a:bodyPr/>
-                    <a:lstStyle/>
-                    <a:p>
-                      <a:r>
-                        <a:rPr lang="en-US" sz="1600" dirty="0" smtClean="0"/>
-                        <a:t>DR-3</a:t>
-                      </a:r>
-                      <a:endParaRPr lang="en-US" sz="1600" dirty="0"/>
-                    </a:p>
-                  </a:txBody>
-                  <a:tcPr/>
-                </a:tc>
-                <a:tc>
-                  <a:txBody>
-                    <a:bodyPr/>
-                    <a:lstStyle/>
-                    <a:p>
-                      <a:r>
-                        <a:rPr lang="en-US" sz="1600" dirty="0" smtClean="0"/>
-                        <a:t>1939-01-07</a:t>
-                      </a:r>
-                      <a:endParaRPr lang="en-US" sz="1600" dirty="0"/>
+              <a:tr h="237201">
+                <a:tc>
+                  <a:txBody>
+                    <a:bodyPr/>
+                    <a:lstStyle/>
+                    <a:p>
+                      <a:r>
+                        <a:rPr lang="en-US" sz="1200" dirty="0" smtClean="0"/>
+                        <a:t>3</a:t>
+                      </a:r>
+                      <a:endParaRPr lang="en-US" sz="1200" dirty="0"/>
+                    </a:p>
+                  </a:txBody>
+                  <a:tcPr/>
+                </a:tc>
+                <a:tc>
+                  <a:txBody>
+                    <a:bodyPr/>
+                    <a:lstStyle/>
+                    <a:p>
+                      <a:r>
+                        <a:rPr lang="en-US" sz="1200" dirty="0" smtClean="0"/>
+                        <a:t>Hunt</a:t>
+                      </a:r>
+                      <a:endParaRPr lang="en-US" sz="1200" dirty="0"/>
+                    </a:p>
+                  </a:txBody>
+                  <a:tcPr/>
+                </a:tc>
+                <a:tc>
+                  <a:txBody>
+                    <a:bodyPr/>
+                    <a:lstStyle/>
+                    <a:p>
+                      <a:r>
+                        <a:rPr lang="en-US" sz="1200" dirty="0" smtClean="0"/>
+                        <a:t>Brand</a:t>
+                      </a:r>
+                      <a:endParaRPr lang="en-US" sz="1200" dirty="0"/>
+                    </a:p>
+                  </a:txBody>
+                  <a:tcPr/>
+                </a:tc>
+                <a:tc>
+                  <a:txBody>
+                    <a:bodyPr/>
+                    <a:lstStyle/>
+                    <a:p>
+                      <a:endParaRPr lang="en-US" sz="1200" dirty="0"/>
+                    </a:p>
+                  </a:txBody>
+                  <a:tcPr/>
+                </a:tc>
+                <a:tc>
+                  <a:txBody>
+                    <a:bodyPr/>
+                    <a:lstStyle/>
+                    <a:p>
+                      <a:endParaRPr lang="en-US" sz="1200" dirty="0"/>
+                    </a:p>
+                  </a:txBody>
+                  <a:tcPr/>
+                </a:tc>
+                <a:tc>
+                  <a:txBody>
+                    <a:bodyPr/>
+                    <a:lstStyle/>
+                    <a:p>
+                      <a:endParaRPr lang="en-US" sz="1200" dirty="0"/>
                     </a:p>
                   </a:txBody>
                   <a:tcPr/>
                 </a:tc>
               </a:tr>
-              <a:tr h="138132">
-                <a:tc>
-                  <a:txBody>
-                    <a:bodyPr/>
-                    <a:lstStyle/>
-                    <a:p>
-                      <a:r>
-                        <a:rPr lang="en-US" sz="1600" dirty="0" smtClean="0"/>
-                        <a:t>735</a:t>
-                      </a:r>
-                      <a:endParaRPr lang="en-US" sz="1600" dirty="0"/>
-                    </a:p>
-                  </a:txBody>
-                  <a:tcPr/>
-                </a:tc>
-                <a:tc>
-                  <a:txBody>
-                    <a:bodyPr/>
-                    <a:lstStyle/>
-                    <a:p>
-                      <a:r>
-                        <a:rPr lang="en-US" sz="1600" dirty="0" smtClean="0"/>
-                        <a:t>DR-3</a:t>
-                      </a:r>
-                      <a:endParaRPr lang="en-US" sz="1600" dirty="0"/>
-                    </a:p>
-                  </a:txBody>
-                  <a:tcPr/>
-                </a:tc>
-                <a:tc>
-                  <a:txBody>
-                    <a:bodyPr/>
-                    <a:lstStyle/>
-                    <a:p>
-                      <a:r>
-                        <a:rPr lang="en-US" sz="1600" dirty="0" smtClean="0"/>
-                        <a:t>1930-01-12</a:t>
-                      </a:r>
-                      <a:endParaRPr lang="en-US" sz="1600" dirty="0"/>
+              <a:tr h="237201">
+                <a:tc>
+                  <a:txBody>
+                    <a:bodyPr/>
+                    <a:lstStyle/>
+                    <a:p>
+                      <a:r>
+                        <a:rPr lang="en-US" sz="1200" dirty="0" smtClean="0"/>
+                        <a:t>4</a:t>
+                      </a:r>
+                      <a:endParaRPr lang="en-US" sz="1200" dirty="0"/>
+                    </a:p>
+                  </a:txBody>
+                  <a:tcPr/>
+                </a:tc>
+                <a:tc>
+                  <a:txBody>
+                    <a:bodyPr/>
+                    <a:lstStyle/>
+                    <a:p>
+                      <a:r>
+                        <a:rPr lang="en-US" sz="1200" dirty="0" smtClean="0"/>
+                        <a:t>Taylor</a:t>
+                      </a:r>
+                      <a:endParaRPr lang="en-US" sz="1200" dirty="0"/>
+                    </a:p>
+                  </a:txBody>
+                  <a:tcPr/>
+                </a:tc>
+                <a:tc>
+                  <a:txBody>
+                    <a:bodyPr/>
+                    <a:lstStyle/>
+                    <a:p>
+                      <a:r>
+                        <a:rPr lang="en-US" sz="1200" dirty="0" smtClean="0"/>
+                        <a:t>Allen G.</a:t>
+                      </a:r>
+                      <a:endParaRPr lang="en-US" sz="1200" dirty="0"/>
+                    </a:p>
+                  </a:txBody>
+                  <a:tcPr/>
+                </a:tc>
+                <a:tc>
+                  <a:txBody>
+                    <a:bodyPr/>
+                    <a:lstStyle/>
+                    <a:p>
+                      <a:endParaRPr lang="en-US" sz="1200" dirty="0"/>
+                    </a:p>
+                  </a:txBody>
+                  <a:tcPr/>
+                </a:tc>
+                <a:tc>
+                  <a:txBody>
+                    <a:bodyPr/>
+                    <a:lstStyle/>
+                    <a:p>
+                      <a:r>
+                        <a:rPr lang="en-US" sz="1200" dirty="0" smtClean="0"/>
+                        <a:t>1945</a:t>
+                      </a:r>
+                      <a:endParaRPr lang="en-US" sz="1200" dirty="0"/>
+                    </a:p>
+                  </a:txBody>
+                  <a:tcPr/>
+                </a:tc>
+                <a:tc>
+                  <a:txBody>
+                    <a:bodyPr/>
+                    <a:lstStyle/>
+                    <a:p>
+                      <a:endParaRPr lang="en-US" sz="1200" dirty="0"/>
                     </a:p>
                   </a:txBody>
                   <a:tcPr/>
                 </a:tc>
               </a:tr>
-              <a:tr h="138132">
-                <a:tc>
-                  <a:txBody>
-                    <a:bodyPr/>
-                    <a:lstStyle/>
-                    <a:p>
-                      <a:r>
-                        <a:rPr lang="en-US" sz="1600" dirty="0" smtClean="0"/>
-                        <a:t>751</a:t>
-                      </a:r>
-                      <a:endParaRPr lang="en-US" sz="1600" dirty="0"/>
-                    </a:p>
-                  </a:txBody>
-                  <a:tcPr/>
-                </a:tc>
-                <a:tc>
-                  <a:txBody>
-                    <a:bodyPr/>
-                    <a:lstStyle/>
-                    <a:p>
-                      <a:r>
-                        <a:rPr lang="en-US" sz="1600" dirty="0" smtClean="0"/>
-                        <a:t>DR-3</a:t>
-                      </a:r>
-                      <a:endParaRPr lang="en-US" sz="1600" dirty="0"/>
-                    </a:p>
-                  </a:txBody>
-                  <a:tcPr/>
-                </a:tc>
-                <a:tc>
-                  <a:txBody>
-                    <a:bodyPr/>
-                    <a:lstStyle/>
-                    <a:p>
-                      <a:r>
-                        <a:rPr lang="en-US" sz="1600" dirty="0" smtClean="0"/>
-                        <a:t>1930-02-26</a:t>
-                      </a:r>
-                      <a:endParaRPr lang="en-US" sz="1600" dirty="0"/>
+              <a:tr h="237201">
+                <a:tc>
+                  <a:txBody>
+                    <a:bodyPr/>
+                    <a:lstStyle/>
+                    <a:p>
+                      <a:r>
+                        <a:rPr lang="en-US" sz="1200" dirty="0" smtClean="0"/>
+                        <a:t>7</a:t>
+                      </a:r>
+                      <a:endParaRPr lang="en-US" sz="1200" dirty="0"/>
+                    </a:p>
+                  </a:txBody>
+                  <a:tcPr/>
+                </a:tc>
+                <a:tc>
+                  <a:txBody>
+                    <a:bodyPr/>
+                    <a:lstStyle/>
+                    <a:p>
+                      <a:r>
+                        <a:rPr lang="en-US" sz="1200" dirty="0" smtClean="0"/>
+                        <a:t>Chandra</a:t>
+                      </a:r>
+                      <a:endParaRPr lang="en-US" sz="1200" dirty="0"/>
+                    </a:p>
+                  </a:txBody>
+                  <a:tcPr/>
+                </a:tc>
+                <a:tc>
+                  <a:txBody>
+                    <a:bodyPr/>
+                    <a:lstStyle/>
+                    <a:p>
+                      <a:r>
+                        <a:rPr lang="en-US" sz="1200" dirty="0" err="1" smtClean="0"/>
+                        <a:t>Vikram</a:t>
+                      </a:r>
+                      <a:endParaRPr lang="en-US" sz="1200" dirty="0"/>
+                    </a:p>
+                  </a:txBody>
+                  <a:tcPr/>
+                </a:tc>
+                <a:tc>
+                  <a:txBody>
+                    <a:bodyPr/>
+                    <a:lstStyle/>
+                    <a:p>
+                      <a:r>
+                        <a:rPr lang="en-US" sz="1200" dirty="0" smtClean="0"/>
+                        <a:t>Writer</a:t>
+                      </a:r>
+                      <a:endParaRPr lang="en-US" sz="1200" dirty="0"/>
+                    </a:p>
+                  </a:txBody>
+                  <a:tcPr/>
+                </a:tc>
+                <a:tc>
+                  <a:txBody>
+                    <a:bodyPr/>
+                    <a:lstStyle/>
+                    <a:p>
+                      <a:r>
+                        <a:rPr lang="en-US" sz="1200" dirty="0" smtClean="0"/>
+                        <a:t>1961</a:t>
+                      </a:r>
+                      <a:endParaRPr lang="en-US" sz="1200" dirty="0"/>
+                    </a:p>
+                  </a:txBody>
+                  <a:tcPr/>
+                </a:tc>
+                <a:tc>
+                  <a:txBody>
+                    <a:bodyPr/>
+                    <a:lstStyle/>
+                    <a:p>
+                      <a:endParaRPr lang="en-US" sz="1200" dirty="0"/>
                     </a:p>
                   </a:txBody>
                   <a:tcPr/>
                 </a:tc>
               </a:tr>
-              <a:tr h="138132">
-                <a:tc>
-                  <a:txBody>
-                    <a:bodyPr/>
-                    <a:lstStyle/>
-                    <a:p>
-                      <a:r>
-                        <a:rPr lang="en-US" sz="1600" dirty="0" smtClean="0"/>
-                        <a:t>752</a:t>
-                      </a:r>
-                      <a:endParaRPr lang="en-US" sz="1600" dirty="0"/>
-                    </a:p>
-                  </a:txBody>
-                  <a:tcPr/>
-                </a:tc>
-                <a:tc>
-                  <a:txBody>
-                    <a:bodyPr/>
-                    <a:lstStyle/>
-                    <a:p>
-                      <a:r>
-                        <a:rPr lang="en-US" sz="1600" dirty="0" smtClean="0"/>
-                        <a:t>DR-3</a:t>
-                      </a:r>
-                      <a:endParaRPr lang="en-US" sz="1600" dirty="0"/>
-                    </a:p>
-                  </a:txBody>
-                  <a:tcPr/>
-                </a:tc>
-                <a:tc>
-                  <a:txBody>
-                    <a:bodyPr/>
-                    <a:lstStyle/>
-                    <a:p>
-                      <a:endParaRPr lang="en-US" sz="1600" dirty="0"/>
-                    </a:p>
-                  </a:txBody>
-                  <a:tcPr/>
-                </a:tc>
-              </a:tr>
-              <a:tr h="138132">
-                <a:tc>
-                  <a:txBody>
-                    <a:bodyPr/>
-                    <a:lstStyle/>
-                    <a:p>
-                      <a:r>
-                        <a:rPr lang="en-US" sz="1600" dirty="0" smtClean="0"/>
-                        <a:t>837</a:t>
-                      </a:r>
-                      <a:endParaRPr lang="en-US" sz="1600" dirty="0"/>
-                    </a:p>
-                  </a:txBody>
-                  <a:tcPr/>
-                </a:tc>
-                <a:tc>
-                  <a:txBody>
-                    <a:bodyPr/>
-                    <a:lstStyle/>
-                    <a:p>
-                      <a:r>
-                        <a:rPr lang="en-US" sz="1600" dirty="0" smtClean="0"/>
-                        <a:t>MSK-4</a:t>
-                      </a:r>
-                      <a:endParaRPr lang="en-US" sz="1600" dirty="0"/>
-                    </a:p>
-                  </a:txBody>
-                  <a:tcPr/>
-                </a:tc>
-                <a:tc>
-                  <a:txBody>
-                    <a:bodyPr/>
-                    <a:lstStyle/>
-                    <a:p>
-                      <a:r>
-                        <a:rPr lang="en-US" sz="1600" dirty="0" smtClean="0"/>
-                        <a:t>1932-01-14</a:t>
-                      </a:r>
-                      <a:endParaRPr lang="en-US" sz="1600" dirty="0"/>
-                    </a:p>
-                  </a:txBody>
-                  <a:tcPr/>
-                </a:tc>
-              </a:tr>
-              <a:tr h="138132">
-                <a:tc>
-                  <a:txBody>
-                    <a:bodyPr/>
-                    <a:lstStyle/>
-                    <a:p>
-                      <a:r>
-                        <a:rPr lang="en-US" sz="1600" dirty="0" smtClean="0"/>
-                        <a:t>844</a:t>
-                      </a:r>
-                      <a:endParaRPr lang="en-US" sz="1600" dirty="0"/>
-                    </a:p>
-                  </a:txBody>
-                  <a:tcPr/>
-                </a:tc>
-                <a:tc>
-                  <a:txBody>
-                    <a:bodyPr/>
-                    <a:lstStyle/>
-                    <a:p>
-                      <a:r>
-                        <a:rPr lang="en-US" sz="1600" dirty="0" smtClean="0"/>
-                        <a:t>DR-1</a:t>
-                      </a:r>
-                      <a:endParaRPr lang="en-US" sz="1600" dirty="0"/>
-                    </a:p>
-                  </a:txBody>
-                  <a:tcPr/>
-                </a:tc>
-                <a:tc>
-                  <a:txBody>
-                    <a:bodyPr/>
-                    <a:lstStyle/>
-                    <a:p>
-                      <a:r>
-                        <a:rPr lang="en-US" sz="1600" dirty="0" smtClean="0"/>
-                        <a:t>1932-03-22</a:t>
-                      </a:r>
-                      <a:endParaRPr lang="en-US" sz="1600" dirty="0"/>
+              <a:tr h="237201">
+                <a:tc>
+                  <a:txBody>
+                    <a:bodyPr/>
+                    <a:lstStyle/>
+                    <a:p>
+                      <a:r>
+                        <a:rPr lang="en-US" sz="1200" dirty="0" smtClean="0"/>
+                        <a:t>8</a:t>
+                      </a:r>
+                      <a:endParaRPr lang="en-US" sz="1200" dirty="0"/>
+                    </a:p>
+                  </a:txBody>
+                  <a:tcPr/>
+                </a:tc>
+                <a:tc>
+                  <a:txBody>
+                    <a:bodyPr/>
+                    <a:lstStyle/>
+                    <a:p>
+                      <a:r>
+                        <a:rPr lang="en-US" sz="1200" dirty="0" err="1" smtClean="0"/>
+                        <a:t>Piketty</a:t>
+                      </a:r>
+                      <a:endParaRPr lang="en-US" sz="1200" dirty="0"/>
+                    </a:p>
+                  </a:txBody>
+                  <a:tcPr/>
+                </a:tc>
+                <a:tc>
+                  <a:txBody>
+                    <a:bodyPr/>
+                    <a:lstStyle/>
+                    <a:p>
+                      <a:r>
+                        <a:rPr lang="en-US" sz="1200" dirty="0" smtClean="0"/>
+                        <a:t>Thomas</a:t>
+                      </a:r>
+                      <a:endParaRPr lang="en-US" sz="1200" dirty="0"/>
+                    </a:p>
+                  </a:txBody>
+                  <a:tcPr/>
+                </a:tc>
+                <a:tc>
+                  <a:txBody>
+                    <a:bodyPr/>
+                    <a:lstStyle/>
+                    <a:p>
+                      <a:r>
+                        <a:rPr lang="en-US" sz="1200" dirty="0" smtClean="0"/>
+                        <a:t>Economist</a:t>
+                      </a:r>
+                      <a:endParaRPr lang="en-US" sz="1200" dirty="0"/>
+                    </a:p>
+                  </a:txBody>
+                  <a:tcPr/>
+                </a:tc>
+                <a:tc>
+                  <a:txBody>
+                    <a:bodyPr/>
+                    <a:lstStyle/>
+                    <a:p>
+                      <a:r>
+                        <a:rPr lang="en-US" sz="1200" dirty="0" smtClean="0"/>
+                        <a:t>1971</a:t>
+                      </a:r>
+                      <a:endParaRPr lang="en-US" sz="1200" dirty="0"/>
+                    </a:p>
+                  </a:txBody>
+                  <a:tcPr/>
+                </a:tc>
+                <a:tc>
+                  <a:txBody>
+                    <a:bodyPr/>
+                    <a:lstStyle/>
+                    <a:p>
+                      <a:endParaRPr lang="en-US" sz="1200" dirty="0"/>
                     </a:p>
                   </a:txBody>
                   <a:tcPr/>
@@ -7629,14 +9608,14 @@
       </p:graphicFrame>
       <p:sp>
         <p:nvSpPr>
-          <p:cNvPr id="5" name="TextBox 4"/>
+          <p:cNvPr id="7" name="TextBox 6"/>
           <p:cNvSpPr txBox="1"/>
           <p:nvPr/>
         </p:nvSpPr>
         <p:spPr>
           <a:xfrm>
-            <a:off x="2677990" y="6370311"/>
-            <a:ext cx="825316" cy="369332"/>
+            <a:off x="2042642" y="5428245"/>
+            <a:ext cx="930588" cy="369332"/>
           </a:xfrm>
           <a:prstGeom prst="rect">
             <a:avLst/>
@@ -7655,7 +9634,7 @@
                   <a:schemeClr val="tx2"/>
                 </a:solidFill>
               </a:rPr>
-              <a:t>Visited</a:t>
+              <a:t>Authors</a:t>
             </a:r>
             <a:endParaRPr lang="en-US" dirty="0">
               <a:solidFill>
@@ -7735,34 +9714,773 @@
           <a:p>
             <a:r>
               <a:rPr lang="en-US" dirty="0" smtClean="0"/>
-              <a:t>Write a query that lists all radiation readings from the DR-1 site.</a:t>
-            </a:r>
-          </a:p>
-          <a:p>
-            <a:r>
-              <a:rPr lang="en-US" dirty="0" smtClean="0"/>
-              <a:t>Write a query that lists all salinity readings taken north of the 49</a:t>
-            </a:r>
-            <a:r>
-              <a:rPr lang="en-US" baseline="30000" dirty="0" smtClean="0"/>
-              <a:t>th</a:t>
-            </a:r>
-            <a:r>
-              <a:rPr lang="en-US" dirty="0" smtClean="0"/>
-              <a:t> parallel (</a:t>
-            </a:r>
-            <a:r>
-              <a:rPr lang="en-US" dirty="0" err="1" smtClean="0"/>
-              <a:t>lat</a:t>
-            </a:r>
-            <a:r>
-              <a:rPr lang="en-US" dirty="0" smtClean="0"/>
-              <a:t> &gt; -49).</a:t>
+              <a:t>The </a:t>
+            </a:r>
+            <a:r>
+              <a:rPr lang="en-US" dirty="0"/>
+              <a:t>relationship between </a:t>
+            </a:r>
+            <a:r>
+              <a:rPr lang="en-US" b="1" dirty="0"/>
+              <a:t>Works</a:t>
+            </a:r>
+            <a:r>
+              <a:rPr lang="en-US" dirty="0"/>
+              <a:t> and </a:t>
+            </a:r>
+            <a:r>
+              <a:rPr lang="en-US" b="1" dirty="0"/>
+              <a:t>Authors</a:t>
+            </a:r>
+            <a:r>
+              <a:rPr lang="en-US" dirty="0"/>
+              <a:t> is coded into the table </a:t>
+            </a:r>
+            <a:r>
+              <a:rPr lang="en-US" b="1" dirty="0" err="1"/>
+              <a:t>Works_Authors</a:t>
+            </a:r>
+            <a:r>
+              <a:rPr lang="en-US" dirty="0"/>
+              <a:t>. Can you write a query that displays all the authors involved with </a:t>
+            </a:r>
+            <a:r>
+              <a:rPr lang="en-US" i="1" dirty="0"/>
+              <a:t>SQL in a Nutshell</a:t>
+            </a:r>
+            <a:r>
+              <a:rPr lang="en-US" dirty="0"/>
+              <a:t> 3</a:t>
+            </a:r>
+            <a:r>
+              <a:rPr lang="en-US" baseline="30000" dirty="0"/>
+              <a:t>rd</a:t>
+            </a:r>
+            <a:r>
+              <a:rPr lang="en-US" dirty="0"/>
+              <a:t> edition, along with their role?</a:t>
             </a:r>
             <a:endParaRPr lang="en-US" dirty="0"/>
           </a:p>
         </p:txBody>
       </p:sp>
+      <p:graphicFrame>
+        <p:nvGraphicFramePr>
+          <p:cNvPr id="4" name="Table 3"/>
+          <p:cNvGraphicFramePr>
+            <a:graphicFrameLocks noGrp="1"/>
+          </p:cNvGraphicFramePr>
+          <p:nvPr>
+            <p:extLst>
+              <p:ext uri="{D42A27DB-BD31-4B8C-83A1-F6EECF244321}">
+                <p14:modId xmlns:p14="http://schemas.microsoft.com/office/powerpoint/2010/main" val="3816832974"/>
+              </p:ext>
+            </p:extLst>
+          </p:nvPr>
+        </p:nvGraphicFramePr>
+        <p:xfrm>
+          <a:off x="277918" y="4614166"/>
+          <a:ext cx="4736730" cy="274320"/>
+        </p:xfrm>
+        <a:graphic>
+          <a:graphicData uri="http://schemas.openxmlformats.org/drawingml/2006/table">
+            <a:tbl>
+              <a:tblPr firstRow="1" bandRow="1">
+                <a:tableStyleId>{B301B821-A1FF-4177-AEE7-76D212191A09}</a:tableStyleId>
+              </a:tblPr>
+              <a:tblGrid>
+                <a:gridCol w="837353"/>
+                <a:gridCol w="741557"/>
+                <a:gridCol w="789455"/>
+                <a:gridCol w="943749"/>
+                <a:gridCol w="635161"/>
+                <a:gridCol w="789455"/>
+              </a:tblGrid>
+              <a:tr h="237201">
+                <a:tc>
+                  <a:txBody>
+                    <a:bodyPr/>
+                    <a:lstStyle/>
+                    <a:p>
+                      <a:r>
+                        <a:rPr lang="en-US" sz="1200" dirty="0" err="1" smtClean="0"/>
+                        <a:t>author_ID</a:t>
+                      </a:r>
+                      <a:endParaRPr lang="en-US" sz="1200" dirty="0"/>
+                    </a:p>
+                  </a:txBody>
+                  <a:tcPr/>
+                </a:tc>
+                <a:tc>
+                  <a:txBody>
+                    <a:bodyPr/>
+                    <a:lstStyle/>
+                    <a:p>
+                      <a:r>
+                        <a:rPr lang="en-US" sz="1200" dirty="0" smtClean="0"/>
+                        <a:t>family</a:t>
+                      </a:r>
+                      <a:endParaRPr lang="en-US" sz="1200" dirty="0"/>
+                    </a:p>
+                  </a:txBody>
+                  <a:tcPr/>
+                </a:tc>
+                <a:tc>
+                  <a:txBody>
+                    <a:bodyPr/>
+                    <a:lstStyle/>
+                    <a:p>
+                      <a:r>
+                        <a:rPr lang="en-US" sz="1200" dirty="0" smtClean="0"/>
+                        <a:t>personal</a:t>
+                      </a:r>
+                      <a:endParaRPr lang="en-US" sz="1200" dirty="0"/>
+                    </a:p>
+                  </a:txBody>
+                  <a:tcPr/>
+                </a:tc>
+                <a:tc>
+                  <a:txBody>
+                    <a:bodyPr/>
+                    <a:lstStyle/>
+                    <a:p>
+                      <a:r>
+                        <a:rPr lang="en-US" sz="1200" dirty="0" smtClean="0"/>
+                        <a:t>occupation</a:t>
+                      </a:r>
+                      <a:endParaRPr lang="en-US" sz="1200" dirty="0"/>
+                    </a:p>
+                  </a:txBody>
+                  <a:tcPr/>
+                </a:tc>
+                <a:tc>
+                  <a:txBody>
+                    <a:bodyPr/>
+                    <a:lstStyle/>
+                    <a:p>
+                      <a:r>
+                        <a:rPr lang="en-US" sz="1200" dirty="0" smtClean="0"/>
+                        <a:t>birth</a:t>
+                      </a:r>
+                      <a:endParaRPr lang="en-US" sz="1200" dirty="0"/>
+                    </a:p>
+                  </a:txBody>
+                  <a:tcPr/>
+                </a:tc>
+                <a:tc>
+                  <a:txBody>
+                    <a:bodyPr/>
+                    <a:lstStyle/>
+                    <a:p>
+                      <a:r>
+                        <a:rPr lang="en-US" sz="1200" dirty="0" smtClean="0"/>
+                        <a:t>death</a:t>
+                      </a:r>
+                      <a:endParaRPr lang="en-US" sz="1200" dirty="0"/>
+                    </a:p>
+                  </a:txBody>
+                  <a:tcPr/>
+                </a:tc>
+              </a:tr>
+            </a:tbl>
+          </a:graphicData>
+        </a:graphic>
+      </p:graphicFrame>
+      <p:graphicFrame>
+        <p:nvGraphicFramePr>
+          <p:cNvPr id="6" name="Table 5"/>
+          <p:cNvGraphicFramePr>
+            <a:graphicFrameLocks noGrp="1"/>
+          </p:cNvGraphicFramePr>
+          <p:nvPr>
+            <p:extLst>
+              <p:ext uri="{D42A27DB-BD31-4B8C-83A1-F6EECF244321}">
+                <p14:modId xmlns:p14="http://schemas.microsoft.com/office/powerpoint/2010/main" val="395476368"/>
+              </p:ext>
+            </p:extLst>
+          </p:nvPr>
+        </p:nvGraphicFramePr>
+        <p:xfrm>
+          <a:off x="6001546" y="5248200"/>
+          <a:ext cx="2685278" cy="274320"/>
+        </p:xfrm>
+        <a:graphic>
+          <a:graphicData uri="http://schemas.openxmlformats.org/drawingml/2006/table">
+            <a:tbl>
+              <a:tblPr firstRow="1" bandRow="1">
+                <a:tableStyleId>{B301B821-A1FF-4177-AEE7-76D212191A09}</a:tableStyleId>
+              </a:tblPr>
+              <a:tblGrid>
+                <a:gridCol w="788503"/>
+                <a:gridCol w="838488"/>
+                <a:gridCol w="1058287"/>
+              </a:tblGrid>
+              <a:tr h="138132">
+                <a:tc>
+                  <a:txBody>
+                    <a:bodyPr/>
+                    <a:lstStyle/>
+                    <a:p>
+                      <a:r>
+                        <a:rPr lang="en-US" sz="1200" dirty="0" err="1" smtClean="0"/>
+                        <a:t>work_ID</a:t>
+                      </a:r>
+                      <a:endParaRPr lang="en-US" sz="1200" dirty="0"/>
+                    </a:p>
+                  </a:txBody>
+                  <a:tcPr/>
+                </a:tc>
+                <a:tc>
+                  <a:txBody>
+                    <a:bodyPr/>
+                    <a:lstStyle/>
+                    <a:p>
+                      <a:r>
+                        <a:rPr lang="en-US" sz="1200" dirty="0" err="1" smtClean="0"/>
+                        <a:t>author_ID</a:t>
+                      </a:r>
+                      <a:endParaRPr lang="en-US" sz="1200" dirty="0"/>
+                    </a:p>
+                  </a:txBody>
+                  <a:tcPr/>
+                </a:tc>
+                <a:tc>
+                  <a:txBody>
+                    <a:bodyPr/>
+                    <a:lstStyle/>
+                    <a:p>
+                      <a:r>
+                        <a:rPr lang="en-US" sz="1200" dirty="0" smtClean="0"/>
+                        <a:t>role</a:t>
+                      </a:r>
+                      <a:endParaRPr lang="en-US" sz="1200" dirty="0"/>
+                    </a:p>
+                  </a:txBody>
+                  <a:tcPr/>
+                </a:tc>
+              </a:tr>
+            </a:tbl>
+          </a:graphicData>
+        </a:graphic>
+      </p:graphicFrame>
+      <p:graphicFrame>
+        <p:nvGraphicFramePr>
+          <p:cNvPr id="7" name="Table 6"/>
+          <p:cNvGraphicFramePr>
+            <a:graphicFrameLocks noGrp="1"/>
+          </p:cNvGraphicFramePr>
+          <p:nvPr>
+            <p:extLst>
+              <p:ext uri="{D42A27DB-BD31-4B8C-83A1-F6EECF244321}">
+                <p14:modId xmlns:p14="http://schemas.microsoft.com/office/powerpoint/2010/main" val="1374198511"/>
+              </p:ext>
+            </p:extLst>
+          </p:nvPr>
+        </p:nvGraphicFramePr>
+        <p:xfrm>
+          <a:off x="1421007" y="6115634"/>
+          <a:ext cx="7187281" cy="274320"/>
+        </p:xfrm>
+        <a:graphic>
+          <a:graphicData uri="http://schemas.openxmlformats.org/drawingml/2006/table">
+            <a:tbl>
+              <a:tblPr firstRow="1" bandRow="1">
+                <a:tableStyleId>{B301B821-A1FF-4177-AEE7-76D212191A09}</a:tableStyleId>
+              </a:tblPr>
+              <a:tblGrid>
+                <a:gridCol w="807785"/>
+                <a:gridCol w="1237463"/>
+                <a:gridCol w="1263243"/>
+                <a:gridCol w="584357"/>
+                <a:gridCol w="1039812"/>
+                <a:gridCol w="885130"/>
+                <a:gridCol w="773414"/>
+                <a:gridCol w="596077"/>
+              </a:tblGrid>
+              <a:tr h="265756">
+                <a:tc>
+                  <a:txBody>
+                    <a:bodyPr/>
+                    <a:lstStyle/>
+                    <a:p>
+                      <a:r>
+                        <a:rPr lang="en-US" sz="1200" dirty="0" err="1" smtClean="0"/>
+                        <a:t>work_ID</a:t>
+                      </a:r>
+                      <a:endParaRPr lang="en-US" sz="1200" dirty="0"/>
+                    </a:p>
+                  </a:txBody>
+                  <a:tcPr/>
+                </a:tc>
+                <a:tc>
+                  <a:txBody>
+                    <a:bodyPr/>
+                    <a:lstStyle/>
+                    <a:p>
+                      <a:r>
+                        <a:rPr lang="en-US" sz="1200" dirty="0" smtClean="0"/>
+                        <a:t>title</a:t>
+                      </a:r>
+                      <a:endParaRPr lang="en-US" sz="1200" dirty="0"/>
+                    </a:p>
+                  </a:txBody>
+                  <a:tcPr/>
+                </a:tc>
+                <a:tc>
+                  <a:txBody>
+                    <a:bodyPr/>
+                    <a:lstStyle/>
+                    <a:p>
+                      <a:r>
+                        <a:rPr lang="en-US" sz="1200" dirty="0" smtClean="0"/>
+                        <a:t>ISBN</a:t>
+                      </a:r>
+                      <a:endParaRPr lang="en-US" sz="1200" dirty="0"/>
+                    </a:p>
+                  </a:txBody>
+                  <a:tcPr/>
+                </a:tc>
+                <a:tc>
+                  <a:txBody>
+                    <a:bodyPr/>
+                    <a:lstStyle/>
+                    <a:p>
+                      <a:r>
+                        <a:rPr lang="en-US" sz="1200" dirty="0" smtClean="0"/>
+                        <a:t>date</a:t>
+                      </a:r>
+                      <a:endParaRPr lang="en-US" sz="1200" dirty="0"/>
+                    </a:p>
+                  </a:txBody>
+                  <a:tcPr/>
+                </a:tc>
+                <a:tc>
+                  <a:txBody>
+                    <a:bodyPr/>
+                    <a:lstStyle/>
+                    <a:p>
+                      <a:r>
+                        <a:rPr lang="en-US" sz="1200" dirty="0" smtClean="0"/>
+                        <a:t>place</a:t>
+                      </a:r>
+                      <a:endParaRPr lang="en-US" sz="1200" dirty="0"/>
+                    </a:p>
+                  </a:txBody>
+                  <a:tcPr/>
+                </a:tc>
+                <a:tc>
+                  <a:txBody>
+                    <a:bodyPr/>
+                    <a:lstStyle/>
+                    <a:p>
+                      <a:r>
+                        <a:rPr lang="en-US" sz="1200" dirty="0" smtClean="0"/>
+                        <a:t>publisher</a:t>
+                      </a:r>
+                      <a:endParaRPr lang="en-US" sz="1200" dirty="0"/>
+                    </a:p>
+                  </a:txBody>
+                  <a:tcPr/>
+                </a:tc>
+                <a:tc>
+                  <a:txBody>
+                    <a:bodyPr/>
+                    <a:lstStyle/>
+                    <a:p>
+                      <a:r>
+                        <a:rPr lang="en-US" sz="1200" dirty="0" smtClean="0"/>
+                        <a:t>edition</a:t>
+                      </a:r>
+                      <a:endParaRPr lang="en-US" sz="1200" dirty="0"/>
+                    </a:p>
+                  </a:txBody>
+                  <a:tcPr/>
+                </a:tc>
+                <a:tc>
+                  <a:txBody>
+                    <a:bodyPr/>
+                    <a:lstStyle/>
+                    <a:p>
+                      <a:r>
+                        <a:rPr lang="en-US" sz="1200" dirty="0" smtClean="0"/>
+                        <a:t>pages</a:t>
+                      </a:r>
+                      <a:endParaRPr lang="en-US" sz="1200" dirty="0"/>
+                    </a:p>
+                  </a:txBody>
+                  <a:tcPr/>
+                </a:tc>
+              </a:tr>
+            </a:tbl>
+          </a:graphicData>
+        </a:graphic>
+      </p:graphicFrame>
+      <p:sp>
+        <p:nvSpPr>
+          <p:cNvPr id="8" name="TextBox 7"/>
+          <p:cNvSpPr txBox="1"/>
+          <p:nvPr/>
+        </p:nvSpPr>
+        <p:spPr>
+          <a:xfrm>
+            <a:off x="202503" y="4888486"/>
+            <a:ext cx="930588" cy="369332"/>
+          </a:xfrm>
+          <a:prstGeom prst="rect">
+            <a:avLst/>
+          </a:prstGeom>
+          <a:noFill/>
+        </p:spPr>
+        <p:txBody>
+          <a:bodyPr wrap="none" rtlCol="0">
+            <a:spAutoFit/>
+          </a:bodyPr>
+          <a:lstStyle/>
+          <a:p>
+            <a:r>
+              <a:rPr lang="en-US" dirty="0" smtClean="0">
+                <a:solidFill>
+                  <a:schemeClr val="tx2"/>
+                </a:solidFill>
+              </a:rPr>
+              <a:t>Authors</a:t>
+            </a:r>
+            <a:endParaRPr lang="en-US" dirty="0">
+              <a:solidFill>
+                <a:schemeClr val="tx2"/>
+              </a:solidFill>
+            </a:endParaRPr>
+          </a:p>
+        </p:txBody>
+      </p:sp>
+      <p:sp>
+        <p:nvSpPr>
+          <p:cNvPr id="9" name="TextBox 8"/>
+          <p:cNvSpPr txBox="1"/>
+          <p:nvPr/>
+        </p:nvSpPr>
+        <p:spPr>
+          <a:xfrm>
+            <a:off x="5913725" y="5535403"/>
+            <a:ext cx="1648333" cy="369332"/>
+          </a:xfrm>
+          <a:prstGeom prst="rect">
+            <a:avLst/>
+          </a:prstGeom>
+          <a:noFill/>
+        </p:spPr>
+        <p:txBody>
+          <a:bodyPr wrap="none" rtlCol="0">
+            <a:spAutoFit/>
+          </a:bodyPr>
+          <a:lstStyle/>
+          <a:p>
+            <a:r>
+              <a:rPr lang="en-US" dirty="0" err="1" smtClean="0">
+                <a:solidFill>
+                  <a:schemeClr val="tx2"/>
+                </a:solidFill>
+              </a:rPr>
+              <a:t>Works_Authors</a:t>
+            </a:r>
+            <a:endParaRPr lang="en-US" dirty="0">
+              <a:solidFill>
+                <a:schemeClr val="tx2"/>
+              </a:solidFill>
+            </a:endParaRPr>
+          </a:p>
+        </p:txBody>
+      </p:sp>
+      <p:sp>
+        <p:nvSpPr>
+          <p:cNvPr id="10" name="TextBox 9"/>
+          <p:cNvSpPr txBox="1"/>
+          <p:nvPr/>
+        </p:nvSpPr>
+        <p:spPr>
+          <a:xfrm>
+            <a:off x="1325871" y="6393624"/>
+            <a:ext cx="787445" cy="369332"/>
+          </a:xfrm>
+          <a:prstGeom prst="rect">
+            <a:avLst/>
+          </a:prstGeom>
+          <a:noFill/>
+        </p:spPr>
+        <p:txBody>
+          <a:bodyPr wrap="none" rtlCol="0">
+            <a:spAutoFit/>
+          </a:bodyPr>
+          <a:lstStyle/>
+          <a:p>
+            <a:r>
+              <a:rPr lang="en-US" dirty="0" smtClean="0">
+                <a:solidFill>
+                  <a:schemeClr val="tx2"/>
+                </a:solidFill>
+              </a:rPr>
+              <a:t>Works</a:t>
+            </a:r>
+            <a:endParaRPr lang="en-US" dirty="0">
+              <a:solidFill>
+                <a:schemeClr val="tx2"/>
+              </a:solidFill>
+            </a:endParaRPr>
+          </a:p>
+        </p:txBody>
+      </p:sp>
+      <p:cxnSp>
+        <p:nvCxnSpPr>
+          <p:cNvPr id="12" name="Straight Arrow Connector 11"/>
+          <p:cNvCxnSpPr/>
+          <p:nvPr/>
+        </p:nvCxnSpPr>
+        <p:spPr>
+          <a:xfrm flipH="1">
+            <a:off x="7143973" y="4182109"/>
+            <a:ext cx="1" cy="988343"/>
+          </a:xfrm>
+          <a:prstGeom prst="straightConnector1">
+            <a:avLst/>
+          </a:prstGeom>
+          <a:ln>
+            <a:tailEnd type="arrow"/>
+          </a:ln>
+        </p:spPr>
+        <p:style>
+          <a:lnRef idx="2">
+            <a:schemeClr val="accent1"/>
+          </a:lnRef>
+          <a:fillRef idx="0">
+            <a:schemeClr val="accent1"/>
+          </a:fillRef>
+          <a:effectRef idx="1">
+            <a:schemeClr val="accent1"/>
+          </a:effectRef>
+          <a:fontRef idx="minor">
+            <a:schemeClr val="tx1"/>
+          </a:fontRef>
+        </p:style>
+      </p:cxnSp>
+      <p:cxnSp>
+        <p:nvCxnSpPr>
+          <p:cNvPr id="13" name="Straight Connector 12"/>
+          <p:cNvCxnSpPr/>
+          <p:nvPr/>
+        </p:nvCxnSpPr>
+        <p:spPr>
+          <a:xfrm>
+            <a:off x="698148" y="4182109"/>
+            <a:ext cx="6445823" cy="0"/>
+          </a:xfrm>
+          <a:prstGeom prst="line">
+            <a:avLst/>
+          </a:prstGeom>
+        </p:spPr>
+        <p:style>
+          <a:lnRef idx="2">
+            <a:schemeClr val="accent1"/>
+          </a:lnRef>
+          <a:fillRef idx="0">
+            <a:schemeClr val="accent1"/>
+          </a:fillRef>
+          <a:effectRef idx="1">
+            <a:schemeClr val="accent1"/>
+          </a:effectRef>
+          <a:fontRef idx="minor">
+            <a:schemeClr val="tx1"/>
+          </a:fontRef>
+        </p:style>
+      </p:cxnSp>
+      <p:cxnSp>
+        <p:nvCxnSpPr>
+          <p:cNvPr id="14" name="Straight Arrow Connector 13"/>
+          <p:cNvCxnSpPr/>
+          <p:nvPr/>
+        </p:nvCxnSpPr>
+        <p:spPr>
+          <a:xfrm>
+            <a:off x="694189" y="4182109"/>
+            <a:ext cx="0" cy="369332"/>
+          </a:xfrm>
+          <a:prstGeom prst="straightConnector1">
+            <a:avLst/>
+          </a:prstGeom>
+          <a:ln>
+            <a:tailEnd type="arrow"/>
+          </a:ln>
+        </p:spPr>
+        <p:style>
+          <a:lnRef idx="2">
+            <a:schemeClr val="accent1"/>
+          </a:lnRef>
+          <a:fillRef idx="0">
+            <a:schemeClr val="accent1"/>
+          </a:fillRef>
+          <a:effectRef idx="1">
+            <a:schemeClr val="accent1"/>
+          </a:effectRef>
+          <a:fontRef idx="minor">
+            <a:schemeClr val="tx1"/>
+          </a:fontRef>
+        </p:style>
+      </p:cxnSp>
+      <p:cxnSp>
+        <p:nvCxnSpPr>
+          <p:cNvPr id="20" name="Straight Arrow Connector 19"/>
+          <p:cNvCxnSpPr/>
+          <p:nvPr/>
+        </p:nvCxnSpPr>
+        <p:spPr>
+          <a:xfrm>
+            <a:off x="6387564" y="4827562"/>
+            <a:ext cx="0" cy="342890"/>
+          </a:xfrm>
+          <a:prstGeom prst="straightConnector1">
+            <a:avLst/>
+          </a:prstGeom>
+          <a:ln>
+            <a:tailEnd type="arrow"/>
+          </a:ln>
+        </p:spPr>
+        <p:style>
+          <a:lnRef idx="2">
+            <a:schemeClr val="accent1"/>
+          </a:lnRef>
+          <a:fillRef idx="0">
+            <a:schemeClr val="accent1"/>
+          </a:fillRef>
+          <a:effectRef idx="1">
+            <a:schemeClr val="accent1"/>
+          </a:effectRef>
+          <a:fontRef idx="minor">
+            <a:schemeClr val="tx1"/>
+          </a:fontRef>
+        </p:style>
+      </p:cxnSp>
+      <p:cxnSp>
+        <p:nvCxnSpPr>
+          <p:cNvPr id="21" name="Straight Connector 20"/>
+          <p:cNvCxnSpPr/>
+          <p:nvPr/>
+        </p:nvCxnSpPr>
+        <p:spPr>
+          <a:xfrm flipV="1">
+            <a:off x="5493845" y="4819951"/>
+            <a:ext cx="893719" cy="36"/>
+          </a:xfrm>
+          <a:prstGeom prst="line">
+            <a:avLst/>
+          </a:prstGeom>
+        </p:spPr>
+        <p:style>
+          <a:lnRef idx="2">
+            <a:schemeClr val="accent1"/>
+          </a:lnRef>
+          <a:fillRef idx="0">
+            <a:schemeClr val="accent1"/>
+          </a:fillRef>
+          <a:effectRef idx="1">
+            <a:schemeClr val="accent1"/>
+          </a:effectRef>
+          <a:fontRef idx="minor">
+            <a:schemeClr val="tx1"/>
+          </a:fontRef>
+        </p:style>
+      </p:cxnSp>
+      <p:cxnSp>
+        <p:nvCxnSpPr>
+          <p:cNvPr id="22" name="Straight Connector 21"/>
+          <p:cNvCxnSpPr/>
+          <p:nvPr/>
+        </p:nvCxnSpPr>
+        <p:spPr>
+          <a:xfrm flipH="1">
+            <a:off x="5493846" y="4819987"/>
+            <a:ext cx="12660" cy="783785"/>
+          </a:xfrm>
+          <a:prstGeom prst="line">
+            <a:avLst/>
+          </a:prstGeom>
+        </p:spPr>
+        <p:style>
+          <a:lnRef idx="2">
+            <a:schemeClr val="accent1"/>
+          </a:lnRef>
+          <a:fillRef idx="0">
+            <a:schemeClr val="accent1"/>
+          </a:fillRef>
+          <a:effectRef idx="1">
+            <a:schemeClr val="accent1"/>
+          </a:effectRef>
+          <a:fontRef idx="minor">
+            <a:schemeClr val="tx1"/>
+          </a:fontRef>
+        </p:style>
+      </p:cxnSp>
+      <p:cxnSp>
+        <p:nvCxnSpPr>
+          <p:cNvPr id="23" name="Straight Connector 22"/>
+          <p:cNvCxnSpPr/>
+          <p:nvPr/>
+        </p:nvCxnSpPr>
+        <p:spPr>
+          <a:xfrm>
+            <a:off x="1802971" y="5603772"/>
+            <a:ext cx="3703535" cy="0"/>
+          </a:xfrm>
+          <a:prstGeom prst="line">
+            <a:avLst/>
+          </a:prstGeom>
+        </p:spPr>
+        <p:style>
+          <a:lnRef idx="2">
+            <a:schemeClr val="accent1"/>
+          </a:lnRef>
+          <a:fillRef idx="0">
+            <a:schemeClr val="accent1"/>
+          </a:fillRef>
+          <a:effectRef idx="1">
+            <a:schemeClr val="accent1"/>
+          </a:effectRef>
+          <a:fontRef idx="minor">
+            <a:schemeClr val="tx1"/>
+          </a:fontRef>
+        </p:style>
+      </p:cxnSp>
+      <p:cxnSp>
+        <p:nvCxnSpPr>
+          <p:cNvPr id="24" name="Straight Arrow Connector 23"/>
+          <p:cNvCxnSpPr/>
+          <p:nvPr/>
+        </p:nvCxnSpPr>
+        <p:spPr>
+          <a:xfrm>
+            <a:off x="1796662" y="5603772"/>
+            <a:ext cx="23913" cy="404518"/>
+          </a:xfrm>
+          <a:prstGeom prst="straightConnector1">
+            <a:avLst/>
+          </a:prstGeom>
+          <a:ln>
+            <a:tailEnd type="arrow"/>
+          </a:ln>
+        </p:spPr>
+        <p:style>
+          <a:lnRef idx="2">
+            <a:schemeClr val="accent1"/>
+          </a:lnRef>
+          <a:fillRef idx="0">
+            <a:schemeClr val="accent1"/>
+          </a:fillRef>
+          <a:effectRef idx="1">
+            <a:schemeClr val="accent1"/>
+          </a:effectRef>
+          <a:fontRef idx="minor">
+            <a:schemeClr val="tx1"/>
+          </a:fontRef>
+        </p:style>
+      </p:cxnSp>
     </p:spTree>
     <p:extLst>
       <p:ext uri="{BB962C8B-B14F-4D97-AF65-F5344CB8AC3E}">
@@ -7793,41 +10511,6 @@
           <a:chExt cx="0" cy="0"/>
         </a:xfrm>
       </p:grpSpPr>
-      <p:pic>
-        <p:nvPicPr>
-          <p:cNvPr id="6" name="Picture 5"/>
-          <p:cNvPicPr>
-            <a:picLocks noChangeAspect="1"/>
-          </p:cNvPicPr>
-          <p:nvPr/>
-        </p:nvPicPr>
-        <p:blipFill rotWithShape="1">
-          <a:blip r:embed="rId2">
-            <a:extLst>
-              <a:ext uri="{BEBA8EAE-BF5A-486C-A8C5-ECC9F3942E4B}">
-                <a14:imgProps xmlns:a14="http://schemas.microsoft.com/office/drawing/2010/main">
-                  <a14:imgLayer r:embed="rId3">
-                    <a14:imgEffect>
-                      <a14:brightnessContrast bright="20000" contrast="-40000"/>
-                    </a14:imgEffect>
-                  </a14:imgLayer>
-                </a14:imgProps>
-              </a:ext>
-            </a:extLst>
-          </a:blip>
-          <a:srcRect r="2890" b="7609"/>
-          <a:stretch/>
-        </p:blipFill>
-        <p:spPr>
-          <a:xfrm>
-            <a:off x="1298731" y="1882015"/>
-            <a:ext cx="7845269" cy="4975986"/>
-          </a:xfrm>
-          <a:prstGeom prst="rect">
-            <a:avLst/>
-          </a:prstGeom>
-        </p:spPr>
-      </p:pic>
       <p:sp>
         <p:nvSpPr>
           <p:cNvPr id="2" name="Title 1"/>
@@ -7845,7 +10528,7 @@
           <a:p>
             <a:r>
               <a:rPr lang="en-US" dirty="0" smtClean="0"/>
-              <a:t>Infected researchers</a:t>
+              <a:t>Challenge</a:t>
             </a:r>
             <a:endParaRPr lang="en-US" dirty="0"/>
           </a:p>
@@ -7867,9 +10550,600 @@
           <a:lstStyle/>
           <a:p>
             <a:r>
-              <a:rPr lang="en-US" dirty="0" smtClean="0"/>
-              <a:t>Write a query that displays the full name of the researcher(s) that took readings on the visit(s) for which the date was not recorded (is null).</a:t>
-            </a:r>
+              <a:rPr lang="en-US" dirty="0"/>
+              <a:t>Write a query that lists the amount of books published for each year in the catalog, and gives their average number of pages.</a:t>
+            </a:r>
+            <a:endParaRPr lang="en-US" dirty="0" smtClean="0"/>
+          </a:p>
+        </p:txBody>
+      </p:sp>
+      <p:graphicFrame>
+        <p:nvGraphicFramePr>
+          <p:cNvPr id="5" name="Table 4"/>
+          <p:cNvGraphicFramePr>
+            <a:graphicFrameLocks noGrp="1"/>
+          </p:cNvGraphicFramePr>
+          <p:nvPr>
+            <p:extLst>
+              <p:ext uri="{D42A27DB-BD31-4B8C-83A1-F6EECF244321}">
+                <p14:modId xmlns:p14="http://schemas.microsoft.com/office/powerpoint/2010/main" val="1291164950"/>
+              </p:ext>
+            </p:extLst>
+          </p:nvPr>
+        </p:nvGraphicFramePr>
+        <p:xfrm>
+          <a:off x="1084080" y="4923496"/>
+          <a:ext cx="7187281" cy="1097280"/>
+        </p:xfrm>
+        <a:graphic>
+          <a:graphicData uri="http://schemas.openxmlformats.org/drawingml/2006/table">
+            <a:tbl>
+              <a:tblPr firstRow="1" bandRow="1">
+                <a:tableStyleId>{B301B821-A1FF-4177-AEE7-76D212191A09}</a:tableStyleId>
+              </a:tblPr>
+              <a:tblGrid>
+                <a:gridCol w="807785"/>
+                <a:gridCol w="1237463"/>
+                <a:gridCol w="1263243"/>
+                <a:gridCol w="584357"/>
+                <a:gridCol w="1039812"/>
+                <a:gridCol w="885130"/>
+                <a:gridCol w="773414"/>
+                <a:gridCol w="596077"/>
+              </a:tblGrid>
+              <a:tr h="265756">
+                <a:tc>
+                  <a:txBody>
+                    <a:bodyPr/>
+                    <a:lstStyle/>
+                    <a:p>
+                      <a:r>
+                        <a:rPr lang="en-US" sz="1200" dirty="0" err="1" smtClean="0"/>
+                        <a:t>work_ID</a:t>
+                      </a:r>
+                      <a:endParaRPr lang="en-US" sz="1200" dirty="0"/>
+                    </a:p>
+                  </a:txBody>
+                  <a:tcPr/>
+                </a:tc>
+                <a:tc>
+                  <a:txBody>
+                    <a:bodyPr/>
+                    <a:lstStyle/>
+                    <a:p>
+                      <a:r>
+                        <a:rPr lang="en-US" sz="1200" dirty="0" smtClean="0"/>
+                        <a:t>title</a:t>
+                      </a:r>
+                      <a:endParaRPr lang="en-US" sz="1200" dirty="0"/>
+                    </a:p>
+                  </a:txBody>
+                  <a:tcPr/>
+                </a:tc>
+                <a:tc>
+                  <a:txBody>
+                    <a:bodyPr/>
+                    <a:lstStyle/>
+                    <a:p>
+                      <a:r>
+                        <a:rPr lang="en-US" sz="1200" dirty="0" smtClean="0"/>
+                        <a:t>ISBN</a:t>
+                      </a:r>
+                      <a:endParaRPr lang="en-US" sz="1200" dirty="0"/>
+                    </a:p>
+                  </a:txBody>
+                  <a:tcPr/>
+                </a:tc>
+                <a:tc>
+                  <a:txBody>
+                    <a:bodyPr/>
+                    <a:lstStyle/>
+                    <a:p>
+                      <a:r>
+                        <a:rPr lang="en-US" sz="1200" dirty="0" smtClean="0"/>
+                        <a:t>date</a:t>
+                      </a:r>
+                      <a:endParaRPr lang="en-US" sz="1200" dirty="0"/>
+                    </a:p>
+                  </a:txBody>
+                  <a:tcPr/>
+                </a:tc>
+                <a:tc>
+                  <a:txBody>
+                    <a:bodyPr/>
+                    <a:lstStyle/>
+                    <a:p>
+                      <a:r>
+                        <a:rPr lang="en-US" sz="1200" dirty="0" smtClean="0"/>
+                        <a:t>place</a:t>
+                      </a:r>
+                      <a:endParaRPr lang="en-US" sz="1200" dirty="0"/>
+                    </a:p>
+                  </a:txBody>
+                  <a:tcPr/>
+                </a:tc>
+                <a:tc>
+                  <a:txBody>
+                    <a:bodyPr/>
+                    <a:lstStyle/>
+                    <a:p>
+                      <a:r>
+                        <a:rPr lang="en-US" sz="1200" dirty="0" smtClean="0"/>
+                        <a:t>publisher</a:t>
+                      </a:r>
+                      <a:endParaRPr lang="en-US" sz="1200" dirty="0"/>
+                    </a:p>
+                  </a:txBody>
+                  <a:tcPr/>
+                </a:tc>
+                <a:tc>
+                  <a:txBody>
+                    <a:bodyPr/>
+                    <a:lstStyle/>
+                    <a:p>
+                      <a:r>
+                        <a:rPr lang="en-US" sz="1200" dirty="0" smtClean="0"/>
+                        <a:t>edition</a:t>
+                      </a:r>
+                      <a:endParaRPr lang="en-US" sz="1200" dirty="0"/>
+                    </a:p>
+                  </a:txBody>
+                  <a:tcPr/>
+                </a:tc>
+                <a:tc>
+                  <a:txBody>
+                    <a:bodyPr/>
+                    <a:lstStyle/>
+                    <a:p>
+                      <a:r>
+                        <a:rPr lang="en-US" sz="1200" dirty="0" smtClean="0"/>
+                        <a:t>pages</a:t>
+                      </a:r>
+                      <a:endParaRPr lang="en-US" sz="1200" dirty="0"/>
+                    </a:p>
+                  </a:txBody>
+                  <a:tcPr/>
+                </a:tc>
+              </a:tr>
+              <a:tr h="265756">
+                <a:tc>
+                  <a:txBody>
+                    <a:bodyPr/>
+                    <a:lstStyle/>
+                    <a:p>
+                      <a:r>
+                        <a:rPr lang="en-US" sz="1200" dirty="0" smtClean="0"/>
+                        <a:t>1</a:t>
+                      </a:r>
+                      <a:endParaRPr lang="en-US" sz="1200" dirty="0"/>
+                    </a:p>
+                  </a:txBody>
+                  <a:tcPr/>
+                </a:tc>
+                <a:tc>
+                  <a:txBody>
+                    <a:bodyPr/>
+                    <a:lstStyle/>
+                    <a:p>
+                      <a:r>
+                        <a:rPr lang="en-US" sz="1200" dirty="0" smtClean="0"/>
+                        <a:t>SQL</a:t>
+                      </a:r>
+                      <a:r>
+                        <a:rPr lang="en-US" sz="1200" baseline="0" dirty="0" smtClean="0"/>
+                        <a:t> in a nutshell</a:t>
+                      </a:r>
+                      <a:endParaRPr lang="en-US" sz="1200" dirty="0"/>
+                    </a:p>
+                  </a:txBody>
+                  <a:tcPr/>
+                </a:tc>
+                <a:tc>
+                  <a:txBody>
+                    <a:bodyPr/>
+                    <a:lstStyle/>
+                    <a:p>
+                      <a:pPr marL="0" marR="0" indent="0" algn="l" defTabSz="457200" rtl="0" eaLnBrk="1" fontAlgn="auto" latinLnBrk="0" hangingPunct="1">
+                        <a:lnSpc>
+                          <a:spcPct val="100000"/>
+                        </a:lnSpc>
+                        <a:spcBef>
+                          <a:spcPts val="0"/>
+                        </a:spcBef>
+                        <a:spcAft>
+                          <a:spcPts val="0"/>
+                        </a:spcAft>
+                        <a:buClrTx/>
+                        <a:buSzTx/>
+                        <a:buFontTx/>
+                        <a:buNone/>
+                        <a:tabLst/>
+                        <a:defRPr/>
+                      </a:pPr>
+                      <a:r>
+                        <a:rPr lang="en-US" sz="1200" dirty="0" smtClean="0"/>
+                        <a:t>9780596518844</a:t>
+                      </a:r>
+                      <a:endParaRPr lang="en-US" sz="1200" dirty="0"/>
+                    </a:p>
+                  </a:txBody>
+                  <a:tcPr/>
+                </a:tc>
+                <a:tc>
+                  <a:txBody>
+                    <a:bodyPr/>
+                    <a:lstStyle/>
+                    <a:p>
+                      <a:r>
+                        <a:rPr lang="en-US" sz="1200" dirty="0" smtClean="0"/>
+                        <a:t>2009</a:t>
+                      </a:r>
+                      <a:endParaRPr lang="en-US" sz="1200" dirty="0"/>
+                    </a:p>
+                  </a:txBody>
+                  <a:tcPr/>
+                </a:tc>
+                <a:tc>
+                  <a:txBody>
+                    <a:bodyPr/>
+                    <a:lstStyle/>
+                    <a:p>
+                      <a:r>
+                        <a:rPr lang="en-US" sz="1200" dirty="0" smtClean="0"/>
+                        <a:t>Sebastopol</a:t>
+                      </a:r>
+                      <a:endParaRPr lang="en-US" sz="1200" dirty="0"/>
+                    </a:p>
+                  </a:txBody>
+                  <a:tcPr/>
+                </a:tc>
+                <a:tc>
+                  <a:txBody>
+                    <a:bodyPr/>
+                    <a:lstStyle/>
+                    <a:p>
+                      <a:r>
+                        <a:rPr lang="en-US" sz="1200" dirty="0" smtClean="0"/>
+                        <a:t>O’Reilly</a:t>
+                      </a:r>
+                      <a:endParaRPr lang="en-US" sz="1200" dirty="0"/>
+                    </a:p>
+                  </a:txBody>
+                  <a:tcPr/>
+                </a:tc>
+                <a:tc>
+                  <a:txBody>
+                    <a:bodyPr/>
+                    <a:lstStyle/>
+                    <a:p>
+                      <a:r>
+                        <a:rPr lang="en-US" sz="1200" dirty="0" smtClean="0"/>
+                        <a:t>3</a:t>
+                      </a:r>
+                      <a:r>
+                        <a:rPr lang="en-US" sz="1200" baseline="30000" dirty="0" smtClean="0"/>
+                        <a:t>rd</a:t>
+                      </a:r>
+                      <a:r>
+                        <a:rPr lang="en-US" sz="1200" dirty="0" smtClean="0"/>
+                        <a:t> ed.</a:t>
+                      </a:r>
+                      <a:endParaRPr lang="en-US" sz="1200" dirty="0"/>
+                    </a:p>
+                  </a:txBody>
+                  <a:tcPr/>
+                </a:tc>
+                <a:tc>
+                  <a:txBody>
+                    <a:bodyPr/>
+                    <a:lstStyle/>
+                    <a:p>
+                      <a:r>
+                        <a:rPr lang="en-US" sz="1200" dirty="0" smtClean="0"/>
+                        <a:t>578</a:t>
+                      </a:r>
+                      <a:endParaRPr lang="en-US" sz="1200" dirty="0"/>
+                    </a:p>
+                  </a:txBody>
+                  <a:tcPr/>
+                </a:tc>
+              </a:tr>
+              <a:tr h="265756">
+                <a:tc>
+                  <a:txBody>
+                    <a:bodyPr/>
+                    <a:lstStyle/>
+                    <a:p>
+                      <a:r>
+                        <a:rPr lang="en-US" sz="1200" dirty="0" smtClean="0"/>
+                        <a:t>2</a:t>
+                      </a:r>
+                      <a:endParaRPr lang="en-US" sz="1200" dirty="0"/>
+                    </a:p>
+                  </a:txBody>
+                  <a:tcPr/>
+                </a:tc>
+                <a:tc>
+                  <a:txBody>
+                    <a:bodyPr/>
+                    <a:lstStyle/>
+                    <a:p>
+                      <a:r>
+                        <a:rPr lang="en-US" sz="1200" dirty="0" smtClean="0"/>
+                        <a:t>SQL for dummies</a:t>
+                      </a:r>
+                      <a:endParaRPr lang="en-US" sz="1200" dirty="0"/>
+                    </a:p>
+                  </a:txBody>
+                  <a:tcPr/>
+                </a:tc>
+                <a:tc>
+                  <a:txBody>
+                    <a:bodyPr/>
+                    <a:lstStyle/>
+                    <a:p>
+                      <a:r>
+                        <a:rPr lang="en-US" sz="1200" dirty="0" smtClean="0"/>
+                        <a:t>9781118607961</a:t>
+                      </a:r>
+                      <a:endParaRPr lang="en-US" sz="1200" dirty="0"/>
+                    </a:p>
+                  </a:txBody>
+                  <a:tcPr/>
+                </a:tc>
+                <a:tc>
+                  <a:txBody>
+                    <a:bodyPr/>
+                    <a:lstStyle/>
+                    <a:p>
+                      <a:r>
+                        <a:rPr lang="en-US" sz="1200" dirty="0" smtClean="0"/>
+                        <a:t>2013</a:t>
+                      </a:r>
+                      <a:endParaRPr lang="en-US" sz="1200" dirty="0"/>
+                    </a:p>
+                  </a:txBody>
+                  <a:tcPr/>
+                </a:tc>
+                <a:tc>
+                  <a:txBody>
+                    <a:bodyPr/>
+                    <a:lstStyle/>
+                    <a:p>
+                      <a:r>
+                        <a:rPr lang="en-US" sz="1200" dirty="0" smtClean="0"/>
+                        <a:t>Hoboken</a:t>
+                      </a:r>
+                      <a:endParaRPr lang="en-US" sz="1200" dirty="0"/>
+                    </a:p>
+                  </a:txBody>
+                  <a:tcPr/>
+                </a:tc>
+                <a:tc>
+                  <a:txBody>
+                    <a:bodyPr/>
+                    <a:lstStyle/>
+                    <a:p>
+                      <a:r>
+                        <a:rPr lang="en-US" sz="1200" dirty="0" smtClean="0"/>
+                        <a:t>Wiley</a:t>
+                      </a:r>
+                      <a:endParaRPr lang="en-US" sz="1200" dirty="0"/>
+                    </a:p>
+                  </a:txBody>
+                  <a:tcPr/>
+                </a:tc>
+                <a:tc>
+                  <a:txBody>
+                    <a:bodyPr/>
+                    <a:lstStyle/>
+                    <a:p>
+                      <a:r>
+                        <a:rPr lang="en-US" sz="1200" dirty="0" smtClean="0"/>
+                        <a:t>8</a:t>
+                      </a:r>
+                      <a:r>
+                        <a:rPr lang="en-US" sz="1200" baseline="30000" dirty="0" smtClean="0"/>
+                        <a:t>th</a:t>
+                      </a:r>
+                      <a:r>
+                        <a:rPr lang="en-US" sz="1200" dirty="0" smtClean="0"/>
+                        <a:t> ed.</a:t>
+                      </a:r>
+                      <a:endParaRPr lang="en-US" sz="1200" dirty="0"/>
+                    </a:p>
+                  </a:txBody>
+                  <a:tcPr/>
+                </a:tc>
+                <a:tc>
+                  <a:txBody>
+                    <a:bodyPr/>
+                    <a:lstStyle/>
+                    <a:p>
+                      <a:endParaRPr lang="en-US" sz="1200" dirty="0"/>
+                    </a:p>
+                  </a:txBody>
+                  <a:tcPr/>
+                </a:tc>
+              </a:tr>
+              <a:tr h="265756">
+                <a:tc>
+                  <a:txBody>
+                    <a:bodyPr/>
+                    <a:lstStyle/>
+                    <a:p>
+                      <a:r>
+                        <a:rPr lang="en-US" sz="1200" dirty="0" smtClean="0"/>
+                        <a:t>3</a:t>
+                      </a:r>
+                      <a:endParaRPr lang="en-US" sz="1200" dirty="0"/>
+                    </a:p>
+                  </a:txBody>
+                  <a:tcPr/>
+                </a:tc>
+                <a:tc>
+                  <a:txBody>
+                    <a:bodyPr/>
+                    <a:lstStyle/>
+                    <a:p>
+                      <a:r>
+                        <a:rPr lang="en-US" sz="1200" dirty="0" smtClean="0"/>
+                        <a:t>PHP &amp; MySQL</a:t>
+                      </a:r>
+                      <a:endParaRPr lang="en-US" sz="1200" dirty="0"/>
+                    </a:p>
+                  </a:txBody>
+                  <a:tcPr/>
+                </a:tc>
+                <a:tc>
+                  <a:txBody>
+                    <a:bodyPr/>
+                    <a:lstStyle/>
+                    <a:p>
+                      <a:pPr marL="0" marR="0" indent="0" algn="l" defTabSz="457200" rtl="0" eaLnBrk="1" fontAlgn="auto" latinLnBrk="0" hangingPunct="1">
+                        <a:lnSpc>
+                          <a:spcPct val="100000"/>
+                        </a:lnSpc>
+                        <a:spcBef>
+                          <a:spcPts val="0"/>
+                        </a:spcBef>
+                        <a:spcAft>
+                          <a:spcPts val="0"/>
+                        </a:spcAft>
+                        <a:buClrTx/>
+                        <a:buSzTx/>
+                        <a:buFontTx/>
+                        <a:buNone/>
+                        <a:tabLst/>
+                        <a:defRPr/>
+                      </a:pPr>
+                      <a:r>
+                        <a:rPr lang="en-US" sz="1200" dirty="0" smtClean="0"/>
+                        <a:t>9781449325572</a:t>
+                      </a:r>
+                      <a:endParaRPr lang="en-US" sz="1200" dirty="0"/>
+                    </a:p>
+                  </a:txBody>
+                  <a:tcPr/>
+                </a:tc>
+                <a:tc>
+                  <a:txBody>
+                    <a:bodyPr/>
+                    <a:lstStyle/>
+                    <a:p>
+                      <a:r>
+                        <a:rPr lang="en-US" sz="1200" dirty="0" smtClean="0"/>
+                        <a:t>2013</a:t>
+                      </a:r>
+                      <a:endParaRPr lang="en-US" sz="1200" dirty="0"/>
+                    </a:p>
+                  </a:txBody>
+                  <a:tcPr/>
+                </a:tc>
+                <a:tc>
+                  <a:txBody>
+                    <a:bodyPr/>
+                    <a:lstStyle/>
+                    <a:p>
+                      <a:r>
+                        <a:rPr lang="en-US" sz="1200" dirty="0" smtClean="0"/>
+                        <a:t>Sebastopol</a:t>
+                      </a:r>
+                      <a:endParaRPr lang="en-US" sz="1200" dirty="0"/>
+                    </a:p>
+                  </a:txBody>
+                  <a:tcPr/>
+                </a:tc>
+                <a:tc>
+                  <a:txBody>
+                    <a:bodyPr/>
+                    <a:lstStyle/>
+                    <a:p>
+                      <a:r>
+                        <a:rPr lang="en-US" sz="1200" dirty="0" smtClean="0"/>
+                        <a:t>O’Reilly</a:t>
+                      </a:r>
+                      <a:endParaRPr lang="en-US" sz="1200" dirty="0"/>
+                    </a:p>
+                  </a:txBody>
+                  <a:tcPr/>
+                </a:tc>
+                <a:tc>
+                  <a:txBody>
+                    <a:bodyPr/>
+                    <a:lstStyle/>
+                    <a:p>
+                      <a:r>
+                        <a:rPr lang="en-US" sz="1200" dirty="0" smtClean="0"/>
+                        <a:t>2</a:t>
+                      </a:r>
+                      <a:r>
+                        <a:rPr lang="en-US" sz="1200" baseline="30000" dirty="0" smtClean="0"/>
+                        <a:t>nd</a:t>
+                      </a:r>
+                      <a:r>
+                        <a:rPr lang="en-US" sz="1200" dirty="0" smtClean="0"/>
+                        <a:t> ed.</a:t>
+                      </a:r>
+                      <a:endParaRPr lang="en-US" sz="1200" dirty="0"/>
+                    </a:p>
+                  </a:txBody>
+                  <a:tcPr/>
+                </a:tc>
+                <a:tc>
+                  <a:txBody>
+                    <a:bodyPr/>
+                    <a:lstStyle/>
+                    <a:p>
+                      <a:r>
+                        <a:rPr lang="en-US" sz="1200" dirty="0" smtClean="0"/>
+                        <a:t>532</a:t>
+                      </a:r>
+                      <a:endParaRPr lang="en-US" sz="1200" dirty="0"/>
+                    </a:p>
+                  </a:txBody>
+                  <a:tcPr/>
+                </a:tc>
+              </a:tr>
+            </a:tbl>
+          </a:graphicData>
+        </a:graphic>
+      </p:graphicFrame>
+      <p:sp>
+        <p:nvSpPr>
+          <p:cNvPr id="7" name="TextBox 6"/>
+          <p:cNvSpPr txBox="1"/>
+          <p:nvPr/>
+        </p:nvSpPr>
+        <p:spPr>
+          <a:xfrm>
+            <a:off x="988944" y="5978966"/>
+            <a:ext cx="787445" cy="369332"/>
+          </a:xfrm>
+          <a:prstGeom prst="rect">
+            <a:avLst/>
+          </a:prstGeom>
+          <a:noFill/>
+        </p:spPr>
+        <p:txBody>
+          <a:bodyPr wrap="none" rtlCol="0">
+            <a:spAutoFit/>
+          </a:bodyPr>
+          <a:lstStyle/>
+          <a:p>
+            <a:r>
+              <a:rPr lang="en-US" dirty="0" smtClean="0">
+                <a:solidFill>
+                  <a:schemeClr val="tx2"/>
+                </a:solidFill>
+              </a:rPr>
+              <a:t>Works</a:t>
+            </a:r>
+            <a:endParaRPr lang="en-US" dirty="0">
+              <a:solidFill>
+                <a:schemeClr val="tx2"/>
+              </a:solidFill>
+            </a:endParaRPr>
           </a:p>
         </p:txBody>
       </p:sp>
@@ -7949,8 +11223,12 @@
           <a:lstStyle/>
           <a:p>
             <a:r>
+              <a:rPr lang="en-US" dirty="0"/>
+              <a:t>C</a:t>
+            </a:r>
+            <a:r>
               <a:rPr lang="en-US" dirty="0" smtClean="0"/>
-              <a:t>Extra challenge</a:t>
+              <a:t>hallenge</a:t>
             </a:r>
             <a:endParaRPr lang="en-US" dirty="0"/>
           </a:p>
@@ -7973,24 +11251,625 @@
           <a:p>
             <a:r>
               <a:rPr lang="en-US" dirty="0"/>
-              <a:t>How many temperature readings did Frank </a:t>
-            </a:r>
-            <a:r>
-              <a:rPr lang="en-US" dirty="0" err="1"/>
-              <a:t>Pabodie</a:t>
+              <a:t>I</a:t>
+            </a:r>
+            <a:r>
+              <a:rPr lang="en-US" dirty="0" smtClean="0"/>
+              <a:t>t </a:t>
             </a:r>
             <a:r>
               <a:rPr lang="en-US" dirty="0"/>
-              <a:t> record, and what was their average </a:t>
+              <a:t>takes on average 38 seconds to read a page of a book that has been published by O'Reilly, </a:t>
             </a:r>
             <a:r>
               <a:rPr lang="en-US" dirty="0" smtClean="0"/>
-              <a:t>value?</a:t>
-            </a:r>
+              <a:t>+ an extra 89 </a:t>
+            </a:r>
+            <a:r>
+              <a:rPr lang="en-US" dirty="0"/>
+              <a:t>minutes for each book </a:t>
+            </a:r>
+            <a:r>
+              <a:rPr lang="en-US" dirty="0" smtClean="0"/>
+              <a:t>spend </a:t>
+            </a:r>
+            <a:r>
+              <a:rPr lang="en-US" dirty="0"/>
+              <a:t>looking up references online. Write a query to compute the amount of hours required to read those titles.</a:t>
+            </a:r>
+          </a:p>
+          <a:p>
             <a:endParaRPr lang="en-US" dirty="0"/>
           </a:p>
-          <a:p>
-            <a:endParaRPr lang="en-US" dirty="0"/>
+        </p:txBody>
+      </p:sp>
+      <p:graphicFrame>
+        <p:nvGraphicFramePr>
+          <p:cNvPr id="4" name="Table 3"/>
+          <p:cNvGraphicFramePr>
+            <a:graphicFrameLocks noGrp="1"/>
+          </p:cNvGraphicFramePr>
+          <p:nvPr>
+            <p:extLst>
+              <p:ext uri="{D42A27DB-BD31-4B8C-83A1-F6EECF244321}">
+                <p14:modId xmlns:p14="http://schemas.microsoft.com/office/powerpoint/2010/main" val="501857634"/>
+              </p:ext>
+            </p:extLst>
+          </p:nvPr>
+        </p:nvGraphicFramePr>
+        <p:xfrm>
+          <a:off x="1084080" y="4923496"/>
+          <a:ext cx="7187281" cy="1097280"/>
+        </p:xfrm>
+        <a:graphic>
+          <a:graphicData uri="http://schemas.openxmlformats.org/drawingml/2006/table">
+            <a:tbl>
+              <a:tblPr firstRow="1" bandRow="1">
+                <a:tableStyleId>{B301B821-A1FF-4177-AEE7-76D212191A09}</a:tableStyleId>
+              </a:tblPr>
+              <a:tblGrid>
+                <a:gridCol w="807785"/>
+                <a:gridCol w="1237463"/>
+                <a:gridCol w="1263243"/>
+                <a:gridCol w="584357"/>
+                <a:gridCol w="1039812"/>
+                <a:gridCol w="885130"/>
+                <a:gridCol w="773414"/>
+                <a:gridCol w="596077"/>
+              </a:tblGrid>
+              <a:tr h="265756">
+                <a:tc>
+                  <a:txBody>
+                    <a:bodyPr/>
+                    <a:lstStyle/>
+                    <a:p>
+                      <a:r>
+                        <a:rPr lang="en-US" sz="1200" dirty="0" err="1" smtClean="0"/>
+                        <a:t>work_ID</a:t>
+                      </a:r>
+                      <a:endParaRPr lang="en-US" sz="1200" dirty="0"/>
+                    </a:p>
+                  </a:txBody>
+                  <a:tcPr/>
+                </a:tc>
+                <a:tc>
+                  <a:txBody>
+                    <a:bodyPr/>
+                    <a:lstStyle/>
+                    <a:p>
+                      <a:r>
+                        <a:rPr lang="en-US" sz="1200" dirty="0" smtClean="0"/>
+                        <a:t>title</a:t>
+                      </a:r>
+                      <a:endParaRPr lang="en-US" sz="1200" dirty="0"/>
+                    </a:p>
+                  </a:txBody>
+                  <a:tcPr/>
+                </a:tc>
+                <a:tc>
+                  <a:txBody>
+                    <a:bodyPr/>
+                    <a:lstStyle/>
+                    <a:p>
+                      <a:r>
+                        <a:rPr lang="en-US" sz="1200" dirty="0" smtClean="0"/>
+                        <a:t>ISBN</a:t>
+                      </a:r>
+                      <a:endParaRPr lang="en-US" sz="1200" dirty="0"/>
+                    </a:p>
+                  </a:txBody>
+                  <a:tcPr/>
+                </a:tc>
+                <a:tc>
+                  <a:txBody>
+                    <a:bodyPr/>
+                    <a:lstStyle/>
+                    <a:p>
+                      <a:r>
+                        <a:rPr lang="en-US" sz="1200" dirty="0" smtClean="0"/>
+                        <a:t>date</a:t>
+                      </a:r>
+                      <a:endParaRPr lang="en-US" sz="1200" dirty="0"/>
+                    </a:p>
+                  </a:txBody>
+                  <a:tcPr/>
+                </a:tc>
+                <a:tc>
+                  <a:txBody>
+                    <a:bodyPr/>
+                    <a:lstStyle/>
+                    <a:p>
+                      <a:r>
+                        <a:rPr lang="en-US" sz="1200" dirty="0" smtClean="0"/>
+                        <a:t>place</a:t>
+                      </a:r>
+                      <a:endParaRPr lang="en-US" sz="1200" dirty="0"/>
+                    </a:p>
+                  </a:txBody>
+                  <a:tcPr/>
+                </a:tc>
+                <a:tc>
+                  <a:txBody>
+                    <a:bodyPr/>
+                    <a:lstStyle/>
+                    <a:p>
+                      <a:r>
+                        <a:rPr lang="en-US" sz="1200" dirty="0" smtClean="0"/>
+                        <a:t>publisher</a:t>
+                      </a:r>
+                      <a:endParaRPr lang="en-US" sz="1200" dirty="0"/>
+                    </a:p>
+                  </a:txBody>
+                  <a:tcPr/>
+                </a:tc>
+                <a:tc>
+                  <a:txBody>
+                    <a:bodyPr/>
+                    <a:lstStyle/>
+                    <a:p>
+                      <a:r>
+                        <a:rPr lang="en-US" sz="1200" dirty="0" smtClean="0"/>
+                        <a:t>edition</a:t>
+                      </a:r>
+                      <a:endParaRPr lang="en-US" sz="1200" dirty="0"/>
+                    </a:p>
+                  </a:txBody>
+                  <a:tcPr/>
+                </a:tc>
+                <a:tc>
+                  <a:txBody>
+                    <a:bodyPr/>
+                    <a:lstStyle/>
+                    <a:p>
+                      <a:r>
+                        <a:rPr lang="en-US" sz="1200" dirty="0" smtClean="0"/>
+                        <a:t>pages</a:t>
+                      </a:r>
+                      <a:endParaRPr lang="en-US" sz="1200" dirty="0"/>
+                    </a:p>
+                  </a:txBody>
+                  <a:tcPr/>
+                </a:tc>
+              </a:tr>
+              <a:tr h="265756">
+                <a:tc>
+                  <a:txBody>
+                    <a:bodyPr/>
+                    <a:lstStyle/>
+                    <a:p>
+                      <a:r>
+                        <a:rPr lang="en-US" sz="1200" dirty="0" smtClean="0"/>
+                        <a:t>1</a:t>
+                      </a:r>
+                      <a:endParaRPr lang="en-US" sz="1200" dirty="0"/>
+                    </a:p>
+                  </a:txBody>
+                  <a:tcPr/>
+                </a:tc>
+                <a:tc>
+                  <a:txBody>
+                    <a:bodyPr/>
+                    <a:lstStyle/>
+                    <a:p>
+                      <a:r>
+                        <a:rPr lang="en-US" sz="1200" dirty="0" smtClean="0"/>
+                        <a:t>SQL</a:t>
+                      </a:r>
+                      <a:r>
+                        <a:rPr lang="en-US" sz="1200" baseline="0" dirty="0" smtClean="0"/>
+                        <a:t> in a nutshell</a:t>
+                      </a:r>
+                      <a:endParaRPr lang="en-US" sz="1200" dirty="0"/>
+                    </a:p>
+                  </a:txBody>
+                  <a:tcPr/>
+                </a:tc>
+                <a:tc>
+                  <a:txBody>
+                    <a:bodyPr/>
+                    <a:lstStyle/>
+                    <a:p>
+                      <a:pPr marL="0" marR="0" indent="0" algn="l" defTabSz="457200" rtl="0" eaLnBrk="1" fontAlgn="auto" latinLnBrk="0" hangingPunct="1">
+                        <a:lnSpc>
+                          <a:spcPct val="100000"/>
+                        </a:lnSpc>
+                        <a:spcBef>
+                          <a:spcPts val="0"/>
+                        </a:spcBef>
+                        <a:spcAft>
+                          <a:spcPts val="0"/>
+                        </a:spcAft>
+                        <a:buClrTx/>
+                        <a:buSzTx/>
+                        <a:buFontTx/>
+                        <a:buNone/>
+                        <a:tabLst/>
+                        <a:defRPr/>
+                      </a:pPr>
+                      <a:r>
+                        <a:rPr lang="en-US" sz="1200" dirty="0" smtClean="0"/>
+                        <a:t>9780596518844</a:t>
+                      </a:r>
+                      <a:endParaRPr lang="en-US" sz="1200" dirty="0"/>
+                    </a:p>
+                  </a:txBody>
+                  <a:tcPr/>
+                </a:tc>
+                <a:tc>
+                  <a:txBody>
+                    <a:bodyPr/>
+                    <a:lstStyle/>
+                    <a:p>
+                      <a:r>
+                        <a:rPr lang="en-US" sz="1200" dirty="0" smtClean="0"/>
+                        <a:t>2009</a:t>
+                      </a:r>
+                      <a:endParaRPr lang="en-US" sz="1200" dirty="0"/>
+                    </a:p>
+                  </a:txBody>
+                  <a:tcPr/>
+                </a:tc>
+                <a:tc>
+                  <a:txBody>
+                    <a:bodyPr/>
+                    <a:lstStyle/>
+                    <a:p>
+                      <a:r>
+                        <a:rPr lang="en-US" sz="1200" dirty="0" smtClean="0"/>
+                        <a:t>Sebastopol</a:t>
+                      </a:r>
+                      <a:endParaRPr lang="en-US" sz="1200" dirty="0"/>
+                    </a:p>
+                  </a:txBody>
+                  <a:tcPr/>
+                </a:tc>
+                <a:tc>
+                  <a:txBody>
+                    <a:bodyPr/>
+                    <a:lstStyle/>
+                    <a:p>
+                      <a:r>
+                        <a:rPr lang="en-US" sz="1200" dirty="0" smtClean="0"/>
+                        <a:t>O’Reilly</a:t>
+                      </a:r>
+                      <a:endParaRPr lang="en-US" sz="1200" dirty="0"/>
+                    </a:p>
+                  </a:txBody>
+                  <a:tcPr/>
+                </a:tc>
+                <a:tc>
+                  <a:txBody>
+                    <a:bodyPr/>
+                    <a:lstStyle/>
+                    <a:p>
+                      <a:r>
+                        <a:rPr lang="en-US" sz="1200" dirty="0" smtClean="0"/>
+                        <a:t>3</a:t>
+                      </a:r>
+                      <a:r>
+                        <a:rPr lang="en-US" sz="1200" baseline="30000" dirty="0" smtClean="0"/>
+                        <a:t>rd</a:t>
+                      </a:r>
+                      <a:r>
+                        <a:rPr lang="en-US" sz="1200" dirty="0" smtClean="0"/>
+                        <a:t> ed.</a:t>
+                      </a:r>
+                      <a:endParaRPr lang="en-US" sz="1200" dirty="0"/>
+                    </a:p>
+                  </a:txBody>
+                  <a:tcPr/>
+                </a:tc>
+                <a:tc>
+                  <a:txBody>
+                    <a:bodyPr/>
+                    <a:lstStyle/>
+                    <a:p>
+                      <a:r>
+                        <a:rPr lang="en-US" sz="1200" dirty="0" smtClean="0"/>
+                        <a:t>578</a:t>
+                      </a:r>
+                      <a:endParaRPr lang="en-US" sz="1200" dirty="0"/>
+                    </a:p>
+                  </a:txBody>
+                  <a:tcPr/>
+                </a:tc>
+              </a:tr>
+              <a:tr h="265756">
+                <a:tc>
+                  <a:txBody>
+                    <a:bodyPr/>
+                    <a:lstStyle/>
+                    <a:p>
+                      <a:r>
+                        <a:rPr lang="en-US" sz="1200" dirty="0" smtClean="0"/>
+                        <a:t>2</a:t>
+                      </a:r>
+                      <a:endParaRPr lang="en-US" sz="1200" dirty="0"/>
+                    </a:p>
+                  </a:txBody>
+                  <a:tcPr/>
+                </a:tc>
+                <a:tc>
+                  <a:txBody>
+                    <a:bodyPr/>
+                    <a:lstStyle/>
+                    <a:p>
+                      <a:r>
+                        <a:rPr lang="en-US" sz="1200" dirty="0" smtClean="0"/>
+                        <a:t>SQL for dummies</a:t>
+                      </a:r>
+                      <a:endParaRPr lang="en-US" sz="1200" dirty="0"/>
+                    </a:p>
+                  </a:txBody>
+                  <a:tcPr/>
+                </a:tc>
+                <a:tc>
+                  <a:txBody>
+                    <a:bodyPr/>
+                    <a:lstStyle/>
+                    <a:p>
+                      <a:r>
+                        <a:rPr lang="en-US" sz="1200" dirty="0" smtClean="0"/>
+                        <a:t>9781118607961</a:t>
+                      </a:r>
+                      <a:endParaRPr lang="en-US" sz="1200" dirty="0"/>
+                    </a:p>
+                  </a:txBody>
+                  <a:tcPr/>
+                </a:tc>
+                <a:tc>
+                  <a:txBody>
+                    <a:bodyPr/>
+                    <a:lstStyle/>
+                    <a:p>
+                      <a:r>
+                        <a:rPr lang="en-US" sz="1200" dirty="0" smtClean="0"/>
+                        <a:t>2013</a:t>
+                      </a:r>
+                      <a:endParaRPr lang="en-US" sz="1200" dirty="0"/>
+                    </a:p>
+                  </a:txBody>
+                  <a:tcPr/>
+                </a:tc>
+                <a:tc>
+                  <a:txBody>
+                    <a:bodyPr/>
+                    <a:lstStyle/>
+                    <a:p>
+                      <a:r>
+                        <a:rPr lang="en-US" sz="1200" dirty="0" smtClean="0"/>
+                        <a:t>Hoboken</a:t>
+                      </a:r>
+                      <a:endParaRPr lang="en-US" sz="1200" dirty="0"/>
+                    </a:p>
+                  </a:txBody>
+                  <a:tcPr/>
+                </a:tc>
+                <a:tc>
+                  <a:txBody>
+                    <a:bodyPr/>
+                    <a:lstStyle/>
+                    <a:p>
+                      <a:r>
+                        <a:rPr lang="en-US" sz="1200" dirty="0" smtClean="0"/>
+                        <a:t>Wiley</a:t>
+                      </a:r>
+                      <a:endParaRPr lang="en-US" sz="1200" dirty="0"/>
+                    </a:p>
+                  </a:txBody>
+                  <a:tcPr/>
+                </a:tc>
+                <a:tc>
+                  <a:txBody>
+                    <a:bodyPr/>
+                    <a:lstStyle/>
+                    <a:p>
+                      <a:r>
+                        <a:rPr lang="en-US" sz="1200" dirty="0" smtClean="0"/>
+                        <a:t>8</a:t>
+                      </a:r>
+                      <a:r>
+                        <a:rPr lang="en-US" sz="1200" baseline="30000" dirty="0" smtClean="0"/>
+                        <a:t>th</a:t>
+                      </a:r>
+                      <a:r>
+                        <a:rPr lang="en-US" sz="1200" dirty="0" smtClean="0"/>
+                        <a:t> ed.</a:t>
+                      </a:r>
+                      <a:endParaRPr lang="en-US" sz="1200" dirty="0"/>
+                    </a:p>
+                  </a:txBody>
+                  <a:tcPr/>
+                </a:tc>
+                <a:tc>
+                  <a:txBody>
+                    <a:bodyPr/>
+                    <a:lstStyle/>
+                    <a:p>
+                      <a:endParaRPr lang="en-US" sz="1200" dirty="0"/>
+                    </a:p>
+                  </a:txBody>
+                  <a:tcPr/>
+                </a:tc>
+              </a:tr>
+              <a:tr h="265756">
+                <a:tc>
+                  <a:txBody>
+                    <a:bodyPr/>
+                    <a:lstStyle/>
+                    <a:p>
+                      <a:r>
+                        <a:rPr lang="en-US" sz="1200" dirty="0" smtClean="0"/>
+                        <a:t>3</a:t>
+                      </a:r>
+                      <a:endParaRPr lang="en-US" sz="1200" dirty="0"/>
+                    </a:p>
+                  </a:txBody>
+                  <a:tcPr/>
+                </a:tc>
+                <a:tc>
+                  <a:txBody>
+                    <a:bodyPr/>
+                    <a:lstStyle/>
+                    <a:p>
+                      <a:r>
+                        <a:rPr lang="en-US" sz="1200" dirty="0" smtClean="0"/>
+                        <a:t>PHP &amp; MySQL</a:t>
+                      </a:r>
+                      <a:endParaRPr lang="en-US" sz="1200" dirty="0"/>
+                    </a:p>
+                  </a:txBody>
+                  <a:tcPr/>
+                </a:tc>
+                <a:tc>
+                  <a:txBody>
+                    <a:bodyPr/>
+                    <a:lstStyle/>
+                    <a:p>
+                      <a:pPr marL="0" marR="0" indent="0" algn="l" defTabSz="457200" rtl="0" eaLnBrk="1" fontAlgn="auto" latinLnBrk="0" hangingPunct="1">
+                        <a:lnSpc>
+                          <a:spcPct val="100000"/>
+                        </a:lnSpc>
+                        <a:spcBef>
+                          <a:spcPts val="0"/>
+                        </a:spcBef>
+                        <a:spcAft>
+                          <a:spcPts val="0"/>
+                        </a:spcAft>
+                        <a:buClrTx/>
+                        <a:buSzTx/>
+                        <a:buFontTx/>
+                        <a:buNone/>
+                        <a:tabLst/>
+                        <a:defRPr/>
+                      </a:pPr>
+                      <a:r>
+                        <a:rPr lang="en-US" sz="1200" dirty="0" smtClean="0"/>
+                        <a:t>9781449325572</a:t>
+                      </a:r>
+                      <a:endParaRPr lang="en-US" sz="1200" dirty="0"/>
+                    </a:p>
+                  </a:txBody>
+                  <a:tcPr/>
+                </a:tc>
+                <a:tc>
+                  <a:txBody>
+                    <a:bodyPr/>
+                    <a:lstStyle/>
+                    <a:p>
+                      <a:r>
+                        <a:rPr lang="en-US" sz="1200" dirty="0" smtClean="0"/>
+                        <a:t>2013</a:t>
+                      </a:r>
+                      <a:endParaRPr lang="en-US" sz="1200" dirty="0"/>
+                    </a:p>
+                  </a:txBody>
+                  <a:tcPr/>
+                </a:tc>
+                <a:tc>
+                  <a:txBody>
+                    <a:bodyPr/>
+                    <a:lstStyle/>
+                    <a:p>
+                      <a:r>
+                        <a:rPr lang="en-US" sz="1200" dirty="0" smtClean="0"/>
+                        <a:t>Sebastopol</a:t>
+                      </a:r>
+                      <a:endParaRPr lang="en-US" sz="1200" dirty="0"/>
+                    </a:p>
+                  </a:txBody>
+                  <a:tcPr/>
+                </a:tc>
+                <a:tc>
+                  <a:txBody>
+                    <a:bodyPr/>
+                    <a:lstStyle/>
+                    <a:p>
+                      <a:r>
+                        <a:rPr lang="en-US" sz="1200" dirty="0" smtClean="0"/>
+                        <a:t>O’Reilly</a:t>
+                      </a:r>
+                      <a:endParaRPr lang="en-US" sz="1200" dirty="0"/>
+                    </a:p>
+                  </a:txBody>
+                  <a:tcPr/>
+                </a:tc>
+                <a:tc>
+                  <a:txBody>
+                    <a:bodyPr/>
+                    <a:lstStyle/>
+                    <a:p>
+                      <a:r>
+                        <a:rPr lang="en-US" sz="1200" dirty="0" smtClean="0"/>
+                        <a:t>2</a:t>
+                      </a:r>
+                      <a:r>
+                        <a:rPr lang="en-US" sz="1200" baseline="30000" dirty="0" smtClean="0"/>
+                        <a:t>nd</a:t>
+                      </a:r>
+                      <a:r>
+                        <a:rPr lang="en-US" sz="1200" dirty="0" smtClean="0"/>
+                        <a:t> ed.</a:t>
+                      </a:r>
+                      <a:endParaRPr lang="en-US" sz="1200" dirty="0"/>
+                    </a:p>
+                  </a:txBody>
+                  <a:tcPr/>
+                </a:tc>
+                <a:tc>
+                  <a:txBody>
+                    <a:bodyPr/>
+                    <a:lstStyle/>
+                    <a:p>
+                      <a:r>
+                        <a:rPr lang="en-US" sz="1200" dirty="0" smtClean="0"/>
+                        <a:t>532</a:t>
+                      </a:r>
+                      <a:endParaRPr lang="en-US" sz="1200" dirty="0"/>
+                    </a:p>
+                  </a:txBody>
+                  <a:tcPr/>
+                </a:tc>
+              </a:tr>
+            </a:tbl>
+          </a:graphicData>
+        </a:graphic>
+      </p:graphicFrame>
+      <p:sp>
+        <p:nvSpPr>
+          <p:cNvPr id="5" name="TextBox 4"/>
+          <p:cNvSpPr txBox="1"/>
+          <p:nvPr/>
+        </p:nvSpPr>
+        <p:spPr>
+          <a:xfrm>
+            <a:off x="988944" y="5978966"/>
+            <a:ext cx="787445" cy="369332"/>
+          </a:xfrm>
+          <a:prstGeom prst="rect">
+            <a:avLst/>
+          </a:prstGeom>
+          <a:noFill/>
+        </p:spPr>
+        <p:txBody>
+          <a:bodyPr wrap="none" rtlCol="0">
+            <a:spAutoFit/>
+          </a:bodyPr>
+          <a:lstStyle/>
+          <a:p>
+            <a:r>
+              <a:rPr lang="en-US" dirty="0" smtClean="0">
+                <a:solidFill>
+                  <a:schemeClr val="tx2"/>
+                </a:solidFill>
+              </a:rPr>
+              <a:t>Works</a:t>
+            </a:r>
+            <a:endParaRPr lang="en-US" dirty="0">
+              <a:solidFill>
+                <a:schemeClr val="tx2"/>
+              </a:solidFill>
+            </a:endParaRPr>
           </a:p>
         </p:txBody>
       </p:sp>

--- a/SQL/sql-lib.pptx
+++ b/SQL/sql-lib.pptx
@@ -298,7 +298,7 @@
           <a:p>
             <a:fld id="{4193FD9C-507C-514D-95ED-FC5F79274887}" type="datetimeFigureOut">
               <a:rPr lang="en-US" smtClean="0"/>
-              <a:t>05/08/15</a:t>
+              <a:t>08/08/15</a:t>
             </a:fld>
             <a:endParaRPr lang="en-US"/>
           </a:p>
@@ -468,7 +468,7 @@
           <a:p>
             <a:fld id="{4193FD9C-507C-514D-95ED-FC5F79274887}" type="datetimeFigureOut">
               <a:rPr lang="en-US" smtClean="0"/>
-              <a:t>05/08/15</a:t>
+              <a:t>08/08/15</a:t>
             </a:fld>
             <a:endParaRPr lang="en-US"/>
           </a:p>
@@ -648,7 +648,7 @@
           <a:p>
             <a:fld id="{4193FD9C-507C-514D-95ED-FC5F79274887}" type="datetimeFigureOut">
               <a:rPr lang="en-US" smtClean="0"/>
-              <a:t>05/08/15</a:t>
+              <a:t>08/08/15</a:t>
             </a:fld>
             <a:endParaRPr lang="en-US"/>
           </a:p>
@@ -818,7 +818,7 @@
           <a:p>
             <a:fld id="{4193FD9C-507C-514D-95ED-FC5F79274887}" type="datetimeFigureOut">
               <a:rPr lang="en-US" smtClean="0"/>
-              <a:t>05/08/15</a:t>
+              <a:t>08/08/15</a:t>
             </a:fld>
             <a:endParaRPr lang="en-US"/>
           </a:p>
@@ -1064,7 +1064,7 @@
           <a:p>
             <a:fld id="{4193FD9C-507C-514D-95ED-FC5F79274887}" type="datetimeFigureOut">
               <a:rPr lang="en-US" smtClean="0"/>
-              <a:t>05/08/15</a:t>
+              <a:t>08/08/15</a:t>
             </a:fld>
             <a:endParaRPr lang="en-US"/>
           </a:p>
@@ -1352,7 +1352,7 @@
           <a:p>
             <a:fld id="{4193FD9C-507C-514D-95ED-FC5F79274887}" type="datetimeFigureOut">
               <a:rPr lang="en-US" smtClean="0"/>
-              <a:t>05/08/15</a:t>
+              <a:t>08/08/15</a:t>
             </a:fld>
             <a:endParaRPr lang="en-US"/>
           </a:p>
@@ -1774,7 +1774,7 @@
           <a:p>
             <a:fld id="{4193FD9C-507C-514D-95ED-FC5F79274887}" type="datetimeFigureOut">
               <a:rPr lang="en-US" smtClean="0"/>
-              <a:t>05/08/15</a:t>
+              <a:t>08/08/15</a:t>
             </a:fld>
             <a:endParaRPr lang="en-US"/>
           </a:p>
@@ -1892,7 +1892,7 @@
           <a:p>
             <a:fld id="{4193FD9C-507C-514D-95ED-FC5F79274887}" type="datetimeFigureOut">
               <a:rPr lang="en-US" smtClean="0"/>
-              <a:t>05/08/15</a:t>
+              <a:t>08/08/15</a:t>
             </a:fld>
             <a:endParaRPr lang="en-US"/>
           </a:p>
@@ -1987,7 +1987,7 @@
           <a:p>
             <a:fld id="{4193FD9C-507C-514D-95ED-FC5F79274887}" type="datetimeFigureOut">
               <a:rPr lang="en-US" smtClean="0"/>
-              <a:t>05/08/15</a:t>
+              <a:t>08/08/15</a:t>
             </a:fld>
             <a:endParaRPr lang="en-US"/>
           </a:p>
@@ -2264,7 +2264,7 @@
           <a:p>
             <a:fld id="{4193FD9C-507C-514D-95ED-FC5F79274887}" type="datetimeFigureOut">
               <a:rPr lang="en-US" smtClean="0"/>
-              <a:t>05/08/15</a:t>
+              <a:t>08/08/15</a:t>
             </a:fld>
             <a:endParaRPr lang="en-US"/>
           </a:p>
@@ -2517,7 +2517,7 @@
           <a:p>
             <a:fld id="{4193FD9C-507C-514D-95ED-FC5F79274887}" type="datetimeFigureOut">
               <a:rPr lang="en-US" smtClean="0"/>
-              <a:t>05/08/15</a:t>
+              <a:t>08/08/15</a:t>
             </a:fld>
             <a:endParaRPr lang="en-US"/>
           </a:p>
@@ -2730,7 +2730,7 @@
           <a:p>
             <a:fld id="{4193FD9C-507C-514D-95ED-FC5F79274887}" type="datetimeFigureOut">
               <a:rPr lang="en-US" smtClean="0"/>
-              <a:t>05/08/15</a:t>
+              <a:t>08/08/15</a:t>
             </a:fld>
             <a:endParaRPr lang="en-US"/>
           </a:p>
@@ -3704,14 +3704,14 @@
           <p:nvPr>
             <p:extLst>
               <p:ext uri="{D42A27DB-BD31-4B8C-83A1-F6EECF244321}">
-                <p14:modId xmlns:p14="http://schemas.microsoft.com/office/powerpoint/2010/main" val="1891962643"/>
+                <p14:modId xmlns:p14="http://schemas.microsoft.com/office/powerpoint/2010/main" val="1673404967"/>
               </p:ext>
             </p:extLst>
           </p:nvPr>
         </p:nvGraphicFramePr>
         <p:xfrm>
           <a:off x="3652806" y="5127207"/>
-          <a:ext cx="5046137" cy="1280160"/>
+          <a:ext cx="5046137" cy="1097280"/>
         </p:xfrm>
         <a:graphic>
           <a:graphicData uri="http://schemas.openxmlformats.org/drawingml/2006/table">
@@ -3721,8 +3721,8 @@
               </a:tblPr>
               <a:tblGrid>
                 <a:gridCol w="711070"/>
-                <a:gridCol w="711072"/>
-                <a:gridCol w="1390086"/>
+                <a:gridCol w="838985"/>
+                <a:gridCol w="1262173"/>
                 <a:gridCol w="1224682"/>
                 <a:gridCol w="1009227"/>
               </a:tblGrid>
@@ -5174,7 +5174,7 @@
         </p:nvCxnSpPr>
         <p:spPr>
           <a:xfrm>
-            <a:off x="4012293" y="4845172"/>
+            <a:off x="4699105" y="4845172"/>
             <a:ext cx="0" cy="182516"/>
           </a:xfrm>
           <a:prstGeom prst="straightConnector1">
@@ -5237,8 +5237,8 @@
         </p:nvCxnSpPr>
         <p:spPr>
           <a:xfrm>
-            <a:off x="1036477" y="4830316"/>
-            <a:ext cx="2975816" cy="0"/>
+            <a:off x="1036698" y="4845172"/>
+            <a:ext cx="3662407" cy="14856"/>
           </a:xfrm>
           <a:prstGeom prst="line">
             <a:avLst/>
@@ -5569,7 +5569,6 @@
               <a:rPr lang="en-US" dirty="0"/>
               <a:t> table. Warning: avoid duplicates!</a:t>
             </a:r>
-            <a:endParaRPr lang="en-US" dirty="0"/>
           </a:p>
         </p:txBody>
       </p:sp>
@@ -6210,11 +6209,7 @@
           <a:p>
             <a:r>
               <a:rPr lang="en-US" dirty="0" smtClean="0"/>
-              <a:t>C</a:t>
-            </a:r>
-            <a:r>
-              <a:rPr lang="en-US" dirty="0" smtClean="0"/>
-              <a:t>hallenge</a:t>
+              <a:t>Challenge</a:t>
             </a:r>
             <a:endParaRPr lang="en-US" dirty="0"/>
           </a:p>
@@ -6914,15 +6909,7 @@
           <a:p>
             <a:r>
               <a:rPr lang="en-US" dirty="0" smtClean="0"/>
-              <a:t>Write a query that selects only </a:t>
-            </a:r>
-            <a:r>
-              <a:rPr lang="en-US" dirty="0" smtClean="0"/>
-              <a:t>titles from </a:t>
-            </a:r>
-            <a:r>
-              <a:rPr lang="en-US" dirty="0" smtClean="0"/>
-              <a:t>the </a:t>
+              <a:t>Write a query that selects only titles from the </a:t>
             </a:r>
             <a:r>
               <a:rPr lang="en-US" b="1" dirty="0" smtClean="0"/>
@@ -8246,6 +8233,13 @@
   <p:clrMapOvr>
     <a:masterClrMapping/>
   </p:clrMapOvr>
+  <p:timing>
+    <p:tnLst>
+      <p:par>
+        <p:cTn xmlns:p14="http://schemas.microsoft.com/office/powerpoint/2010/main" id="1" dur="indefinite" restart="never" nodeType="tmRoot"/>
+      </p:par>
+    </p:tnLst>
+  </p:timing>
 </p:sld>
 </file>
 
@@ -9006,13 +9000,12 @@
             </a:r>
             <a:r>
               <a:rPr lang="en-US" dirty="0" smtClean="0"/>
-              <a:t>that date </a:t>
+              <a:t>the birth date </a:t>
             </a:r>
             <a:r>
               <a:rPr lang="en-US" dirty="0"/>
               <a:t>is not known (i.e., is null).</a:t>
             </a:r>
-            <a:endParaRPr lang="en-US" dirty="0"/>
           </a:p>
         </p:txBody>
       </p:sp>
@@ -9760,7 +9753,6 @@
               <a:rPr lang="en-US" dirty="0"/>
               <a:t> edition, along with their role?</a:t>
             </a:r>
-            <a:endParaRPr lang="en-US" dirty="0"/>
           </a:p>
         </p:txBody>
       </p:sp>
